--- a/문서/3_팀_프로젝트_결과보고서.pptx
+++ b/문서/3_팀_프로젝트_결과보고서.pptx
@@ -293,7 +293,7 @@
           <a:p>
             <a:fld id="{3FB245E4-741B-46A9-94D1-0E241DD65ACD}" type="datetimeFigureOut">
               <a:rPr lang="ko-KR" altLang="en-US" smtClean="0"/>
-              <a:t>2024-10-08</a:t>
+              <a:t>2025-01-21</a:t>
             </a:fld>
             <a:endParaRPr lang="ko-KR" altLang="en-US"/>
           </a:p>
@@ -491,7 +491,7 @@
           <a:p>
             <a:fld id="{3FB245E4-741B-46A9-94D1-0E241DD65ACD}" type="datetimeFigureOut">
               <a:rPr lang="ko-KR" altLang="en-US" smtClean="0"/>
-              <a:t>2024-10-08</a:t>
+              <a:t>2025-01-21</a:t>
             </a:fld>
             <a:endParaRPr lang="ko-KR" altLang="en-US"/>
           </a:p>
@@ -699,7 +699,7 @@
           <a:p>
             <a:fld id="{3FB245E4-741B-46A9-94D1-0E241DD65ACD}" type="datetimeFigureOut">
               <a:rPr lang="ko-KR" altLang="en-US" smtClean="0"/>
-              <a:t>2024-10-08</a:t>
+              <a:t>2025-01-21</a:t>
             </a:fld>
             <a:endParaRPr lang="ko-KR" altLang="en-US"/>
           </a:p>
@@ -1058,7 +1058,7 @@
   <p:clrMapOvr>
     <a:masterClrMapping/>
   </p:clrMapOvr>
-  <p:extLst mod="1">
+  <p:extLst>
     <p:ext uri="{DCECCB84-F9BA-43D5-87BE-67443E8EF086}">
       <p15:sldGuideLst xmlns:p15="http://schemas.microsoft.com/office/powerpoint/2012/main">
         <p15:guide id="1" orient="horz" pos="4042">
@@ -1212,7 +1212,7 @@
           <a:p>
             <a:fld id="{3FB245E4-741B-46A9-94D1-0E241DD65ACD}" type="datetimeFigureOut">
               <a:rPr lang="ko-KR" altLang="en-US" smtClean="0"/>
-              <a:t>2024-10-08</a:t>
+              <a:t>2025-01-21</a:t>
             </a:fld>
             <a:endParaRPr lang="ko-KR" altLang="en-US"/>
           </a:p>
@@ -1487,7 +1487,7 @@
           <a:p>
             <a:fld id="{3FB245E4-741B-46A9-94D1-0E241DD65ACD}" type="datetimeFigureOut">
               <a:rPr lang="ko-KR" altLang="en-US" smtClean="0"/>
-              <a:t>2024-10-08</a:t>
+              <a:t>2025-01-21</a:t>
             </a:fld>
             <a:endParaRPr lang="ko-KR" altLang="en-US"/>
           </a:p>
@@ -1752,7 +1752,7 @@
           <a:p>
             <a:fld id="{3FB245E4-741B-46A9-94D1-0E241DD65ACD}" type="datetimeFigureOut">
               <a:rPr lang="ko-KR" altLang="en-US" smtClean="0"/>
-              <a:t>2024-10-08</a:t>
+              <a:t>2025-01-21</a:t>
             </a:fld>
             <a:endParaRPr lang="ko-KR" altLang="en-US"/>
           </a:p>
@@ -2164,7 +2164,7 @@
           <a:p>
             <a:fld id="{3FB245E4-741B-46A9-94D1-0E241DD65ACD}" type="datetimeFigureOut">
               <a:rPr lang="ko-KR" altLang="en-US" smtClean="0"/>
-              <a:t>2024-10-08</a:t>
+              <a:t>2025-01-21</a:t>
             </a:fld>
             <a:endParaRPr lang="ko-KR" altLang="en-US"/>
           </a:p>
@@ -2305,7 +2305,7 @@
           <a:p>
             <a:fld id="{3FB245E4-741B-46A9-94D1-0E241DD65ACD}" type="datetimeFigureOut">
               <a:rPr lang="ko-KR" altLang="en-US" smtClean="0"/>
-              <a:t>2024-10-08</a:t>
+              <a:t>2025-01-21</a:t>
             </a:fld>
             <a:endParaRPr lang="ko-KR" altLang="en-US"/>
           </a:p>
@@ -2418,7 +2418,7 @@
           <a:p>
             <a:fld id="{3FB245E4-741B-46A9-94D1-0E241DD65ACD}" type="datetimeFigureOut">
               <a:rPr lang="ko-KR" altLang="en-US" smtClean="0"/>
-              <a:t>2024-10-08</a:t>
+              <a:t>2025-01-21</a:t>
             </a:fld>
             <a:endParaRPr lang="ko-KR" altLang="en-US"/>
           </a:p>
@@ -2729,7 +2729,7 @@
           <a:p>
             <a:fld id="{3FB245E4-741B-46A9-94D1-0E241DD65ACD}" type="datetimeFigureOut">
               <a:rPr lang="ko-KR" altLang="en-US" smtClean="0"/>
-              <a:t>2024-10-08</a:t>
+              <a:t>2025-01-21</a:t>
             </a:fld>
             <a:endParaRPr lang="ko-KR" altLang="en-US"/>
           </a:p>
@@ -3017,7 +3017,7 @@
           <a:p>
             <a:fld id="{3FB245E4-741B-46A9-94D1-0E241DD65ACD}" type="datetimeFigureOut">
               <a:rPr lang="ko-KR" altLang="en-US" smtClean="0"/>
-              <a:t>2024-10-08</a:t>
+              <a:t>2025-01-21</a:t>
             </a:fld>
             <a:endParaRPr lang="ko-KR" altLang="en-US"/>
           </a:p>
@@ -3258,7 +3258,7 @@
           <a:p>
             <a:fld id="{3FB245E4-741B-46A9-94D1-0E241DD65ACD}" type="datetimeFigureOut">
               <a:rPr lang="ko-KR" altLang="en-US" smtClean="0"/>
-              <a:t>2024-10-08</a:t>
+              <a:t>2025-01-21</a:t>
             </a:fld>
             <a:endParaRPr lang="ko-KR" altLang="en-US"/>
           </a:p>
@@ -3691,8 +3691,8 @@
         </p:nvSpPr>
         <p:spPr>
           <a:xfrm>
-            <a:off x="4367809" y="1809738"/>
-            <a:ext cx="7115886" cy="1354217"/>
+            <a:off x="2538057" y="1631100"/>
+            <a:ext cx="7115886" cy="738664"/>
           </a:xfrm>
           <a:prstGeom prst="rect">
             <a:avLst/>
@@ -3705,7 +3705,7 @@
           </a:bodyPr>
           <a:lstStyle/>
           <a:p>
-            <a:pPr eaLnBrk="1" fontAlgn="auto" latinLnBrk="1" hangingPunct="1">
+            <a:pPr algn="ctr" eaLnBrk="1" fontAlgn="auto" latinLnBrk="1" hangingPunct="1">
               <a:spcBef>
                 <a:spcPts val="0"/>
               </a:spcBef>
@@ -3715,7 +3715,7 @@
               <a:defRPr/>
             </a:pPr>
             <a:r>
-              <a:rPr lang="ko-KR" altLang="en-US" sz="4800" dirty="0">
+              <a:rPr lang="en-US" altLang="ko-KR" sz="4800" b="1" dirty="0">
                 <a:ln>
                   <a:solidFill>
                     <a:schemeClr val="accent1">
@@ -3733,10 +3733,10 @@
                 <a:latin typeface="+mj-ea"/>
                 <a:ea typeface="+mj-ea"/>
               </a:rPr>
-              <a:t>팀 프로젝트명</a:t>
+              <a:t>Human</a:t>
             </a:r>
             <a:r>
-              <a:rPr lang="en-US" altLang="ko-KR" sz="4000" b="1" dirty="0">
+              <a:rPr lang="ko-KR" altLang="en-US" sz="4800" b="1" dirty="0">
                 <a:ln>
                   <a:solidFill>
                     <a:schemeClr val="accent1">
@@ -3754,10 +3754,10 @@
                 <a:latin typeface="+mj-ea"/>
                 <a:ea typeface="+mj-ea"/>
               </a:rPr>
-              <a:t/>
+              <a:t> </a:t>
             </a:r>
-            <a:br>
-              <a:rPr lang="en-US" altLang="ko-KR" sz="4000" b="1" dirty="0">
+            <a:r>
+              <a:rPr lang="en-US" altLang="ko-KR" sz="4800" b="1" dirty="0">
                 <a:ln>
                   <a:solidFill>
                     <a:schemeClr val="accent1">
@@ -3775,69 +3775,7 @@
                 <a:latin typeface="+mj-ea"/>
                 <a:ea typeface="+mj-ea"/>
               </a:rPr>
-            </a:br>
-            <a:r>
-              <a:rPr lang="en-US" altLang="ko-KR" sz="4000" b="1" dirty="0">
-                <a:ln>
-                  <a:solidFill>
-                    <a:schemeClr val="accent1">
-                      <a:shade val="15000"/>
-                      <a:alpha val="0"/>
-                    </a:schemeClr>
-                  </a:solidFill>
-                </a:ln>
-                <a:solidFill>
-                  <a:schemeClr val="tx1">
-                    <a:lumMod val="75000"/>
-                    <a:lumOff val="25000"/>
-                  </a:schemeClr>
-                </a:solidFill>
-                <a:latin typeface="+mj-ea"/>
-                <a:ea typeface="+mj-ea"/>
-              </a:rPr>
-              <a:t>(</a:t>
-            </a:r>
-            <a:r>
-              <a:rPr lang="ko-KR" altLang="en-US" sz="4000" b="1" dirty="0">
-                <a:ln>
-                  <a:solidFill>
-                    <a:schemeClr val="accent1">
-                      <a:shade val="15000"/>
-                      <a:alpha val="0"/>
-                    </a:schemeClr>
-                  </a:solidFill>
-                </a:ln>
-                <a:solidFill>
-                  <a:schemeClr val="tx1">
-                    <a:lumMod val="75000"/>
-                    <a:lumOff val="25000"/>
-                  </a:schemeClr>
-                </a:solidFill>
-                <a:latin typeface="+mj-ea"/>
-                <a:ea typeface="+mj-ea"/>
-              </a:rPr>
-              <a:t>주제</a:t>
-            </a:r>
-            <a:r>
-              <a:rPr lang="en-US" altLang="ko-KR" sz="4000" b="1" dirty="0">
-                <a:ln>
-                  <a:solidFill>
-                    <a:schemeClr val="accent1">
-                      <a:shade val="15000"/>
-                      <a:alpha val="0"/>
-                    </a:schemeClr>
-                  </a:solidFill>
-                </a:ln>
-                <a:solidFill>
-                  <a:schemeClr val="tx1">
-                    <a:lumMod val="75000"/>
-                    <a:lumOff val="25000"/>
-                  </a:schemeClr>
-                </a:solidFill>
-                <a:latin typeface="+mj-ea"/>
-                <a:ea typeface="+mj-ea"/>
-              </a:rPr>
-              <a:t>)</a:t>
+              <a:t>Cloud</a:t>
             </a:r>
             <a:endParaRPr lang="ko-KR" altLang="en-US" sz="4000" b="1" dirty="0">
               <a:ln>
@@ -3874,7 +3812,7 @@
         </p:nvSpPr>
         <p:spPr>
           <a:xfrm>
-            <a:off x="0" y="3247695"/>
+            <a:off x="-14354" y="2998875"/>
             <a:ext cx="12192000" cy="860250"/>
           </a:xfrm>
           <a:prstGeom prst="rect">
@@ -3892,198 +3830,6 @@
           <a:lstStyle/>
           <a:p>
             <a:pPr algn="ctr"/>
-            <a:r>
-              <a:rPr lang="ko-KR" altLang="en-US" sz="1600" b="1" dirty="0">
-                <a:ln>
-                  <a:solidFill>
-                    <a:schemeClr val="accent1">
-                      <a:alpha val="0"/>
-                    </a:schemeClr>
-                  </a:solidFill>
-                </a:ln>
-                <a:solidFill>
-                  <a:srgbClr val="3378C8"/>
-                </a:solidFill>
-                <a:latin typeface="+mn-ea"/>
-              </a:rPr>
-              <a:t>제공된 목차 항목</a:t>
-            </a:r>
-            <a:r>
-              <a:rPr lang="en-US" altLang="ko-KR" sz="1600" b="1" dirty="0">
-                <a:ln>
-                  <a:solidFill>
-                    <a:schemeClr val="accent1">
-                      <a:alpha val="0"/>
-                    </a:schemeClr>
-                  </a:solidFill>
-                </a:ln>
-                <a:solidFill>
-                  <a:srgbClr val="3378C8"/>
-                </a:solidFill>
-                <a:latin typeface="+mn-ea"/>
-              </a:rPr>
-              <a:t>/</a:t>
-            </a:r>
-            <a:r>
-              <a:rPr lang="ko-KR" altLang="en-US" sz="1600" b="1" dirty="0">
-                <a:ln>
-                  <a:solidFill>
-                    <a:schemeClr val="accent1">
-                      <a:alpha val="0"/>
-                    </a:schemeClr>
-                  </a:solidFill>
-                </a:ln>
-                <a:solidFill>
-                  <a:srgbClr val="3378C8"/>
-                </a:solidFill>
-                <a:latin typeface="+mn-ea"/>
-              </a:rPr>
-              <a:t>구성</a:t>
-            </a:r>
-            <a:r>
-              <a:rPr lang="en-US" altLang="ko-KR" sz="1600" b="1" dirty="0">
-                <a:ln>
-                  <a:solidFill>
-                    <a:schemeClr val="accent1">
-                      <a:alpha val="0"/>
-                    </a:schemeClr>
-                  </a:solidFill>
-                </a:ln>
-                <a:solidFill>
-                  <a:srgbClr val="3378C8"/>
-                </a:solidFill>
-                <a:latin typeface="+mn-ea"/>
-              </a:rPr>
-              <a:t>/</a:t>
-            </a:r>
-            <a:r>
-              <a:rPr lang="ko-KR" altLang="en-US" sz="1600" b="1" dirty="0">
-                <a:ln>
-                  <a:solidFill>
-                    <a:schemeClr val="accent1">
-                      <a:alpha val="0"/>
-                    </a:schemeClr>
-                  </a:solidFill>
-                </a:ln>
-                <a:solidFill>
-                  <a:srgbClr val="3378C8"/>
-                </a:solidFill>
-                <a:latin typeface="+mn-ea"/>
-              </a:rPr>
-              <a:t>세부내용이 모두 포함되어야 </a:t>
-            </a:r>
-            <a:r>
-              <a:rPr lang="ko-KR" altLang="en-US" sz="1600" b="1" dirty="0" smtClean="0">
-                <a:ln>
-                  <a:solidFill>
-                    <a:schemeClr val="accent1">
-                      <a:alpha val="0"/>
-                    </a:schemeClr>
-                  </a:solidFill>
-                </a:ln>
-                <a:solidFill>
-                  <a:srgbClr val="3378C8"/>
-                </a:solidFill>
-                <a:latin typeface="+mn-ea"/>
-              </a:rPr>
-              <a:t>합니다</a:t>
-            </a:r>
-            <a:endParaRPr lang="en-US" altLang="ko-KR" sz="1600" b="1" dirty="0" smtClean="0">
-              <a:ln>
-                <a:solidFill>
-                  <a:schemeClr val="accent1">
-                    <a:alpha val="0"/>
-                  </a:schemeClr>
-                </a:solidFill>
-              </a:ln>
-              <a:solidFill>
-                <a:srgbClr val="3378C8"/>
-              </a:solidFill>
-              <a:latin typeface="+mn-ea"/>
-            </a:endParaRPr>
-          </a:p>
-          <a:p>
-            <a:pPr algn="ctr"/>
-            <a:r>
-              <a:rPr lang="ko-KR" altLang="en-US" sz="1600" b="1" dirty="0">
-                <a:ln>
-                  <a:solidFill>
-                    <a:schemeClr val="accent1">
-                      <a:alpha val="0"/>
-                    </a:schemeClr>
-                  </a:solidFill>
-                </a:ln>
-                <a:solidFill>
-                  <a:srgbClr val="49729E"/>
-                </a:solidFill>
-                <a:latin typeface="+mn-ea"/>
-              </a:rPr>
-              <a:t>참고</a:t>
-            </a:r>
-            <a:r>
-              <a:rPr lang="en-US" altLang="ko-KR" sz="1600" b="1" dirty="0">
-                <a:ln>
-                  <a:solidFill>
-                    <a:schemeClr val="accent1">
-                      <a:alpha val="0"/>
-                    </a:schemeClr>
-                  </a:solidFill>
-                </a:ln>
-                <a:solidFill>
-                  <a:srgbClr val="49729E"/>
-                </a:solidFill>
-                <a:latin typeface="+mn-ea"/>
-              </a:rPr>
-              <a:t>(</a:t>
-            </a:r>
-            <a:r>
-              <a:rPr lang="ko-KR" altLang="en-US" sz="1600" b="1" dirty="0">
-                <a:ln>
-                  <a:solidFill>
-                    <a:schemeClr val="accent1">
-                      <a:alpha val="0"/>
-                    </a:schemeClr>
-                  </a:solidFill>
-                </a:ln>
-                <a:solidFill>
-                  <a:srgbClr val="49729E"/>
-                </a:solidFill>
-                <a:latin typeface="+mn-ea"/>
-              </a:rPr>
-              <a:t>예시</a:t>
-            </a:r>
-            <a:r>
-              <a:rPr lang="en-US" altLang="ko-KR" sz="1600" b="1" dirty="0">
-                <a:ln>
-                  <a:solidFill>
-                    <a:schemeClr val="accent1">
-                      <a:alpha val="0"/>
-                    </a:schemeClr>
-                  </a:solidFill>
-                </a:ln>
-                <a:solidFill>
-                  <a:srgbClr val="49729E"/>
-                </a:solidFill>
-                <a:latin typeface="+mn-ea"/>
-              </a:rPr>
-              <a:t>) </a:t>
-            </a:r>
-            <a:r>
-              <a:rPr lang="ko-KR" altLang="en-US" sz="1600" b="1" dirty="0">
-                <a:ln>
-                  <a:solidFill>
-                    <a:schemeClr val="accent1">
-                      <a:alpha val="0"/>
-                    </a:schemeClr>
-                  </a:solidFill>
-                </a:ln>
-                <a:solidFill>
-                  <a:srgbClr val="49729E"/>
-                </a:solidFill>
-                <a:latin typeface="+mn-ea"/>
-              </a:rPr>
-              <a:t>디자인이므로 자유롭게 변경 가능</a:t>
-            </a:r>
             <a:endParaRPr lang="ko-KR" altLang="en-US" sz="1600" b="1" spc="600" dirty="0">
               <a:ln>
                 <a:solidFill>
@@ -4104,10 +3850,10 @@
       </p:sp>
       <p:sp>
         <p:nvSpPr>
-          <p:cNvPr id="80" name="TextBox 79">
+          <p:cNvPr id="22" name="TextBox 21">
             <a:extLst>
               <a:ext uri="{FF2B5EF4-FFF2-40B4-BE49-F238E27FC236}">
-                <a16:creationId xmlns:a16="http://schemas.microsoft.com/office/drawing/2014/main" id="{065ADEEF-A1EB-4A5E-B31D-2DD09939039D}"/>
+                <a16:creationId xmlns:a16="http://schemas.microsoft.com/office/drawing/2014/main" id="{EFFA678B-2EB1-169D-6EE4-F587EF397234}"/>
               </a:ext>
             </a:extLst>
           </p:cNvPr>
@@ -4116,8 +3862,8 @@
         </p:nvSpPr>
         <p:spPr>
           <a:xfrm>
-            <a:off x="6824895" y="5121188"/>
-            <a:ext cx="5158567" cy="402161"/>
+            <a:off x="8976320" y="4012077"/>
+            <a:ext cx="3007142" cy="956159"/>
           </a:xfrm>
           <a:prstGeom prst="rect">
             <a:avLst/>
@@ -4125,19 +3871,25 @@
           <a:noFill/>
         </p:spPr>
         <p:txBody>
-          <a:bodyPr tIns="0" bIns="0">
+          <a:bodyPr wrap="square" tIns="0" bIns="0">
             <a:spAutoFit/>
           </a:bodyPr>
           <a:lstStyle/>
           <a:p>
-            <a:pPr>
+            <a:pPr eaLnBrk="1" fontAlgn="auto" latinLnBrk="1" hangingPunct="1">
               <a:lnSpc>
                 <a:spcPct val="150000"/>
               </a:lnSpc>
+              <a:spcBef>
+                <a:spcPts val="0"/>
+              </a:spcBef>
+              <a:spcAft>
+                <a:spcPts val="0"/>
+              </a:spcAft>
               <a:defRPr/>
             </a:pPr>
             <a:r>
-              <a:rPr lang="en-US" altLang="ko-KR" sz="2000" b="1" dirty="0">
+              <a:rPr lang="ko-KR" altLang="en-US" sz="2400" b="1" dirty="0">
                 <a:ln>
                   <a:solidFill>
                     <a:schemeClr val="accent1">
@@ -4155,10 +3907,10 @@
                 <a:latin typeface="맑은 고딕" panose="020B0503020000020004" pitchFamily="50" charset="-127"/>
                 <a:ea typeface="맑은 고딕" panose="020B0503020000020004" pitchFamily="50" charset="-127"/>
               </a:rPr>
-              <a:t>[</a:t>
+              <a:t> </a:t>
             </a:r>
             <a:r>
-              <a:rPr lang="ko-KR" altLang="en-US" sz="2000" b="1" dirty="0">
+              <a:rPr lang="ko-KR" altLang="en-US" sz="2400" b="1" dirty="0" err="1">
                 <a:ln>
                   <a:solidFill>
                     <a:schemeClr val="accent1">
@@ -4176,10 +3928,42 @@
                 <a:latin typeface="맑은 고딕" panose="020B0503020000020004" pitchFamily="50" charset="-127"/>
                 <a:ea typeface="맑은 고딕" panose="020B0503020000020004" pitchFamily="50" charset="-127"/>
               </a:rPr>
-              <a:t>멘토</a:t>
+              <a:t>보드마카</a:t>
             </a:r>
+            <a:endParaRPr lang="en-US" altLang="ko-KR" sz="2400" b="1" dirty="0">
+              <a:ln>
+                <a:solidFill>
+                  <a:schemeClr val="accent1">
+                    <a:shade val="15000"/>
+                    <a:alpha val="0"/>
+                  </a:schemeClr>
+                </a:solidFill>
+              </a:ln>
+              <a:solidFill>
+                <a:schemeClr val="tx1">
+                  <a:lumMod val="75000"/>
+                  <a:lumOff val="25000"/>
+                </a:schemeClr>
+              </a:solidFill>
+              <a:latin typeface="맑은 고딕" panose="020B0503020000020004" pitchFamily="50" charset="-127"/>
+              <a:ea typeface="맑은 고딕" panose="020B0503020000020004" pitchFamily="50" charset="-127"/>
+            </a:endParaRPr>
+          </a:p>
+          <a:p>
+            <a:pPr algn="r" eaLnBrk="1" fontAlgn="auto" latinLnBrk="1" hangingPunct="1">
+              <a:lnSpc>
+                <a:spcPct val="150000"/>
+              </a:lnSpc>
+              <a:spcBef>
+                <a:spcPts val="0"/>
+              </a:spcBef>
+              <a:spcAft>
+                <a:spcPts val="0"/>
+              </a:spcAft>
+              <a:defRPr/>
+            </a:pPr>
             <a:r>
-              <a:rPr lang="en-US" altLang="ko-KR" sz="2000" b="1" dirty="0">
+              <a:rPr lang="ko-KR" altLang="en-US" sz="2000" dirty="0">
                 <a:ln>
                   <a:solidFill>
                     <a:schemeClr val="accent1">
@@ -4197,10 +3981,10 @@
                 <a:latin typeface="맑은 고딕" panose="020B0503020000020004" pitchFamily="50" charset="-127"/>
                 <a:ea typeface="맑은 고딕" panose="020B0503020000020004" pitchFamily="50" charset="-127"/>
               </a:rPr>
-              <a:t>] </a:t>
+              <a:t>정현의</a:t>
             </a:r>
             <a:r>
-              <a:rPr lang="ko-KR" altLang="en-US" sz="2000" b="1" dirty="0">
+              <a:rPr lang="en-US" altLang="ko-KR" sz="2000" dirty="0">
                 <a:ln>
                   <a:solidFill>
                     <a:schemeClr val="accent1">
@@ -4216,10 +4000,74 @@
                   </a:schemeClr>
                 </a:solidFill>
                 <a:latin typeface="맑은 고딕" panose="020B0503020000020004" pitchFamily="50" charset="-127"/>
+                <a:ea typeface="맑은 고딕" panose="020B0503020000020004" pitchFamily="50" charset="-127"/>
               </a:rPr>
-              <a:t>○○○</a:t>
+              <a:t>, </a:t>
             </a:r>
-            <a:endParaRPr lang="en-US" altLang="ko-KR" sz="2000" b="1" dirty="0">
+            <a:r>
+              <a:rPr lang="ko-KR" altLang="en-US" sz="2000" dirty="0">
+                <a:ln>
+                  <a:solidFill>
+                    <a:schemeClr val="accent1">
+                      <a:shade val="15000"/>
+                      <a:alpha val="0"/>
+                    </a:schemeClr>
+                  </a:solidFill>
+                </a:ln>
+                <a:solidFill>
+                  <a:schemeClr val="tx1">
+                    <a:lumMod val="75000"/>
+                    <a:lumOff val="25000"/>
+                  </a:schemeClr>
+                </a:solidFill>
+                <a:latin typeface="맑은 고딕" panose="020B0503020000020004" pitchFamily="50" charset="-127"/>
+                <a:ea typeface="맑은 고딕" panose="020B0503020000020004" pitchFamily="50" charset="-127"/>
+              </a:rPr>
+              <a:t>이동욱</a:t>
+            </a:r>
+            <a:r>
+              <a:rPr lang="en-US" altLang="ko-KR" sz="2000" dirty="0">
+                <a:ln>
+                  <a:solidFill>
+                    <a:schemeClr val="accent1">
+                      <a:shade val="15000"/>
+                      <a:alpha val="0"/>
+                    </a:schemeClr>
+                  </a:solidFill>
+                </a:ln>
+                <a:solidFill>
+                  <a:schemeClr val="tx1">
+                    <a:lumMod val="75000"/>
+                    <a:lumOff val="25000"/>
+                  </a:schemeClr>
+                </a:solidFill>
+                <a:latin typeface="맑은 고딕" panose="020B0503020000020004" pitchFamily="50" charset="-127"/>
+                <a:ea typeface="맑은 고딕" panose="020B0503020000020004" pitchFamily="50" charset="-127"/>
+              </a:rPr>
+              <a:t>, </a:t>
+            </a:r>
+            <a:r>
+              <a:rPr lang="ko-KR" altLang="en-US" sz="2000" dirty="0">
+                <a:ln>
+                  <a:solidFill>
+                    <a:schemeClr val="accent1">
+                      <a:shade val="15000"/>
+                      <a:alpha val="0"/>
+                    </a:schemeClr>
+                  </a:solidFill>
+                </a:ln>
+                <a:solidFill>
+                  <a:schemeClr val="tx1">
+                    <a:lumMod val="75000"/>
+                    <a:lumOff val="25000"/>
+                  </a:schemeClr>
+                </a:solidFill>
+                <a:latin typeface="맑은 고딕" panose="020B0503020000020004" pitchFamily="50" charset="-127"/>
+                <a:ea typeface="맑은 고딕" panose="020B0503020000020004" pitchFamily="50" charset="-127"/>
+              </a:rPr>
+              <a:t>한혜진</a:t>
+            </a:r>
+            <a:endParaRPr lang="en-US" altLang="ko-KR" sz="2000" dirty="0">
               <a:ln>
                 <a:solidFill>
                   <a:schemeClr val="accent1">
@@ -4242,10 +4090,10 @@
       </p:sp>
       <p:sp>
         <p:nvSpPr>
-          <p:cNvPr id="22" name="TextBox 21">
+          <p:cNvPr id="2" name="TextBox 1">
             <a:extLst>
               <a:ext uri="{FF2B5EF4-FFF2-40B4-BE49-F238E27FC236}">
-                <a16:creationId xmlns:a16="http://schemas.microsoft.com/office/drawing/2014/main" id="{EFFA678B-2EB1-169D-6EE4-F587EF397234}"/>
+                <a16:creationId xmlns:a16="http://schemas.microsoft.com/office/drawing/2014/main" id="{EEDD694D-2F2E-3683-62A0-F9235D438C0E}"/>
               </a:ext>
             </a:extLst>
           </p:cNvPr>
@@ -4254,8 +4102,8 @@
         </p:nvSpPr>
         <p:spPr>
           <a:xfrm>
-            <a:off x="6810988" y="4028125"/>
-            <a:ext cx="5158567" cy="956159"/>
+            <a:off x="9156340" y="5118285"/>
+            <a:ext cx="2827122" cy="646331"/>
           </a:xfrm>
           <a:prstGeom prst="rect">
             <a:avLst/>
@@ -4263,427 +4111,23 @@
           <a:noFill/>
         </p:spPr>
         <p:txBody>
-          <a:bodyPr tIns="0" bIns="0">
+          <a:bodyPr wrap="square" rtlCol="0">
             <a:spAutoFit/>
           </a:bodyPr>
           <a:lstStyle/>
           <a:p>
-            <a:pPr eaLnBrk="1" fontAlgn="auto" latinLnBrk="1" hangingPunct="1">
-              <a:lnSpc>
-                <a:spcPct val="150000"/>
-              </a:lnSpc>
-              <a:spcBef>
-                <a:spcPts val="0"/>
-              </a:spcBef>
-              <a:spcAft>
-                <a:spcPts val="0"/>
-              </a:spcAft>
-              <a:defRPr/>
-            </a:pPr>
             <a:r>
-              <a:rPr lang="en-US" altLang="ko-KR" sz="2400" b="1" dirty="0" smtClean="0">
-                <a:ln>
-                  <a:solidFill>
-                    <a:schemeClr val="accent1">
-                      <a:shade val="15000"/>
-                      <a:alpha val="0"/>
-                    </a:schemeClr>
-                  </a:solidFill>
-                </a:ln>
-                <a:solidFill>
-                  <a:schemeClr val="bg1"/>
-                </a:solidFill>
-                <a:latin typeface="맑은 고딕" panose="020B0503020000020004" pitchFamily="50" charset="-127"/>
-                <a:ea typeface="맑은 고딕" panose="020B0503020000020004" pitchFamily="50" charset="-127"/>
-              </a:rPr>
-              <a:t>TEAM 1</a:t>
+              <a:rPr lang="ko-KR" altLang="en-US" b="1" dirty="0"/>
+              <a:t>멘토</a:t>
             </a:r>
-            <a:r>
-              <a:rPr lang="ko-KR" altLang="en-US" sz="2400" b="1" dirty="0" smtClean="0">
-                <a:ln>
-                  <a:solidFill>
-                    <a:schemeClr val="accent1">
-                      <a:shade val="15000"/>
-                      <a:alpha val="0"/>
-                    </a:schemeClr>
-                  </a:solidFill>
-                </a:ln>
-                <a:solidFill>
-                  <a:schemeClr val="bg1"/>
-                </a:solidFill>
-                <a:latin typeface="맑은 고딕" panose="020B0503020000020004" pitchFamily="50" charset="-127"/>
-                <a:ea typeface="맑은 고딕" panose="020B0503020000020004" pitchFamily="50" charset="-127"/>
-              </a:rPr>
-              <a:t>조</a:t>
-            </a:r>
-            <a:r>
-              <a:rPr lang="ko-KR" altLang="en-US" sz="2400" b="1" dirty="0" smtClean="0">
-                <a:ln>
-                  <a:solidFill>
-                    <a:schemeClr val="accent1">
-                      <a:shade val="15000"/>
-                      <a:alpha val="0"/>
-                    </a:schemeClr>
-                  </a:solidFill>
-                </a:ln>
-                <a:solidFill>
-                  <a:schemeClr val="tx1">
-                    <a:lumMod val="75000"/>
-                    <a:lumOff val="25000"/>
-                  </a:schemeClr>
-                </a:solidFill>
-                <a:latin typeface="맑은 고딕" panose="020B0503020000020004" pitchFamily="50" charset="-127"/>
-                <a:ea typeface="맑은 고딕" panose="020B0503020000020004" pitchFamily="50" charset="-127"/>
-              </a:rPr>
-              <a:t>   </a:t>
-            </a:r>
-            <a:r>
-              <a:rPr lang="ko-KR" altLang="en-US" sz="2400" b="1" dirty="0" err="1" smtClean="0">
-                <a:ln>
-                  <a:solidFill>
-                    <a:schemeClr val="accent1">
-                      <a:shade val="15000"/>
-                      <a:alpha val="0"/>
-                    </a:schemeClr>
-                  </a:solidFill>
-                </a:ln>
-                <a:solidFill>
-                  <a:schemeClr val="tx1">
-                    <a:lumMod val="75000"/>
-                    <a:lumOff val="25000"/>
-                  </a:schemeClr>
-                </a:solidFill>
-                <a:latin typeface="맑은 고딕" panose="020B0503020000020004" pitchFamily="50" charset="-127"/>
-                <a:ea typeface="맑은 고딕" panose="020B0503020000020004" pitchFamily="50" charset="-127"/>
-              </a:rPr>
-              <a:t>어벤져스</a:t>
-            </a:r>
-            <a:r>
-              <a:rPr lang="ko-KR" altLang="en-US" sz="2400" b="1" dirty="0" smtClean="0">
-                <a:ln>
-                  <a:solidFill>
-                    <a:schemeClr val="accent1">
-                      <a:shade val="15000"/>
-                      <a:alpha val="0"/>
-                    </a:schemeClr>
-                  </a:solidFill>
-                </a:ln>
-                <a:solidFill>
-                  <a:schemeClr val="tx1">
-                    <a:lumMod val="75000"/>
-                    <a:lumOff val="25000"/>
-                  </a:schemeClr>
-                </a:solidFill>
-                <a:latin typeface="맑은 고딕" panose="020B0503020000020004" pitchFamily="50" charset="-127"/>
-                <a:ea typeface="맑은 고딕" panose="020B0503020000020004" pitchFamily="50" charset="-127"/>
-              </a:rPr>
-              <a:t> </a:t>
-            </a:r>
-            <a:r>
-              <a:rPr lang="en-US" altLang="ko-KR" sz="2400" b="1" dirty="0" smtClean="0">
-                <a:ln>
-                  <a:solidFill>
-                    <a:schemeClr val="accent1">
-                      <a:shade val="15000"/>
-                      <a:alpha val="0"/>
-                    </a:schemeClr>
-                  </a:solidFill>
-                </a:ln>
-                <a:solidFill>
-                  <a:schemeClr val="tx1">
-                    <a:lumMod val="75000"/>
-                    <a:lumOff val="25000"/>
-                  </a:schemeClr>
-                </a:solidFill>
-                <a:latin typeface="맑은 고딕" panose="020B0503020000020004" pitchFamily="50" charset="-127"/>
-                <a:ea typeface="맑은 고딕" panose="020B0503020000020004" pitchFamily="50" charset="-127"/>
-              </a:rPr>
-              <a:t>(</a:t>
-            </a:r>
-            <a:r>
-              <a:rPr lang="ko-KR" altLang="en-US" sz="2400" b="1" dirty="0" err="1" smtClean="0">
-                <a:ln>
-                  <a:solidFill>
-                    <a:schemeClr val="accent1">
-                      <a:shade val="15000"/>
-                      <a:alpha val="0"/>
-                    </a:schemeClr>
-                  </a:solidFill>
-                </a:ln>
-                <a:solidFill>
-                  <a:schemeClr val="tx1">
-                    <a:lumMod val="75000"/>
-                    <a:lumOff val="25000"/>
-                  </a:schemeClr>
-                </a:solidFill>
-                <a:latin typeface="맑은 고딕" panose="020B0503020000020004" pitchFamily="50" charset="-127"/>
-                <a:ea typeface="맑은 고딕" panose="020B0503020000020004" pitchFamily="50" charset="-127"/>
-              </a:rPr>
-              <a:t>팀명</a:t>
-            </a:r>
-            <a:r>
-              <a:rPr lang="en-US" altLang="ko-KR" sz="2400" b="1" dirty="0" smtClean="0">
-                <a:ln>
-                  <a:solidFill>
-                    <a:schemeClr val="accent1">
-                      <a:shade val="15000"/>
-                      <a:alpha val="0"/>
-                    </a:schemeClr>
-                  </a:solidFill>
-                </a:ln>
-                <a:solidFill>
-                  <a:schemeClr val="tx1">
-                    <a:lumMod val="75000"/>
-                    <a:lumOff val="25000"/>
-                  </a:schemeClr>
-                </a:solidFill>
-                <a:latin typeface="맑은 고딕" panose="020B0503020000020004" pitchFamily="50" charset="-127"/>
-                <a:ea typeface="맑은 고딕" panose="020B0503020000020004" pitchFamily="50" charset="-127"/>
-              </a:rPr>
-              <a:t>)</a:t>
-            </a:r>
+            <a:endParaRPr lang="en-US" altLang="ko-KR" b="1" dirty="0"/>
           </a:p>
           <a:p>
-            <a:pPr eaLnBrk="1" fontAlgn="auto" latinLnBrk="1" hangingPunct="1">
-              <a:lnSpc>
-                <a:spcPct val="150000"/>
-              </a:lnSpc>
-              <a:spcBef>
-                <a:spcPts val="0"/>
-              </a:spcBef>
-              <a:spcAft>
-                <a:spcPts val="0"/>
-              </a:spcAft>
-              <a:defRPr/>
-            </a:pPr>
+            <a:pPr algn="r"/>
             <a:r>
-              <a:rPr lang="ko-KR" altLang="en-US" sz="2000" b="1" dirty="0" smtClean="0">
-                <a:ln>
-                  <a:solidFill>
-                    <a:schemeClr val="accent1">
-                      <a:shade val="15000"/>
-                      <a:alpha val="0"/>
-                    </a:schemeClr>
-                  </a:solidFill>
-                </a:ln>
-                <a:solidFill>
-                  <a:schemeClr val="tx1">
-                    <a:lumMod val="75000"/>
-                    <a:lumOff val="25000"/>
-                  </a:schemeClr>
-                </a:solidFill>
-                <a:latin typeface="맑은 고딕" panose="020B0503020000020004" pitchFamily="50" charset="-127"/>
-                <a:ea typeface="맑은 고딕" panose="020B0503020000020004" pitchFamily="50" charset="-127"/>
-              </a:rPr>
-              <a:t>김</a:t>
+              <a:rPr lang="ko-KR" altLang="en-US" dirty="0"/>
+              <a:t>박 민</a:t>
             </a:r>
-            <a:r>
-              <a:rPr lang="ko-KR" altLang="en-US" sz="2000" b="1" dirty="0">
-                <a:ln>
-                  <a:solidFill>
-                    <a:schemeClr val="accent1">
-                      <a:shade val="15000"/>
-                      <a:alpha val="0"/>
-                    </a:schemeClr>
-                  </a:solidFill>
-                </a:ln>
-                <a:solidFill>
-                  <a:schemeClr val="tx1">
-                    <a:lumMod val="75000"/>
-                    <a:lumOff val="25000"/>
-                  </a:schemeClr>
-                </a:solidFill>
-                <a:latin typeface="맑은 고딕" panose="020B0503020000020004" pitchFamily="50" charset="-127"/>
-                <a:ea typeface="맑은 고딕" panose="020B0503020000020004" pitchFamily="50" charset="-127"/>
-              </a:rPr>
-              <a:t>○○</a:t>
-            </a:r>
-            <a:r>
-              <a:rPr lang="en-US" altLang="ko-KR" sz="2000" b="1" dirty="0">
-                <a:ln>
-                  <a:solidFill>
-                    <a:schemeClr val="accent1">
-                      <a:shade val="15000"/>
-                      <a:alpha val="0"/>
-                    </a:schemeClr>
-                  </a:solidFill>
-                </a:ln>
-                <a:solidFill>
-                  <a:schemeClr val="tx1">
-                    <a:lumMod val="75000"/>
-                    <a:lumOff val="25000"/>
-                  </a:schemeClr>
-                </a:solidFill>
-                <a:latin typeface="맑은 고딕" panose="020B0503020000020004" pitchFamily="50" charset="-127"/>
-                <a:ea typeface="맑은 고딕" panose="020B0503020000020004" pitchFamily="50" charset="-127"/>
-              </a:rPr>
-              <a:t>, </a:t>
-            </a:r>
-            <a:r>
-              <a:rPr lang="ko-KR" altLang="en-US" sz="2000" b="1" dirty="0">
-                <a:ln>
-                  <a:solidFill>
-                    <a:schemeClr val="accent1">
-                      <a:shade val="15000"/>
-                      <a:alpha val="0"/>
-                    </a:schemeClr>
-                  </a:solidFill>
-                </a:ln>
-                <a:solidFill>
-                  <a:schemeClr val="tx1">
-                    <a:lumMod val="75000"/>
-                    <a:lumOff val="25000"/>
-                  </a:schemeClr>
-                </a:solidFill>
-                <a:latin typeface="맑은 고딕" panose="020B0503020000020004" pitchFamily="50" charset="-127"/>
-                <a:ea typeface="맑은 고딕" panose="020B0503020000020004" pitchFamily="50" charset="-127"/>
-              </a:rPr>
-              <a:t>박○○</a:t>
-            </a:r>
-            <a:r>
-              <a:rPr lang="en-US" altLang="ko-KR" sz="2000" b="1" dirty="0">
-                <a:ln>
-                  <a:solidFill>
-                    <a:schemeClr val="accent1">
-                      <a:shade val="15000"/>
-                      <a:alpha val="0"/>
-                    </a:schemeClr>
-                  </a:solidFill>
-                </a:ln>
-                <a:solidFill>
-                  <a:schemeClr val="tx1">
-                    <a:lumMod val="75000"/>
-                    <a:lumOff val="25000"/>
-                  </a:schemeClr>
-                </a:solidFill>
-                <a:latin typeface="맑은 고딕" panose="020B0503020000020004" pitchFamily="50" charset="-127"/>
-                <a:ea typeface="맑은 고딕" panose="020B0503020000020004" pitchFamily="50" charset="-127"/>
-              </a:rPr>
-              <a:t>, </a:t>
-            </a:r>
-            <a:r>
-              <a:rPr lang="ko-KR" altLang="en-US" sz="2000" b="1" dirty="0">
-                <a:ln>
-                  <a:solidFill>
-                    <a:schemeClr val="accent1">
-                      <a:shade val="15000"/>
-                      <a:alpha val="0"/>
-                    </a:schemeClr>
-                  </a:solidFill>
-                </a:ln>
-                <a:solidFill>
-                  <a:schemeClr val="tx1">
-                    <a:lumMod val="75000"/>
-                    <a:lumOff val="25000"/>
-                  </a:schemeClr>
-                </a:solidFill>
-                <a:latin typeface="맑은 고딕" panose="020B0503020000020004" pitchFamily="50" charset="-127"/>
-                <a:ea typeface="맑은 고딕" panose="020B0503020000020004" pitchFamily="50" charset="-127"/>
-              </a:rPr>
-              <a:t>이○○</a:t>
-            </a:r>
-            <a:r>
-              <a:rPr lang="en-US" altLang="ko-KR" sz="2000" b="1" dirty="0">
-                <a:ln>
-                  <a:solidFill>
-                    <a:schemeClr val="accent1">
-                      <a:shade val="15000"/>
-                      <a:alpha val="0"/>
-                    </a:schemeClr>
-                  </a:solidFill>
-                </a:ln>
-                <a:solidFill>
-                  <a:schemeClr val="tx1">
-                    <a:lumMod val="75000"/>
-                    <a:lumOff val="25000"/>
-                  </a:schemeClr>
-                </a:solidFill>
-                <a:latin typeface="맑은 고딕" panose="020B0503020000020004" pitchFamily="50" charset="-127"/>
-                <a:ea typeface="맑은 고딕" panose="020B0503020000020004" pitchFamily="50" charset="-127"/>
-              </a:rPr>
-              <a:t>, </a:t>
-            </a:r>
-            <a:r>
-              <a:rPr lang="ko-KR" altLang="en-US" sz="2000" b="1" dirty="0">
-                <a:ln>
-                  <a:solidFill>
-                    <a:schemeClr val="accent1">
-                      <a:shade val="15000"/>
-                      <a:alpha val="0"/>
-                    </a:schemeClr>
-                  </a:solidFill>
-                </a:ln>
-                <a:solidFill>
-                  <a:schemeClr val="tx1">
-                    <a:lumMod val="75000"/>
-                    <a:lumOff val="25000"/>
-                  </a:schemeClr>
-                </a:solidFill>
-                <a:latin typeface="맑은 고딕" panose="020B0503020000020004" pitchFamily="50" charset="-127"/>
-                <a:ea typeface="맑은 고딕" panose="020B0503020000020004" pitchFamily="50" charset="-127"/>
-              </a:rPr>
-              <a:t>최○○</a:t>
-            </a:r>
-            <a:r>
-              <a:rPr lang="en-US" altLang="ko-KR" sz="2000" b="1" dirty="0">
-                <a:ln>
-                  <a:solidFill>
-                    <a:schemeClr val="accent1">
-                      <a:shade val="15000"/>
-                      <a:alpha val="0"/>
-                    </a:schemeClr>
-                  </a:solidFill>
-                </a:ln>
-                <a:solidFill>
-                  <a:schemeClr val="tx1">
-                    <a:lumMod val="75000"/>
-                    <a:lumOff val="25000"/>
-                  </a:schemeClr>
-                </a:solidFill>
-                <a:latin typeface="맑은 고딕" panose="020B0503020000020004" pitchFamily="50" charset="-127"/>
-                <a:ea typeface="맑은 고딕" panose="020B0503020000020004" pitchFamily="50" charset="-127"/>
-              </a:rPr>
-              <a:t>, </a:t>
-            </a:r>
-            <a:r>
-              <a:rPr lang="ko-KR" altLang="en-US" sz="2000" b="1" dirty="0">
-                <a:ln>
-                  <a:solidFill>
-                    <a:schemeClr val="accent1">
-                      <a:shade val="15000"/>
-                      <a:alpha val="0"/>
-                    </a:schemeClr>
-                  </a:solidFill>
-                </a:ln>
-                <a:solidFill>
-                  <a:schemeClr val="tx1">
-                    <a:lumMod val="75000"/>
-                    <a:lumOff val="25000"/>
-                  </a:schemeClr>
-                </a:solidFill>
-                <a:latin typeface="맑은 고딕" panose="020B0503020000020004" pitchFamily="50" charset="-127"/>
-                <a:ea typeface="맑은 고딕" panose="020B0503020000020004" pitchFamily="50" charset="-127"/>
-              </a:rPr>
-              <a:t>정○○</a:t>
-            </a:r>
-            <a:endParaRPr lang="en-US" altLang="ko-KR" sz="2000" b="1" dirty="0">
-              <a:ln>
-                <a:solidFill>
-                  <a:schemeClr val="accent1">
-                    <a:shade val="15000"/>
-                    <a:alpha val="0"/>
-                  </a:schemeClr>
-                </a:solidFill>
-              </a:ln>
-              <a:solidFill>
-                <a:schemeClr val="tx1">
-                  <a:lumMod val="75000"/>
-                  <a:lumOff val="25000"/>
-                </a:schemeClr>
-              </a:solidFill>
-              <a:latin typeface="맑은 고딕" panose="020B0503020000020004" pitchFamily="50" charset="-127"/>
-              <a:ea typeface="맑은 고딕" panose="020B0503020000020004" pitchFamily="50" charset="-127"/>
-            </a:endParaRPr>
           </a:p>
         </p:txBody>
       </p:sp>
@@ -4881,7 +4325,7 @@
             <a:lstStyle/>
             <a:p>
               <a:r>
-                <a:rPr lang="en-US" altLang="ko-KR" sz="3200" b="1" dirty="0" smtClean="0">
+                <a:rPr lang="en-US" altLang="ko-KR" sz="3200" b="1" dirty="0">
                   <a:ln>
                     <a:solidFill>
                       <a:schemeClr val="accent1">
@@ -5021,7 +4465,7 @@
             <a:lstStyle/>
             <a:p>
               <a:r>
-                <a:rPr lang="en-US" altLang="ko-KR" sz="3200" b="1" dirty="0" smtClean="0">
+                <a:rPr lang="en-US" altLang="ko-KR" sz="3200" b="1" dirty="0">
                   <a:ln>
                     <a:solidFill>
                       <a:schemeClr val="accent1">
@@ -5161,7 +4605,7 @@
             <a:lstStyle/>
             <a:p>
               <a:r>
-                <a:rPr lang="en-US" altLang="ko-KR" sz="3200" b="1" dirty="0" smtClean="0">
+                <a:rPr lang="en-US" altLang="ko-KR" sz="3200" b="1" dirty="0">
                   <a:ln>
                     <a:solidFill>
                       <a:schemeClr val="accent1">
@@ -5301,7 +4745,7 @@
             <a:lstStyle/>
             <a:p>
               <a:r>
-                <a:rPr lang="en-US" altLang="ko-KR" sz="3200" b="1" dirty="0" smtClean="0">
+                <a:rPr lang="en-US" altLang="ko-KR" sz="3200" b="1" dirty="0">
                   <a:ln>
                     <a:solidFill>
                       <a:schemeClr val="accent1">
@@ -5441,7 +4885,7 @@
             <a:lstStyle/>
             <a:p>
               <a:r>
-                <a:rPr lang="en-US" altLang="ko-KR" sz="3200" b="1" dirty="0" smtClean="0">
+                <a:rPr lang="en-US" altLang="ko-KR" sz="3200" b="1" dirty="0">
                   <a:ln>
                     <a:solidFill>
                       <a:schemeClr val="accent1">
@@ -5490,7 +4934,7 @@
           <a:blip r:embed="rId2">
             <a:extLst>
               <a:ext uri="{96DAC541-7B7A-43D3-8B79-37D633B846F1}">
-                <asvg:svgBlip xmlns="" xmlns:asvg="http://schemas.microsoft.com/office/drawing/2016/SVG/main" r:embed="rId7"/>
+                <asvg:svgBlip xmlns:asvg="http://schemas.microsoft.com/office/drawing/2016/SVG/main" r:embed="rId3"/>
               </a:ext>
             </a:extLst>
           </a:blip>
@@ -5595,142 +5039,6 @@
       </p:sp>
       <p:sp>
         <p:nvSpPr>
-          <p:cNvPr id="29" name="TextBox 28">
-            <a:extLst>
-              <a:ext uri="{FF2B5EF4-FFF2-40B4-BE49-F238E27FC236}">
-                <a16:creationId xmlns:a16="http://schemas.microsoft.com/office/drawing/2014/main" id="{2168CD54-D633-5776-71CD-FD7897E3EC30}"/>
-              </a:ext>
-            </a:extLst>
-          </p:cNvPr>
-          <p:cNvSpPr txBox="1"/>
-          <p:nvPr/>
-        </p:nvSpPr>
-        <p:spPr>
-          <a:xfrm>
-            <a:off x="743615" y="1430219"/>
-            <a:ext cx="10324435" cy="369332"/>
-          </a:xfrm>
-          <a:prstGeom prst="rect">
-            <a:avLst/>
-          </a:prstGeom>
-          <a:noFill/>
-        </p:spPr>
-        <p:txBody>
-          <a:bodyPr wrap="square">
-            <a:spAutoFit/>
-          </a:bodyPr>
-          <a:lstStyle/>
-          <a:p>
-            <a:pPr>
-              <a:defRPr/>
-            </a:pPr>
-            <a:r>
-              <a:rPr lang="ko-KR" altLang="en-US" dirty="0">
-                <a:ln>
-                  <a:solidFill>
-                    <a:schemeClr val="accent1">
-                      <a:shade val="15000"/>
-                      <a:alpha val="0"/>
-                    </a:schemeClr>
-                  </a:solidFill>
-                </a:ln>
-                <a:solidFill>
-                  <a:schemeClr val="tx1">
-                    <a:lumMod val="75000"/>
-                    <a:lumOff val="25000"/>
-                  </a:schemeClr>
-                </a:solidFill>
-                <a:latin typeface="+mj-ea"/>
-                <a:ea typeface="+mj-ea"/>
-              </a:rPr>
-              <a:t>아래 내용이 </a:t>
-            </a:r>
-            <a:r>
-              <a:rPr lang="ko-KR" altLang="en-US" b="1" dirty="0">
-                <a:ln>
-                  <a:solidFill>
-                    <a:schemeClr val="accent1">
-                      <a:shade val="15000"/>
-                      <a:alpha val="0"/>
-                    </a:schemeClr>
-                  </a:solidFill>
-                </a:ln>
-                <a:solidFill>
-                  <a:srgbClr val="3378C8"/>
-                </a:solidFill>
-                <a:latin typeface="+mj-ea"/>
-                <a:ea typeface="+mj-ea"/>
-              </a:rPr>
-              <a:t>반드시 포함</a:t>
-            </a:r>
-            <a:r>
-              <a:rPr lang="ko-KR" altLang="en-US" b="1" dirty="0">
-                <a:ln>
-                  <a:solidFill>
-                    <a:schemeClr val="accent1">
-                      <a:shade val="15000"/>
-                      <a:alpha val="0"/>
-                    </a:schemeClr>
-                  </a:solidFill>
-                </a:ln>
-                <a:solidFill>
-                  <a:schemeClr val="tx1">
-                    <a:lumMod val="75000"/>
-                    <a:lumOff val="25000"/>
-                  </a:schemeClr>
-                </a:solidFill>
-                <a:latin typeface="+mj-ea"/>
-                <a:ea typeface="+mj-ea"/>
-              </a:rPr>
-              <a:t>되도록 작성</a:t>
-            </a:r>
-            <a:r>
-              <a:rPr lang="ko-KR" altLang="en-US" dirty="0">
-                <a:ln>
-                  <a:solidFill>
-                    <a:schemeClr val="accent1">
-                      <a:shade val="15000"/>
-                      <a:alpha val="0"/>
-                    </a:schemeClr>
-                  </a:solidFill>
-                </a:ln>
-                <a:solidFill>
-                  <a:schemeClr val="tx1">
-                    <a:lumMod val="75000"/>
-                    <a:lumOff val="25000"/>
-                  </a:schemeClr>
-                </a:solidFill>
-                <a:latin typeface="+mj-ea"/>
-                <a:ea typeface="+mj-ea"/>
-              </a:rPr>
-              <a:t>한다</a:t>
-            </a:r>
-            <a:r>
-              <a:rPr lang="en-US" altLang="ko-KR" dirty="0">
-                <a:ln>
-                  <a:solidFill>
-                    <a:schemeClr val="accent1">
-                      <a:shade val="15000"/>
-                      <a:alpha val="0"/>
-                    </a:schemeClr>
-                  </a:solidFill>
-                </a:ln>
-                <a:solidFill>
-                  <a:schemeClr val="tx1">
-                    <a:lumMod val="75000"/>
-                    <a:lumOff val="25000"/>
-                  </a:schemeClr>
-                </a:solidFill>
-                <a:latin typeface="+mj-ea"/>
-                <a:ea typeface="+mj-ea"/>
-              </a:rPr>
-              <a:t>.  </a:t>
-            </a:r>
-          </a:p>
-        </p:txBody>
-      </p:sp>
-      <p:sp>
-        <p:nvSpPr>
           <p:cNvPr id="19" name="TextBox 18">
             <a:extLst>
               <a:ext uri="{FF2B5EF4-FFF2-40B4-BE49-F238E27FC236}">
@@ -5794,25 +5102,6 @@
                 <a:cs typeface="맑은 고딕 Semilight" panose="020B0502040204020203" pitchFamily="50" charset="-127"/>
               </a:rPr>
               <a:t>프로젝트</a:t>
-            </a:r>
-            <a:r>
-              <a:rPr lang="en-US" altLang="ko-KR" sz="1900" b="1" dirty="0">
-                <a:ln>
-                  <a:solidFill>
-                    <a:schemeClr val="accent1">
-                      <a:shade val="15000"/>
-                      <a:alpha val="0"/>
-                    </a:schemeClr>
-                  </a:solidFill>
-                </a:ln>
-                <a:solidFill>
-                  <a:srgbClr val="FFC000"/>
-                </a:solidFill>
-                <a:latin typeface="맑은 고딕 Semilight" panose="020B0502040204020203" pitchFamily="50" charset="-127"/>
-                <a:ea typeface="맑은 고딕 Semilight" panose="020B0502040204020203" pitchFamily="50" charset="-127"/>
-                <a:cs typeface="맑은 고딕 Semilight" panose="020B0502040204020203" pitchFamily="50" charset="-127"/>
-              </a:rPr>
-              <a:t/>
             </a:r>
             <a:br>
               <a:rPr lang="en-US" altLang="ko-KR" sz="1900" b="1" dirty="0">
@@ -6076,24 +5365,6 @@
                 </a:rPr>
                 <a:t>프로젝트 주제의</a:t>
               </a:r>
-              <a:r>
-                <a:rPr lang="en-US" altLang="ko-KR" sz="1200" b="1" dirty="0">
-                  <a:ln>
-                    <a:solidFill>
-                      <a:schemeClr val="accent1">
-                        <a:shade val="15000"/>
-                        <a:alpha val="0"/>
-                      </a:schemeClr>
-                    </a:solidFill>
-                  </a:ln>
-                  <a:solidFill>
-                    <a:srgbClr val="3378C8"/>
-                  </a:solidFill>
-                  <a:latin typeface="맑은 고딕" panose="020B0503020000020004" pitchFamily="50" charset="-127"/>
-                  <a:ea typeface="맑은 고딕" panose="020B0503020000020004" pitchFamily="50" charset="-127"/>
-                </a:rPr>
-                <a:t/>
-              </a:r>
               <a:br>
                 <a:rPr lang="en-US" altLang="ko-KR" sz="1200" b="1" dirty="0">
                   <a:ln>
@@ -6181,24 +5452,6 @@
                   <a:ea typeface="맑은 고딕" panose="020B0503020000020004" pitchFamily="50" charset="-127"/>
                 </a:rPr>
                 <a:t>기존 유사 서비스와</a:t>
-              </a:r>
-              <a:r>
-                <a:rPr lang="en-US" altLang="ko-KR" sz="1200" b="1" dirty="0">
-                  <a:ln>
-                    <a:solidFill>
-                      <a:schemeClr val="accent1">
-                        <a:shade val="15000"/>
-                        <a:alpha val="0"/>
-                      </a:schemeClr>
-                    </a:solidFill>
-                  </a:ln>
-                  <a:solidFill>
-                    <a:srgbClr val="3378C8"/>
-                  </a:solidFill>
-                  <a:latin typeface="맑은 고딕" panose="020B0503020000020004" pitchFamily="50" charset="-127"/>
-                  <a:ea typeface="맑은 고딕" panose="020B0503020000020004" pitchFamily="50" charset="-127"/>
-                </a:rPr>
-                <a:t/>
               </a:r>
               <a:br>
                 <a:rPr lang="en-US" altLang="ko-KR" sz="1200" b="1" dirty="0">
@@ -6360,25 +5613,6 @@
                   <a:cs typeface="맑은 고딕 Semilight" panose="020B0502040204020203" pitchFamily="50" charset="-127"/>
                 </a:rPr>
                 <a:t>프로젝트</a:t>
-              </a:r>
-              <a:r>
-                <a:rPr lang="en-US" altLang="ko-KR" sz="1900" b="1" dirty="0">
-                  <a:ln>
-                    <a:solidFill>
-                      <a:schemeClr val="accent1">
-                        <a:shade val="15000"/>
-                        <a:alpha val="0"/>
-                      </a:schemeClr>
-                    </a:solidFill>
-                  </a:ln>
-                  <a:solidFill>
-                    <a:srgbClr val="FFC000"/>
-                  </a:solidFill>
-                  <a:latin typeface="맑은 고딕 Semilight" panose="020B0502040204020203" pitchFamily="50" charset="-127"/>
-                  <a:ea typeface="맑은 고딕 Semilight" panose="020B0502040204020203" pitchFamily="50" charset="-127"/>
-                  <a:cs typeface="맑은 고딕 Semilight" panose="020B0502040204020203" pitchFamily="50" charset="-127"/>
-                </a:rPr>
-                <a:t/>
               </a:r>
               <a:br>
                 <a:rPr lang="en-US" altLang="ko-KR" sz="1900" b="1" dirty="0">
@@ -6620,21 +5854,6 @@
                 </a:rPr>
                 <a:t> 등</a:t>
               </a:r>
-              <a:r>
-                <a:rPr lang="en-US" altLang="ko-KR" sz="1200" b="1" dirty="0">
-                  <a:ln>
-                    <a:solidFill>
-                      <a:schemeClr val="accent1">
-                        <a:shade val="15000"/>
-                        <a:alpha val="0"/>
-                      </a:schemeClr>
-                    </a:solidFill>
-                  </a:ln>
-                  <a:latin typeface="맑은 고딕" panose="020B0503020000020004" pitchFamily="50" charset="-127"/>
-                  <a:ea typeface="맑은 고딕" panose="020B0503020000020004" pitchFamily="50" charset="-127"/>
-                </a:rPr>
-                <a:t/>
-              </a:r>
               <a:br>
                 <a:rPr lang="en-US" altLang="ko-KR" sz="1200" b="1" dirty="0">
                   <a:ln>
@@ -6764,24 +5983,6 @@
                   <a:ea typeface="맑은 고딕" panose="020B0503020000020004" pitchFamily="50" charset="-127"/>
                 </a:rPr>
                 <a:t>활용 장비 및</a:t>
-              </a:r>
-              <a:r>
-                <a:rPr lang="en-US" altLang="ko-KR" b="1" dirty="0">
-                  <a:ln>
-                    <a:solidFill>
-                      <a:schemeClr val="accent1">
-                        <a:shade val="15000"/>
-                        <a:alpha val="0"/>
-                      </a:schemeClr>
-                    </a:solidFill>
-                  </a:ln>
-                  <a:solidFill>
-                    <a:srgbClr val="3378C8"/>
-                  </a:solidFill>
-                  <a:latin typeface="맑은 고딕" panose="020B0503020000020004" pitchFamily="50" charset="-127"/>
-                  <a:ea typeface="맑은 고딕" panose="020B0503020000020004" pitchFamily="50" charset="-127"/>
-                </a:rPr>
-                <a:t/>
               </a:r>
               <a:br>
                 <a:rPr lang="en-US" altLang="ko-KR" b="1" dirty="0">
@@ -7014,24 +6215,6 @@
                 </a:rPr>
                 <a:t>활용방안 및</a:t>
               </a:r>
-              <a:r>
-                <a:rPr lang="en-US" altLang="ko-KR" b="1" dirty="0">
-                  <a:ln>
-                    <a:solidFill>
-                      <a:schemeClr val="accent1">
-                        <a:shade val="15000"/>
-                        <a:alpha val="0"/>
-                      </a:schemeClr>
-                    </a:solidFill>
-                  </a:ln>
-                  <a:solidFill>
-                    <a:srgbClr val="3378C8"/>
-                  </a:solidFill>
-                  <a:latin typeface="맑은 고딕" panose="020B0503020000020004" pitchFamily="50" charset="-127"/>
-                  <a:ea typeface="맑은 고딕" panose="020B0503020000020004" pitchFamily="50" charset="-127"/>
-                </a:rPr>
-                <a:t/>
-              </a:r>
               <a:br>
                 <a:rPr lang="en-US" altLang="ko-KR" b="1" dirty="0">
                   <a:ln>
@@ -7132,21 +6315,6 @@
                 </a:rPr>
                 <a:t>프로젝트 산출물의</a:t>
               </a:r>
-              <a:r>
-                <a:rPr lang="en-US" altLang="ko-KR" sz="1200" b="1" dirty="0">
-                  <a:ln>
-                    <a:solidFill>
-                      <a:schemeClr val="accent1">
-                        <a:shade val="15000"/>
-                        <a:alpha val="0"/>
-                      </a:schemeClr>
-                    </a:solidFill>
-                  </a:ln>
-                  <a:latin typeface="맑은 고딕" panose="020B0503020000020004" pitchFamily="50" charset="-127"/>
-                  <a:ea typeface="맑은 고딕" panose="020B0503020000020004" pitchFamily="50" charset="-127"/>
-                </a:rPr>
-                <a:t/>
-              </a:r>
               <a:br>
                 <a:rPr lang="en-US" altLang="ko-KR" sz="1200" b="1" dirty="0">
                   <a:ln>
@@ -7220,21 +6388,6 @@
                   <a:ea typeface="맑은 고딕" panose="020B0503020000020004" pitchFamily="50" charset="-127"/>
                 </a:rPr>
                 <a:t>)/</a:t>
-              </a:r>
-              <a:r>
-                <a:rPr lang="en-US" altLang="ko-KR" sz="1200" b="1" dirty="0">
-                  <a:ln>
-                    <a:solidFill>
-                      <a:schemeClr val="accent1">
-                        <a:shade val="15000"/>
-                        <a:alpha val="0"/>
-                      </a:schemeClr>
-                    </a:solidFill>
-                  </a:ln>
-                  <a:latin typeface="맑은 고딕" panose="020B0503020000020004" pitchFamily="50" charset="-127"/>
-                  <a:ea typeface="맑은 고딕" panose="020B0503020000020004" pitchFamily="50" charset="-127"/>
-                </a:rPr>
-                <a:t/>
               </a:r>
               <a:br>
                 <a:rPr lang="en-US" altLang="ko-KR" sz="1200" b="1" dirty="0">
@@ -7366,272 +6519,6 @@
           </a:p>
         </p:txBody>
       </p:sp>
-      <p:sp>
-        <p:nvSpPr>
-          <p:cNvPr id="24" name="TextBox 23">
-            <a:extLst>
-              <a:ext uri="{FF2B5EF4-FFF2-40B4-BE49-F238E27FC236}">
-                <a16:creationId xmlns:a16="http://schemas.microsoft.com/office/drawing/2014/main" id="{67F04AE5-D365-4B0E-9031-83310E282831}"/>
-              </a:ext>
-            </a:extLst>
-          </p:cNvPr>
-          <p:cNvSpPr txBox="1"/>
-          <p:nvPr/>
-        </p:nvSpPr>
-        <p:spPr>
-          <a:xfrm>
-            <a:off x="743615" y="1430219"/>
-            <a:ext cx="10324435" cy="369332"/>
-          </a:xfrm>
-          <a:prstGeom prst="rect">
-            <a:avLst/>
-          </a:prstGeom>
-          <a:noFill/>
-        </p:spPr>
-        <p:txBody>
-          <a:bodyPr wrap="square">
-            <a:spAutoFit/>
-          </a:bodyPr>
-          <a:lstStyle/>
-          <a:p>
-            <a:pPr>
-              <a:defRPr/>
-            </a:pPr>
-            <a:r>
-              <a:rPr lang="ko-KR" altLang="en-US" b="1" dirty="0">
-                <a:ln>
-                  <a:solidFill>
-                    <a:schemeClr val="accent1">
-                      <a:shade val="15000"/>
-                      <a:alpha val="0"/>
-                    </a:schemeClr>
-                  </a:solidFill>
-                </a:ln>
-                <a:solidFill>
-                  <a:schemeClr val="tx1">
-                    <a:lumMod val="75000"/>
-                    <a:lumOff val="25000"/>
-                  </a:schemeClr>
-                </a:solidFill>
-                <a:latin typeface="+mj-ea"/>
-                <a:ea typeface="+mj-ea"/>
-              </a:rPr>
-              <a:t>해당 프로젝트를 진행하면서 </a:t>
-            </a:r>
-            <a:r>
-              <a:rPr lang="ko-KR" altLang="en-US" b="1" dirty="0">
-                <a:ln>
-                  <a:solidFill>
-                    <a:schemeClr val="accent1">
-                      <a:shade val="15000"/>
-                      <a:alpha val="0"/>
-                    </a:schemeClr>
-                  </a:solidFill>
-                </a:ln>
-                <a:solidFill>
-                  <a:srgbClr val="3378C8"/>
-                </a:solidFill>
-                <a:latin typeface="+mj-ea"/>
-                <a:ea typeface="+mj-ea"/>
-              </a:rPr>
-              <a:t>훈련생 별로 주도적으로 참여한 부분을 중심</a:t>
-            </a:r>
-            <a:r>
-              <a:rPr lang="ko-KR" altLang="en-US" b="1" dirty="0">
-                <a:ln>
-                  <a:solidFill>
-                    <a:schemeClr val="accent1">
-                      <a:shade val="15000"/>
-                      <a:alpha val="0"/>
-                    </a:schemeClr>
-                  </a:solidFill>
-                </a:ln>
-                <a:solidFill>
-                  <a:schemeClr val="tx1">
-                    <a:lumMod val="75000"/>
-                    <a:lumOff val="25000"/>
-                  </a:schemeClr>
-                </a:solidFill>
-                <a:latin typeface="+mj-ea"/>
-                <a:ea typeface="+mj-ea"/>
-              </a:rPr>
-              <a:t>으로 작성한다</a:t>
-            </a:r>
-            <a:r>
-              <a:rPr lang="en-US" altLang="ko-KR" b="1" dirty="0">
-                <a:ln>
-                  <a:solidFill>
-                    <a:schemeClr val="accent1">
-                      <a:shade val="15000"/>
-                      <a:alpha val="0"/>
-                    </a:schemeClr>
-                  </a:solidFill>
-                </a:ln>
-                <a:solidFill>
-                  <a:schemeClr val="tx1">
-                    <a:lumMod val="75000"/>
-                    <a:lumOff val="25000"/>
-                  </a:schemeClr>
-                </a:solidFill>
-                <a:latin typeface="+mj-ea"/>
-                <a:ea typeface="+mj-ea"/>
-              </a:rPr>
-              <a:t>.</a:t>
-            </a:r>
-          </a:p>
-        </p:txBody>
-      </p:sp>
-      <p:sp>
-        <p:nvSpPr>
-          <p:cNvPr id="12" name="TextBox 11">
-            <a:extLst>
-              <a:ext uri="{FF2B5EF4-FFF2-40B4-BE49-F238E27FC236}">
-                <a16:creationId xmlns:a16="http://schemas.microsoft.com/office/drawing/2014/main" id="{1767EBB8-F256-651E-8870-1A2D77D8249A}"/>
-              </a:ext>
-            </a:extLst>
-          </p:cNvPr>
-          <p:cNvSpPr txBox="1"/>
-          <p:nvPr/>
-        </p:nvSpPr>
-        <p:spPr>
-          <a:xfrm>
-            <a:off x="733876" y="2136129"/>
-            <a:ext cx="5470136" cy="307777"/>
-          </a:xfrm>
-          <a:prstGeom prst="rect">
-            <a:avLst/>
-          </a:prstGeom>
-        </p:spPr>
-        <p:style>
-          <a:lnRef idx="2">
-            <a:schemeClr val="dk1">
-              <a:shade val="50000"/>
-            </a:schemeClr>
-          </a:lnRef>
-          <a:fillRef idx="1">
-            <a:schemeClr val="dk1"/>
-          </a:fillRef>
-          <a:effectRef idx="0">
-            <a:schemeClr val="dk1"/>
-          </a:effectRef>
-          <a:fontRef idx="minor">
-            <a:schemeClr val="lt1"/>
-          </a:fontRef>
-        </p:style>
-        <p:txBody>
-          <a:bodyPr wrap="square">
-            <a:spAutoFit/>
-          </a:bodyPr>
-          <a:lstStyle/>
-          <a:p>
-            <a:r>
-              <a:rPr lang="en-US" altLang="ko-KR" sz="1400" b="1" dirty="0">
-                <a:ln>
-                  <a:solidFill>
-                    <a:schemeClr val="accent1">
-                      <a:shade val="15000"/>
-                      <a:alpha val="0"/>
-                    </a:schemeClr>
-                  </a:solidFill>
-                </a:ln>
-                <a:solidFill>
-                  <a:schemeClr val="bg1"/>
-                </a:solidFill>
-                <a:latin typeface="맑은 고딕" panose="020B0503020000020004" pitchFamily="50" charset="-127"/>
-                <a:ea typeface="맑은 고딕" panose="020B0503020000020004" pitchFamily="50" charset="-127"/>
-              </a:rPr>
-              <a:t>* </a:t>
-            </a:r>
-            <a:r>
-              <a:rPr lang="ko-KR" altLang="en-US" sz="1400" b="1" dirty="0">
-                <a:ln>
-                  <a:solidFill>
-                    <a:schemeClr val="accent1">
-                      <a:shade val="15000"/>
-                      <a:alpha val="0"/>
-                    </a:schemeClr>
-                  </a:solidFill>
-                </a:ln>
-                <a:solidFill>
-                  <a:schemeClr val="bg1"/>
-                </a:solidFill>
-                <a:latin typeface="맑은 고딕" panose="020B0503020000020004" pitchFamily="50" charset="-127"/>
-                <a:ea typeface="맑은 고딕" panose="020B0503020000020004" pitchFamily="50" charset="-127"/>
-              </a:rPr>
-              <a:t>프로젝트 운영 중 </a:t>
-            </a:r>
-            <a:r>
-              <a:rPr lang="ko-KR" altLang="en-US" sz="1400" b="1" dirty="0">
-                <a:ln>
-                  <a:solidFill>
-                    <a:schemeClr val="accent1">
-                      <a:shade val="15000"/>
-                      <a:alpha val="0"/>
-                    </a:schemeClr>
-                  </a:solidFill>
-                </a:ln>
-                <a:solidFill>
-                  <a:srgbClr val="FFFF00"/>
-                </a:solidFill>
-                <a:latin typeface="맑은 고딕" panose="020B0503020000020004" pitchFamily="50" charset="-127"/>
-                <a:ea typeface="맑은 고딕" panose="020B0503020000020004" pitchFamily="50" charset="-127"/>
-              </a:rPr>
-              <a:t>멘토</a:t>
-            </a:r>
-            <a:r>
-              <a:rPr lang="ko-KR" altLang="en-US" sz="1400" b="1" dirty="0">
-                <a:ln>
-                  <a:solidFill>
-                    <a:schemeClr val="accent1">
-                      <a:shade val="15000"/>
-                      <a:alpha val="0"/>
-                    </a:schemeClr>
-                  </a:solidFill>
-                </a:ln>
-                <a:solidFill>
-                  <a:schemeClr val="bg1"/>
-                </a:solidFill>
-                <a:latin typeface="맑은 고딕" panose="020B0503020000020004" pitchFamily="50" charset="-127"/>
-                <a:ea typeface="맑은 고딕" panose="020B0503020000020004" pitchFamily="50" charset="-127"/>
-              </a:rPr>
-              <a:t>의 지원내역도 간략하게 작성</a:t>
-            </a:r>
-            <a:r>
-              <a:rPr lang="en-US" altLang="ko-KR" sz="1400" b="1" dirty="0">
-                <a:ln>
-                  <a:solidFill>
-                    <a:schemeClr val="accent1">
-                      <a:shade val="15000"/>
-                      <a:alpha val="0"/>
-                    </a:schemeClr>
-                  </a:solidFill>
-                </a:ln>
-                <a:solidFill>
-                  <a:schemeClr val="bg1"/>
-                </a:solidFill>
-                <a:latin typeface="맑은 고딕" panose="020B0503020000020004" pitchFamily="50" charset="-127"/>
-                <a:ea typeface="맑은 고딕" panose="020B0503020000020004" pitchFamily="50" charset="-127"/>
-              </a:rPr>
-              <a:t> </a:t>
-            </a:r>
-            <a:endParaRPr lang="ko-KR" altLang="en-US" sz="1400" b="1" dirty="0">
-              <a:ln>
-                <a:solidFill>
-                  <a:schemeClr val="accent1">
-                    <a:shade val="15000"/>
-                    <a:alpha val="0"/>
-                  </a:schemeClr>
-                </a:solidFill>
-              </a:ln>
-              <a:solidFill>
-                <a:schemeClr val="bg1"/>
-              </a:solidFill>
-              <a:latin typeface="맑은 고딕" panose="020B0503020000020004" pitchFamily="50" charset="-127"/>
-              <a:ea typeface="맑은 고딕" panose="020B0503020000020004" pitchFamily="50" charset="-127"/>
-            </a:endParaRPr>
-          </a:p>
-        </p:txBody>
-      </p:sp>
       <p:graphicFrame>
         <p:nvGraphicFramePr>
           <p:cNvPr id="87" name="표 86">
@@ -7647,13 +6534,13 @@
           <p:nvPr>
             <p:extLst>
               <p:ext uri="{D42A27DB-BD31-4B8C-83A1-F6EECF244321}">
-                <p14:modId xmlns:p14="http://schemas.microsoft.com/office/powerpoint/2010/main" val="139542980"/>
+                <p14:modId xmlns:p14="http://schemas.microsoft.com/office/powerpoint/2010/main" val="3662525990"/>
               </p:ext>
             </p:extLst>
           </p:nvPr>
         </p:nvGraphicFramePr>
         <p:xfrm>
-          <a:off x="524528" y="2721878"/>
+          <a:off x="551384" y="2606720"/>
           <a:ext cx="11218265" cy="3666223"/>
         </p:xfrm>
         <a:graphic>
@@ -7945,7 +6832,7 @@
                           <a:ea typeface="맑은 고딕" panose="020B0503020000020004" pitchFamily="50" charset="-127"/>
                           <a:cs typeface="+mn-cs"/>
                         </a:rPr>
-                        <a:t>김○○</a:t>
+                        <a:t>정현의</a:t>
                       </a:r>
                       <a:endParaRPr lang="ko-KR" altLang="en-US" sz="1600" b="1" i="0" kern="1200" dirty="0">
                         <a:ln>
@@ -8249,7 +7136,7 @@
                         <a:defRPr/>
                       </a:pPr>
                       <a:r>
-                        <a:rPr lang="ko-KR" altLang="en-US" sz="1600" b="1" i="0" kern="1200" noProof="0" dirty="0">
+                        <a:rPr lang="ko-KR" altLang="en-US" sz="1600" b="1" i="0" kern="1200" dirty="0">
                           <a:ln>
                             <a:solidFill>
                               <a:schemeClr val="bg1">
@@ -8266,25 +7153,8 @@
                           <a:ea typeface="맑은 고딕" panose="020B0503020000020004" pitchFamily="50" charset="-127"/>
                           <a:cs typeface="+mn-cs"/>
                         </a:rPr>
-                        <a:t>박○○</a:t>
+                        <a:t>이동욱</a:t>
                       </a:r>
-                      <a:endParaRPr lang="ko-KR" altLang="en-US" sz="1600" b="1" i="0" kern="1200" dirty="0">
-                        <a:ln>
-                          <a:solidFill>
-                            <a:schemeClr val="bg1">
-                              <a:alpha val="0"/>
-                            </a:schemeClr>
-                          </a:solidFill>
-                        </a:ln>
-                        <a:solidFill>
-                          <a:schemeClr val="bg2">
-                            <a:lumMod val="25000"/>
-                          </a:schemeClr>
-                        </a:solidFill>
-                        <a:latin typeface="맑은 고딕" panose="020B0503020000020004" pitchFamily="50" charset="-127"/>
-                        <a:ea typeface="맑은 고딕" panose="020B0503020000020004" pitchFamily="50" charset="-127"/>
-                        <a:cs typeface="+mn-cs"/>
-                      </a:endParaRPr>
                     </a:p>
                   </a:txBody>
                   <a:tcPr marT="45741" marB="45741" anchor="ctr">
@@ -8609,7 +7479,7 @@
                           <a:ea typeface="맑은 고딕" panose="020B0503020000020004" pitchFamily="50" charset="-127"/>
                           <a:cs typeface="+mn-cs"/>
                         </a:rPr>
-                        <a:t>정○○</a:t>
+                        <a:t>한혜진</a:t>
                       </a:r>
                     </a:p>
                   </a:txBody>
@@ -8919,7 +7789,7 @@
                           <a:ea typeface="맑은 고딕" panose="020B0503020000020004" pitchFamily="50" charset="-127"/>
                           <a:cs typeface="+mn-cs"/>
                         </a:rPr>
-                        <a:t>이○○</a:t>
+                        <a:t>박 민</a:t>
                       </a:r>
                     </a:p>
                   </a:txBody>
@@ -9206,7 +8076,7 @@
         </p:nvSpPr>
         <p:spPr>
           <a:xfrm>
-            <a:off x="5023036" y="3519045"/>
+            <a:off x="5049892" y="3403887"/>
             <a:ext cx="1866568" cy="276999"/>
           </a:xfrm>
           <a:prstGeom prst="rect">
@@ -9251,27 +8121,24 @@
                 <a:latin typeface="맑은 고딕" panose="020B0503020000020004" pitchFamily="50" charset="-127"/>
                 <a:ea typeface="맑은 고딕" panose="020B0503020000020004" pitchFamily="50" charset="-127"/>
               </a:rPr>
-              <a:t>데이터 정제 및 정규화</a:t>
+              <a:t>개인 페이지 구성</a:t>
             </a:r>
-            <a:r>
-              <a:rPr lang="en-US" altLang="ko-KR" sz="1200" b="1" dirty="0">
-                <a:ln>
-                  <a:solidFill>
-                    <a:schemeClr val="bg1">
-                      <a:alpha val="0"/>
-                    </a:schemeClr>
-                  </a:solidFill>
-                </a:ln>
+            <a:endParaRPr lang="en-US" altLang="ko-KR" sz="1200" b="1" dirty="0">
+              <a:ln>
                 <a:solidFill>
-                  <a:schemeClr val="bg2">
-                    <a:lumMod val="25000"/>
+                  <a:schemeClr val="bg1">
+                    <a:alpha val="0"/>
                   </a:schemeClr>
                 </a:solidFill>
-                <a:latin typeface="맑은 고딕" panose="020B0503020000020004" pitchFamily="50" charset="-127"/>
-                <a:ea typeface="맑은 고딕" panose="020B0503020000020004" pitchFamily="50" charset="-127"/>
-              </a:rPr>
-              <a:t> </a:t>
-            </a:r>
+              </a:ln>
+              <a:solidFill>
+                <a:schemeClr val="bg2">
+                  <a:lumMod val="25000"/>
+                </a:schemeClr>
+              </a:solidFill>
+              <a:latin typeface="맑은 고딕" panose="020B0503020000020004" pitchFamily="50" charset="-127"/>
+              <a:ea typeface="맑은 고딕" panose="020B0503020000020004" pitchFamily="50" charset="-127"/>
+            </a:endParaRPr>
           </a:p>
         </p:txBody>
       </p:sp>
@@ -9289,7 +8156,7 @@
         </p:nvSpPr>
         <p:spPr>
           <a:xfrm>
-            <a:off x="8133721" y="3519045"/>
+            <a:off x="8160577" y="3403887"/>
             <a:ext cx="1866568" cy="276999"/>
           </a:xfrm>
           <a:prstGeom prst="rect">
@@ -9323,7 +8190,7 @@
                 <a:latin typeface="맑은 고딕" panose="020B0503020000020004" pitchFamily="50" charset="-127"/>
                 <a:ea typeface="맑은 고딕" panose="020B0503020000020004" pitchFamily="50" charset="-127"/>
               </a:rPr>
-              <a:t>모바일 서비스 테스팅</a:t>
+              <a:t>기능의 디버그</a:t>
             </a:r>
             <a:endParaRPr lang="en-US" altLang="ko-KR" sz="1200" b="1" dirty="0">
               <a:ln>
@@ -9358,7 +8225,7 @@
         </p:nvSpPr>
         <p:spPr>
           <a:xfrm>
-            <a:off x="5023036" y="4278107"/>
+            <a:off x="5049892" y="4162949"/>
             <a:ext cx="1866568" cy="276999"/>
           </a:xfrm>
           <a:prstGeom prst="rect">
@@ -9392,7 +8259,7 @@
                 <a:latin typeface="맑은 고딕" panose="020B0503020000020004" pitchFamily="50" charset="-127"/>
                 <a:ea typeface="맑은 고딕" panose="020B0503020000020004" pitchFamily="50" charset="-127"/>
               </a:rPr>
-              <a:t>모바일 플랫폼 구현</a:t>
+              <a:t>기업 페이지 구성</a:t>
             </a:r>
             <a:endParaRPr lang="en-US" altLang="ko-KR" sz="1200" b="1" dirty="0">
               <a:ln>
@@ -9427,8 +8294,8 @@
         </p:nvSpPr>
         <p:spPr>
           <a:xfrm>
-            <a:off x="5023036" y="5072228"/>
-            <a:ext cx="1866568" cy="276999"/>
+            <a:off x="5049892" y="4957070"/>
+            <a:ext cx="2261096" cy="276999"/>
           </a:xfrm>
           <a:prstGeom prst="rect">
             <a:avLst/>
@@ -9461,7 +8328,7 @@
                 <a:latin typeface="맑은 고딕" panose="020B0503020000020004" pitchFamily="50" charset="-127"/>
                 <a:ea typeface="맑은 고딕" panose="020B0503020000020004" pitchFamily="50" charset="-127"/>
               </a:rPr>
-              <a:t> 서비스 시스템 설계</a:t>
+              <a:t>데이터베이스 구성 및 정규화</a:t>
             </a:r>
             <a:endParaRPr lang="en-US" altLang="ko-KR" sz="1200" b="1" dirty="0">
               <a:ln>
@@ -9496,8 +8363,8 @@
         </p:nvSpPr>
         <p:spPr>
           <a:xfrm>
-            <a:off x="8133721" y="5072228"/>
-            <a:ext cx="1866568" cy="276999"/>
+            <a:off x="8160576" y="4957070"/>
+            <a:ext cx="2039879" cy="276999"/>
           </a:xfrm>
           <a:prstGeom prst="rect">
             <a:avLst/>
@@ -9514,7 +8381,7 @@
               <a:defRPr/>
             </a:pPr>
             <a:r>
-              <a:rPr lang="ko-KR" altLang="en-US" sz="1200" b="1" dirty="0">
+              <a:rPr lang="ko-KR" altLang="en-US" sz="1200" b="1">
                 <a:ln>
                   <a:solidFill>
                     <a:schemeClr val="bg1">
@@ -9530,76 +8397,7 @@
                 <a:latin typeface="맑은 고딕" panose="020B0503020000020004" pitchFamily="50" charset="-127"/>
                 <a:ea typeface="맑은 고딕" panose="020B0503020000020004" pitchFamily="50" charset="-127"/>
               </a:rPr>
-              <a:t>텍스트 마이닝</a:t>
-            </a:r>
-            <a:endParaRPr lang="en-US" altLang="ko-KR" sz="1200" b="1" dirty="0">
-              <a:ln>
-                <a:solidFill>
-                  <a:schemeClr val="bg1">
-                    <a:alpha val="0"/>
-                  </a:schemeClr>
-                </a:solidFill>
-              </a:ln>
-              <a:solidFill>
-                <a:schemeClr val="bg2">
-                  <a:lumMod val="25000"/>
-                </a:schemeClr>
-              </a:solidFill>
-              <a:latin typeface="맑은 고딕" panose="020B0503020000020004" pitchFamily="50" charset="-127"/>
-              <a:ea typeface="맑은 고딕" panose="020B0503020000020004" pitchFamily="50" charset="-127"/>
-            </a:endParaRPr>
-          </a:p>
-        </p:txBody>
-      </p:sp>
-      <p:sp>
-        <p:nvSpPr>
-          <p:cNvPr id="161" name="TextBox 160">
-            <a:extLst>
-              <a:ext uri="{FF2B5EF4-FFF2-40B4-BE49-F238E27FC236}">
-                <a16:creationId xmlns:a16="http://schemas.microsoft.com/office/drawing/2014/main" id="{A1E9FBEB-C5FB-ED00-2326-8673D24E284C}"/>
-              </a:ext>
-            </a:extLst>
-          </p:cNvPr>
-          <p:cNvSpPr txBox="1"/>
-          <p:nvPr/>
-        </p:nvSpPr>
-        <p:spPr>
-          <a:xfrm>
-            <a:off x="8133721" y="4278107"/>
-            <a:ext cx="1866568" cy="276999"/>
-          </a:xfrm>
-          <a:prstGeom prst="rect">
-            <a:avLst/>
-          </a:prstGeom>
-          <a:noFill/>
-        </p:spPr>
-        <p:txBody>
-          <a:bodyPr wrap="square">
-            <a:spAutoFit/>
-          </a:bodyPr>
-          <a:lstStyle/>
-          <a:p>
-            <a:pPr>
-              <a:defRPr/>
-            </a:pPr>
-            <a:r>
-              <a:rPr lang="ko-KR" altLang="en-US" sz="1200" b="1" dirty="0">
-                <a:ln>
-                  <a:solidFill>
-                    <a:schemeClr val="bg1">
-                      <a:alpha val="0"/>
-                    </a:schemeClr>
-                  </a:solidFill>
-                </a:ln>
-                <a:solidFill>
-                  <a:schemeClr val="bg2">
-                    <a:lumMod val="25000"/>
-                  </a:schemeClr>
-                </a:solidFill>
-                <a:latin typeface="맑은 고딕" panose="020B0503020000020004" pitchFamily="50" charset="-127"/>
-                <a:ea typeface="맑은 고딕" panose="020B0503020000020004" pitchFamily="50" charset="-127"/>
-              </a:rPr>
-              <a:t>외부 데이터 수집</a:t>
+              <a:t>관심공고 스크랩기능 구현</a:t>
             </a:r>
             <a:endParaRPr lang="en-US" altLang="ko-KR" sz="1200" b="1" dirty="0">
               <a:ln>
@@ -9634,7 +8432,7 @@
         </p:nvSpPr>
         <p:spPr>
           <a:xfrm>
-            <a:off x="5023036" y="5837816"/>
+            <a:off x="5049892" y="5722658"/>
             <a:ext cx="3853708" cy="276999"/>
           </a:xfrm>
           <a:prstGeom prst="rect">
@@ -9812,623 +8610,6 @@
           </a:p>
         </p:txBody>
       </p:sp>
-      <p:sp>
-        <p:nvSpPr>
-          <p:cNvPr id="24" name="TextBox 23">
-            <a:extLst>
-              <a:ext uri="{FF2B5EF4-FFF2-40B4-BE49-F238E27FC236}">
-                <a16:creationId xmlns:a16="http://schemas.microsoft.com/office/drawing/2014/main" id="{67F04AE5-D365-4B0E-9031-83310E282831}"/>
-              </a:ext>
-            </a:extLst>
-          </p:cNvPr>
-          <p:cNvSpPr txBox="1"/>
-          <p:nvPr/>
-        </p:nvSpPr>
-        <p:spPr>
-          <a:xfrm>
-            <a:off x="743615" y="1430219"/>
-            <a:ext cx="10324435" cy="369332"/>
-          </a:xfrm>
-          <a:prstGeom prst="rect">
-            <a:avLst/>
-          </a:prstGeom>
-          <a:noFill/>
-        </p:spPr>
-        <p:txBody>
-          <a:bodyPr wrap="square">
-            <a:spAutoFit/>
-          </a:bodyPr>
-          <a:lstStyle/>
-          <a:p>
-            <a:pPr>
-              <a:defRPr/>
-            </a:pPr>
-            <a:r>
-              <a:rPr lang="ko-KR" altLang="en-US" b="1" dirty="0">
-                <a:ln>
-                  <a:solidFill>
-                    <a:schemeClr val="accent1">
-                      <a:shade val="15000"/>
-                      <a:alpha val="0"/>
-                    </a:schemeClr>
-                  </a:solidFill>
-                </a:ln>
-                <a:solidFill>
-                  <a:schemeClr val="tx1">
-                    <a:lumMod val="75000"/>
-                    <a:lumOff val="25000"/>
-                  </a:schemeClr>
-                </a:solidFill>
-                <a:latin typeface="+mj-ea"/>
-                <a:ea typeface="+mj-ea"/>
-              </a:rPr>
-              <a:t>프로젝트의 </a:t>
-            </a:r>
-            <a:r>
-              <a:rPr lang="ko-KR" altLang="en-US" b="1" dirty="0">
-                <a:ln>
-                  <a:solidFill>
-                    <a:schemeClr val="accent1">
-                      <a:shade val="15000"/>
-                      <a:alpha val="0"/>
-                    </a:schemeClr>
-                  </a:solidFill>
-                </a:ln>
-                <a:solidFill>
-                  <a:srgbClr val="3378C8"/>
-                </a:solidFill>
-                <a:latin typeface="+mj-ea"/>
-                <a:ea typeface="+mj-ea"/>
-              </a:rPr>
-              <a:t>사전 기획</a:t>
-            </a:r>
-            <a:r>
-              <a:rPr lang="ko-KR" altLang="en-US" b="1" dirty="0">
-                <a:ln>
-                  <a:solidFill>
-                    <a:schemeClr val="accent1">
-                      <a:shade val="15000"/>
-                      <a:alpha val="0"/>
-                    </a:schemeClr>
-                  </a:solidFill>
-                </a:ln>
-                <a:solidFill>
-                  <a:schemeClr val="tx1">
-                    <a:lumMod val="75000"/>
-                    <a:lumOff val="25000"/>
-                  </a:schemeClr>
-                </a:solidFill>
-                <a:latin typeface="+mj-ea"/>
-                <a:ea typeface="+mj-ea"/>
-              </a:rPr>
-              <a:t>과 </a:t>
-            </a:r>
-            <a:r>
-              <a:rPr lang="ko-KR" altLang="en-US" b="1" dirty="0">
-                <a:ln>
-                  <a:solidFill>
-                    <a:schemeClr val="accent1">
-                      <a:shade val="15000"/>
-                      <a:alpha val="0"/>
-                    </a:schemeClr>
-                  </a:solidFill>
-                </a:ln>
-                <a:solidFill>
-                  <a:srgbClr val="3378C8"/>
-                </a:solidFill>
-                <a:latin typeface="+mj-ea"/>
-                <a:ea typeface="+mj-ea"/>
-              </a:rPr>
-              <a:t>프로젝트 수행 및 완료 </a:t>
-            </a:r>
-            <a:r>
-              <a:rPr lang="ko-KR" altLang="en-US" b="1" dirty="0">
-                <a:ln>
-                  <a:solidFill>
-                    <a:schemeClr val="accent1">
-                      <a:shade val="15000"/>
-                      <a:alpha val="0"/>
-                    </a:schemeClr>
-                  </a:solidFill>
-                </a:ln>
-                <a:solidFill>
-                  <a:schemeClr val="tx1">
-                    <a:lumMod val="75000"/>
-                    <a:lumOff val="25000"/>
-                  </a:schemeClr>
-                </a:solidFill>
-                <a:latin typeface="+mj-ea"/>
-                <a:ea typeface="+mj-ea"/>
-              </a:rPr>
-              <a:t>과정으로 나누어서 작성한다</a:t>
-            </a:r>
-            <a:r>
-              <a:rPr lang="en-US" altLang="ko-KR" b="1" dirty="0">
-                <a:ln>
-                  <a:solidFill>
-                    <a:schemeClr val="accent1">
-                      <a:shade val="15000"/>
-                      <a:alpha val="0"/>
-                    </a:schemeClr>
-                  </a:solidFill>
-                </a:ln>
-                <a:solidFill>
-                  <a:schemeClr val="tx1">
-                    <a:lumMod val="75000"/>
-                    <a:lumOff val="25000"/>
-                  </a:schemeClr>
-                </a:solidFill>
-                <a:latin typeface="+mj-ea"/>
-                <a:ea typeface="+mj-ea"/>
-              </a:rPr>
-              <a:t>. </a:t>
-            </a:r>
-          </a:p>
-        </p:txBody>
-      </p:sp>
-      <p:sp>
-        <p:nvSpPr>
-          <p:cNvPr id="5" name="TextBox 4">
-            <a:extLst>
-              <a:ext uri="{FF2B5EF4-FFF2-40B4-BE49-F238E27FC236}">
-                <a16:creationId xmlns:a16="http://schemas.microsoft.com/office/drawing/2014/main" id="{E71F776B-9A28-263D-E9C4-5AC5D2B67486}"/>
-              </a:ext>
-            </a:extLst>
-          </p:cNvPr>
-          <p:cNvSpPr txBox="1"/>
-          <p:nvPr/>
-        </p:nvSpPr>
-        <p:spPr>
-          <a:xfrm>
-            <a:off x="467002" y="2109348"/>
-            <a:ext cx="9886629" cy="600164"/>
-          </a:xfrm>
-          <a:prstGeom prst="rect">
-            <a:avLst/>
-          </a:prstGeom>
-          <a:noFill/>
-        </p:spPr>
-        <p:txBody>
-          <a:bodyPr wrap="square" rtlCol="0">
-            <a:spAutoFit/>
-          </a:bodyPr>
-          <a:lstStyle/>
-          <a:p>
-            <a:pPr indent="-285750">
-              <a:spcAft>
-                <a:spcPts val="600"/>
-              </a:spcAft>
-              <a:buFontTx/>
-              <a:buChar char="-"/>
-              <a:defRPr/>
-            </a:pPr>
-            <a:r>
-              <a:rPr lang="ko-KR" altLang="en-US" sz="1400" dirty="0">
-                <a:ln>
-                  <a:solidFill>
-                    <a:schemeClr val="accent1">
-                      <a:shade val="15000"/>
-                      <a:alpha val="0"/>
-                    </a:schemeClr>
-                  </a:solidFill>
-                </a:ln>
-                <a:solidFill>
-                  <a:schemeClr val="tx1">
-                    <a:lumMod val="75000"/>
-                    <a:lumOff val="25000"/>
-                  </a:schemeClr>
-                </a:solidFill>
-                <a:latin typeface="+mj-ea"/>
-                <a:ea typeface="+mj-ea"/>
-              </a:rPr>
-              <a:t>프로젝트 수행 절차를 </a:t>
-            </a:r>
-            <a:r>
-              <a:rPr lang="ko-KR" altLang="en-US" sz="1400" dirty="0" err="1">
-                <a:ln>
-                  <a:solidFill>
-                    <a:schemeClr val="accent1">
-                      <a:shade val="15000"/>
-                      <a:alpha val="0"/>
-                    </a:schemeClr>
-                  </a:solidFill>
-                </a:ln>
-                <a:solidFill>
-                  <a:schemeClr val="tx1">
-                    <a:lumMod val="75000"/>
-                    <a:lumOff val="25000"/>
-                  </a:schemeClr>
-                </a:solidFill>
-                <a:latin typeface="+mj-ea"/>
-                <a:ea typeface="+mj-ea"/>
-              </a:rPr>
-              <a:t>도식화하여</a:t>
-            </a:r>
-            <a:r>
-              <a:rPr lang="ko-KR" altLang="en-US" sz="1400" dirty="0">
-                <a:ln>
-                  <a:solidFill>
-                    <a:schemeClr val="accent1">
-                      <a:shade val="15000"/>
-                      <a:alpha val="0"/>
-                    </a:schemeClr>
-                  </a:solidFill>
-                </a:ln>
-                <a:solidFill>
-                  <a:schemeClr val="tx1">
-                    <a:lumMod val="75000"/>
-                    <a:lumOff val="25000"/>
-                  </a:schemeClr>
-                </a:solidFill>
-                <a:latin typeface="+mj-ea"/>
-                <a:ea typeface="+mj-ea"/>
-              </a:rPr>
-              <a:t> 제시하거나</a:t>
-            </a:r>
-            <a:r>
-              <a:rPr lang="en-US" altLang="ko-KR" sz="1400" dirty="0">
-                <a:ln>
-                  <a:solidFill>
-                    <a:schemeClr val="accent1">
-                      <a:shade val="15000"/>
-                      <a:alpha val="0"/>
-                    </a:schemeClr>
-                  </a:solidFill>
-                </a:ln>
-                <a:solidFill>
-                  <a:schemeClr val="tx1">
-                    <a:lumMod val="75000"/>
-                    <a:lumOff val="25000"/>
-                  </a:schemeClr>
-                </a:solidFill>
-                <a:latin typeface="+mj-ea"/>
-                <a:ea typeface="+mj-ea"/>
-              </a:rPr>
-              <a:t>, </a:t>
-            </a:r>
-            <a:r>
-              <a:rPr lang="ko-KR" altLang="en-US" sz="1400" b="1" dirty="0">
-                <a:ln>
-                  <a:solidFill>
-                    <a:schemeClr val="accent1">
-                      <a:shade val="15000"/>
-                      <a:alpha val="0"/>
-                    </a:schemeClr>
-                  </a:solidFill>
-                </a:ln>
-                <a:solidFill>
-                  <a:schemeClr val="tx1">
-                    <a:lumMod val="75000"/>
-                    <a:lumOff val="25000"/>
-                  </a:schemeClr>
-                </a:solidFill>
-                <a:latin typeface="+mj-ea"/>
-                <a:ea typeface="+mj-ea"/>
-              </a:rPr>
-              <a:t>더 효과적으로 전달하는 방법 </a:t>
-            </a:r>
-            <a:r>
-              <a:rPr lang="ko-KR" altLang="en-US" sz="1400" dirty="0">
-                <a:ln>
-                  <a:solidFill>
-                    <a:schemeClr val="accent1">
-                      <a:shade val="15000"/>
-                      <a:alpha val="0"/>
-                    </a:schemeClr>
-                  </a:solidFill>
-                </a:ln>
-                <a:solidFill>
-                  <a:schemeClr val="tx1">
-                    <a:lumMod val="75000"/>
-                    <a:lumOff val="25000"/>
-                  </a:schemeClr>
-                </a:solidFill>
-                <a:latin typeface="+mj-ea"/>
-                <a:ea typeface="+mj-ea"/>
-              </a:rPr>
-              <a:t>등이 있다면</a:t>
-            </a:r>
-            <a:r>
-              <a:rPr lang="en-US" altLang="ko-KR" sz="1400" dirty="0">
-                <a:ln>
-                  <a:solidFill>
-                    <a:schemeClr val="accent1">
-                      <a:shade val="15000"/>
-                      <a:alpha val="0"/>
-                    </a:schemeClr>
-                  </a:solidFill>
-                </a:ln>
-                <a:solidFill>
-                  <a:schemeClr val="tx1">
-                    <a:lumMod val="75000"/>
-                    <a:lumOff val="25000"/>
-                  </a:schemeClr>
-                </a:solidFill>
-                <a:latin typeface="+mj-ea"/>
-                <a:ea typeface="+mj-ea"/>
-              </a:rPr>
-              <a:t> </a:t>
-            </a:r>
-            <a:r>
-              <a:rPr lang="ko-KR" altLang="en-US" sz="1400" b="1" dirty="0">
-                <a:ln>
-                  <a:solidFill>
-                    <a:schemeClr val="accent1">
-                      <a:shade val="15000"/>
-                      <a:alpha val="0"/>
-                    </a:schemeClr>
-                  </a:solidFill>
-                </a:ln>
-                <a:solidFill>
-                  <a:schemeClr val="tx1">
-                    <a:lumMod val="75000"/>
-                    <a:lumOff val="25000"/>
-                  </a:schemeClr>
-                </a:solidFill>
-                <a:latin typeface="+mj-ea"/>
-                <a:ea typeface="+mj-ea"/>
-              </a:rPr>
-              <a:t>수정</a:t>
-            </a:r>
-            <a:r>
-              <a:rPr lang="ko-KR" altLang="en-US" sz="1400" dirty="0">
-                <a:ln>
-                  <a:solidFill>
-                    <a:schemeClr val="accent1">
-                      <a:shade val="15000"/>
-                      <a:alpha val="0"/>
-                    </a:schemeClr>
-                  </a:solidFill>
-                </a:ln>
-                <a:solidFill>
-                  <a:schemeClr val="tx1">
-                    <a:lumMod val="75000"/>
-                    <a:lumOff val="25000"/>
-                  </a:schemeClr>
-                </a:solidFill>
-                <a:latin typeface="+mj-ea"/>
-                <a:ea typeface="+mj-ea"/>
-              </a:rPr>
-              <a:t>하여 </a:t>
-            </a:r>
-            <a:r>
-              <a:rPr lang="ko-KR" altLang="en-US" sz="1400" b="1" dirty="0">
-                <a:ln>
-                  <a:solidFill>
-                    <a:schemeClr val="accent1">
-                      <a:shade val="15000"/>
-                      <a:alpha val="0"/>
-                    </a:schemeClr>
-                  </a:solidFill>
-                </a:ln>
-                <a:solidFill>
-                  <a:schemeClr val="tx1">
-                    <a:lumMod val="75000"/>
-                    <a:lumOff val="25000"/>
-                  </a:schemeClr>
-                </a:solidFill>
-                <a:latin typeface="+mj-ea"/>
-                <a:ea typeface="+mj-ea"/>
-              </a:rPr>
-              <a:t>작성</a:t>
-            </a:r>
-            <a:r>
-              <a:rPr lang="ko-KR" altLang="en-US" sz="1400" dirty="0">
-                <a:ln>
-                  <a:solidFill>
-                    <a:schemeClr val="accent1">
-                      <a:shade val="15000"/>
-                      <a:alpha val="0"/>
-                    </a:schemeClr>
-                  </a:solidFill>
-                </a:ln>
-                <a:solidFill>
-                  <a:schemeClr val="tx1">
-                    <a:lumMod val="75000"/>
-                    <a:lumOff val="25000"/>
-                  </a:schemeClr>
-                </a:solidFill>
-                <a:latin typeface="+mj-ea"/>
-                <a:ea typeface="+mj-ea"/>
-              </a:rPr>
-              <a:t> 가능</a:t>
-            </a:r>
-            <a:endParaRPr lang="en-US" altLang="ko-KR" sz="1400" dirty="0">
-              <a:ln>
-                <a:solidFill>
-                  <a:schemeClr val="accent1">
-                    <a:shade val="15000"/>
-                    <a:alpha val="0"/>
-                  </a:schemeClr>
-                </a:solidFill>
-              </a:ln>
-              <a:solidFill>
-                <a:schemeClr val="tx1">
-                  <a:lumMod val="75000"/>
-                  <a:lumOff val="25000"/>
-                </a:schemeClr>
-              </a:solidFill>
-              <a:latin typeface="+mj-ea"/>
-              <a:ea typeface="+mj-ea"/>
-            </a:endParaRPr>
-          </a:p>
-          <a:p>
-            <a:pPr indent="-285750">
-              <a:spcAft>
-                <a:spcPts val="600"/>
-              </a:spcAft>
-              <a:buFontTx/>
-              <a:buChar char="-"/>
-              <a:defRPr/>
-            </a:pPr>
-            <a:r>
-              <a:rPr lang="ko-KR" altLang="en-US" sz="1400" dirty="0">
-                <a:ln>
-                  <a:solidFill>
-                    <a:schemeClr val="accent1">
-                      <a:shade val="15000"/>
-                      <a:alpha val="0"/>
-                    </a:schemeClr>
-                  </a:solidFill>
-                </a:ln>
-                <a:solidFill>
-                  <a:schemeClr val="tx1">
-                    <a:lumMod val="75000"/>
-                    <a:lumOff val="25000"/>
-                  </a:schemeClr>
-                </a:solidFill>
-                <a:latin typeface="+mj-ea"/>
-                <a:ea typeface="+mj-ea"/>
-              </a:rPr>
-              <a:t>기획 단계에서 도출된 주제와 아이디어를 기반으로 </a:t>
-            </a:r>
-            <a:r>
-              <a:rPr lang="ko-KR" altLang="en-US" sz="1400" b="1" dirty="0">
-                <a:ln>
-                  <a:solidFill>
-                    <a:schemeClr val="accent1">
-                      <a:shade val="15000"/>
-                      <a:alpha val="0"/>
-                    </a:schemeClr>
-                  </a:solidFill>
-                </a:ln>
-                <a:solidFill>
-                  <a:schemeClr val="tx1">
-                    <a:lumMod val="75000"/>
-                    <a:lumOff val="25000"/>
-                  </a:schemeClr>
-                </a:solidFill>
-                <a:latin typeface="+mj-ea"/>
-                <a:ea typeface="+mj-ea"/>
-              </a:rPr>
-              <a:t>실제 프로젝트</a:t>
-            </a:r>
-            <a:r>
-              <a:rPr lang="ko-KR" altLang="en-US" sz="1400" dirty="0">
-                <a:ln>
-                  <a:solidFill>
-                    <a:schemeClr val="accent1">
-                      <a:shade val="15000"/>
-                      <a:alpha val="0"/>
-                    </a:schemeClr>
-                  </a:solidFill>
-                </a:ln>
-                <a:solidFill>
-                  <a:schemeClr val="tx1">
-                    <a:lumMod val="75000"/>
-                    <a:lumOff val="25000"/>
-                  </a:schemeClr>
-                </a:solidFill>
-                <a:latin typeface="+mj-ea"/>
-                <a:ea typeface="+mj-ea"/>
-              </a:rPr>
-              <a:t>를</a:t>
-            </a:r>
-            <a:r>
-              <a:rPr lang="ko-KR" altLang="en-US" sz="1400" b="1" dirty="0">
-                <a:ln>
-                  <a:solidFill>
-                    <a:schemeClr val="accent1">
-                      <a:shade val="15000"/>
-                      <a:alpha val="0"/>
-                    </a:schemeClr>
-                  </a:solidFill>
-                </a:ln>
-                <a:solidFill>
-                  <a:schemeClr val="tx1">
-                    <a:lumMod val="75000"/>
-                    <a:lumOff val="25000"/>
-                  </a:schemeClr>
-                </a:solidFill>
-                <a:latin typeface="+mj-ea"/>
-                <a:ea typeface="+mj-ea"/>
-              </a:rPr>
-              <a:t> 수행한 세부적인 기간</a:t>
-            </a:r>
-            <a:r>
-              <a:rPr lang="ko-KR" altLang="en-US" sz="1400" dirty="0">
-                <a:ln>
-                  <a:solidFill>
-                    <a:schemeClr val="accent1">
-                      <a:shade val="15000"/>
-                      <a:alpha val="0"/>
-                    </a:schemeClr>
-                  </a:solidFill>
-                </a:ln>
-                <a:solidFill>
-                  <a:schemeClr val="tx1">
-                    <a:lumMod val="75000"/>
-                    <a:lumOff val="25000"/>
-                  </a:schemeClr>
-                </a:solidFill>
-                <a:latin typeface="+mj-ea"/>
-                <a:ea typeface="+mj-ea"/>
-              </a:rPr>
-              <a:t>과</a:t>
-            </a:r>
-            <a:r>
-              <a:rPr lang="ko-KR" altLang="en-US" sz="1400" b="1" dirty="0">
-                <a:ln>
-                  <a:solidFill>
-                    <a:schemeClr val="accent1">
-                      <a:shade val="15000"/>
-                      <a:alpha val="0"/>
-                    </a:schemeClr>
-                  </a:solidFill>
-                </a:ln>
-                <a:solidFill>
-                  <a:schemeClr val="tx1">
-                    <a:lumMod val="75000"/>
-                    <a:lumOff val="25000"/>
-                  </a:schemeClr>
-                </a:solidFill>
-                <a:latin typeface="+mj-ea"/>
-                <a:ea typeface="+mj-ea"/>
-              </a:rPr>
-              <a:t> 활동 </a:t>
-            </a:r>
-            <a:r>
-              <a:rPr lang="ko-KR" altLang="en-US" sz="1400" dirty="0">
-                <a:ln>
-                  <a:solidFill>
-                    <a:schemeClr val="accent1">
-                      <a:shade val="15000"/>
-                      <a:alpha val="0"/>
-                    </a:schemeClr>
-                  </a:solidFill>
-                </a:ln>
-                <a:solidFill>
-                  <a:schemeClr val="tx1">
-                    <a:lumMod val="75000"/>
-                    <a:lumOff val="25000"/>
-                  </a:schemeClr>
-                </a:solidFill>
-                <a:latin typeface="+mj-ea"/>
-                <a:ea typeface="+mj-ea"/>
-              </a:rPr>
-              <a:t>내용 작성</a:t>
-            </a:r>
-            <a:endParaRPr lang="en-US" altLang="ko-KR" sz="1400" dirty="0">
-              <a:ln>
-                <a:solidFill>
-                  <a:schemeClr val="accent1">
-                    <a:shade val="15000"/>
-                    <a:alpha val="0"/>
-                  </a:schemeClr>
-                </a:solidFill>
-              </a:ln>
-              <a:solidFill>
-                <a:schemeClr val="tx1">
-                  <a:lumMod val="75000"/>
-                  <a:lumOff val="25000"/>
-                </a:schemeClr>
-              </a:solidFill>
-              <a:latin typeface="+mj-ea"/>
-              <a:ea typeface="+mj-ea"/>
-            </a:endParaRPr>
-          </a:p>
-        </p:txBody>
-      </p:sp>
       <p:graphicFrame>
         <p:nvGraphicFramePr>
           <p:cNvPr id="41" name="표 40">
@@ -10444,14 +8625,14 @@
           <p:nvPr>
             <p:extLst>
               <p:ext uri="{D42A27DB-BD31-4B8C-83A1-F6EECF244321}">
-                <p14:modId xmlns:p14="http://schemas.microsoft.com/office/powerpoint/2010/main" val="2606977973"/>
+                <p14:modId xmlns:p14="http://schemas.microsoft.com/office/powerpoint/2010/main" val="181817424"/>
               </p:ext>
             </p:extLst>
           </p:nvPr>
         </p:nvGraphicFramePr>
         <p:xfrm>
-          <a:off x="524528" y="2832100"/>
-          <a:ext cx="11218265" cy="3557280"/>
+          <a:off x="486867" y="2716943"/>
+          <a:ext cx="11218265" cy="3556000"/>
         </p:xfrm>
         <a:graphic>
           <a:graphicData uri="http://schemas.openxmlformats.org/drawingml/2006/table">
@@ -10979,7 +9160,7 @@
                           <a:ea typeface="맑은 고딕" panose="020B0503020000020004" pitchFamily="50" charset="-127"/>
                           <a:cs typeface="+mn-cs"/>
                         </a:rPr>
-                        <a:t>O/O(</a:t>
+                        <a:t>01/08(</a:t>
                       </a:r>
                       <a:r>
                         <a:rPr lang="ko-KR" altLang="en-US" sz="1200" b="1" kern="1200" dirty="0">
@@ -10999,7 +9180,7 @@
                           <a:ea typeface="맑은 고딕" panose="020B0503020000020004" pitchFamily="50" charset="-127"/>
                           <a:cs typeface="+mn-cs"/>
                         </a:rPr>
-                        <a:t>월</a:t>
+                        <a:t>수</a:t>
                       </a:r>
                       <a:r>
                         <a:rPr lang="en-US" altLang="ko-KR" sz="1200" b="1" kern="1200" dirty="0">
@@ -11019,7 +9200,7 @@
                           <a:ea typeface="맑은 고딕" panose="020B0503020000020004" pitchFamily="50" charset="-127"/>
                           <a:cs typeface="+mn-cs"/>
                         </a:rPr>
-                        <a:t>) ~ O/O(</a:t>
+                        <a:t>) ~ 01/08(</a:t>
                       </a:r>
                       <a:r>
                         <a:rPr lang="ko-KR" altLang="en-US" sz="1200" b="1" kern="1200" dirty="0">
@@ -11039,7 +9220,7 @@
                           <a:ea typeface="맑은 고딕" panose="020B0503020000020004" pitchFamily="50" charset="-127"/>
                           <a:cs typeface="+mn-cs"/>
                         </a:rPr>
-                        <a:t>금</a:t>
+                        <a:t>수</a:t>
                       </a:r>
                       <a:r>
                         <a:rPr lang="en-US" altLang="ko-KR" sz="1200" b="1" kern="1200" dirty="0">
@@ -11458,7 +9639,7 @@
                           <a:ea typeface="맑은 고딕" panose="020B0503020000020004" pitchFamily="50" charset="-127"/>
                           <a:cs typeface="+mn-cs"/>
                         </a:rPr>
-                        <a:t>O/O(</a:t>
+                        <a:t>01/08(</a:t>
                       </a:r>
                       <a:r>
                         <a:rPr lang="ko-KR" altLang="en-US" sz="1200" b="1" kern="1200" dirty="0">
@@ -11478,7 +9659,7 @@
                           <a:ea typeface="맑은 고딕" panose="020B0503020000020004" pitchFamily="50" charset="-127"/>
                           <a:cs typeface="+mn-cs"/>
                         </a:rPr>
-                        <a:t>월</a:t>
+                        <a:t>수</a:t>
                       </a:r>
                       <a:r>
                         <a:rPr lang="en-US" altLang="ko-KR" sz="1200" b="1" kern="1200" dirty="0">
@@ -11498,7 +9679,7 @@
                           <a:ea typeface="맑은 고딕" panose="020B0503020000020004" pitchFamily="50" charset="-127"/>
                           <a:cs typeface="+mn-cs"/>
                         </a:rPr>
-                        <a:t>) ~ O/O(</a:t>
+                        <a:t>) ~ 01/09(</a:t>
                       </a:r>
                       <a:r>
                         <a:rPr lang="ko-KR" altLang="en-US" sz="1200" b="1" kern="1200" dirty="0">
@@ -11518,7 +9699,7 @@
                           <a:ea typeface="맑은 고딕" panose="020B0503020000020004" pitchFamily="50" charset="-127"/>
                           <a:cs typeface="+mn-cs"/>
                         </a:rPr>
-                        <a:t>금</a:t>
+                        <a:t>목</a:t>
                       </a:r>
                       <a:r>
                         <a:rPr lang="en-US" altLang="ko-KR" sz="1200" b="1" kern="1200" dirty="0">
@@ -11724,26 +9905,6 @@
                         <a:tabLst/>
                         <a:defRPr/>
                       </a:pPr>
-                      <a:r>
-                        <a:rPr lang="ko-KR" altLang="en-US" sz="1200" b="1" kern="1200" dirty="0">
-                          <a:ln>
-                            <a:solidFill>
-                              <a:schemeClr val="bg1">
-                                <a:alpha val="0"/>
-                              </a:schemeClr>
-                            </a:solidFill>
-                          </a:ln>
-                          <a:solidFill>
-                            <a:schemeClr val="bg2">
-                              <a:lumMod val="25000"/>
-                            </a:schemeClr>
-                          </a:solidFill>
-                          <a:latin typeface="맑은 고딕" panose="020B0503020000020004" pitchFamily="50" charset="-127"/>
-                          <a:ea typeface="맑은 고딕" panose="020B0503020000020004" pitchFamily="50" charset="-127"/>
-                          <a:cs typeface="+mn-cs"/>
-                        </a:rPr>
-                        <a:t>협약기업 데이터 협조</a:t>
-                      </a:r>
                       <a:endParaRPr lang="en-US" altLang="ko-KR" sz="1200" b="1" kern="1200" dirty="0">
                         <a:ln>
                           <a:solidFill>
@@ -11960,7 +10121,47 @@
                           <a:ea typeface="맑은 고딕" panose="020B0503020000020004" pitchFamily="50" charset="-127"/>
                           <a:cs typeface="+mn-cs"/>
                         </a:rPr>
-                        <a:t>O/O(</a:t>
+                        <a:t>01/09(</a:t>
+                      </a:r>
+                      <a:r>
+                        <a:rPr lang="ko-KR" altLang="en-US" sz="1200" b="1" kern="1200" dirty="0">
+                          <a:ln>
+                            <a:solidFill>
+                              <a:schemeClr val="bg1">
+                                <a:alpha val="0"/>
+                              </a:schemeClr>
+                            </a:solidFill>
+                          </a:ln>
+                          <a:solidFill>
+                            <a:schemeClr val="bg2">
+                              <a:lumMod val="25000"/>
+                            </a:schemeClr>
+                          </a:solidFill>
+                          <a:latin typeface="맑은 고딕" panose="020B0503020000020004" pitchFamily="50" charset="-127"/>
+                          <a:ea typeface="맑은 고딕" panose="020B0503020000020004" pitchFamily="50" charset="-127"/>
+                          <a:cs typeface="+mn-cs"/>
+                        </a:rPr>
+                        <a:t>목</a:t>
+                      </a:r>
+                      <a:r>
+                        <a:rPr lang="en-US" altLang="ko-KR" sz="1200" b="1" kern="1200" dirty="0">
+                          <a:ln>
+                            <a:solidFill>
+                              <a:schemeClr val="bg1">
+                                <a:alpha val="0"/>
+                              </a:schemeClr>
+                            </a:solidFill>
+                          </a:ln>
+                          <a:solidFill>
+                            <a:schemeClr val="bg2">
+                              <a:lumMod val="25000"/>
+                            </a:schemeClr>
+                          </a:solidFill>
+                          <a:latin typeface="맑은 고딕" panose="020B0503020000020004" pitchFamily="50" charset="-127"/>
+                          <a:ea typeface="맑은 고딕" panose="020B0503020000020004" pitchFamily="50" charset="-127"/>
+                          <a:cs typeface="+mn-cs"/>
+                        </a:rPr>
+                        <a:t>) ~ 01/13(</a:t>
                       </a:r>
                       <a:r>
                         <a:rPr lang="ko-KR" altLang="en-US" sz="1200" b="1" kern="1200" dirty="0">
@@ -11981,46 +10182,6 @@
                           <a:cs typeface="+mn-cs"/>
                         </a:rPr>
                         <a:t>월</a:t>
-                      </a:r>
-                      <a:r>
-                        <a:rPr lang="en-US" altLang="ko-KR" sz="1200" b="1" kern="1200" dirty="0">
-                          <a:ln>
-                            <a:solidFill>
-                              <a:schemeClr val="bg1">
-                                <a:alpha val="0"/>
-                              </a:schemeClr>
-                            </a:solidFill>
-                          </a:ln>
-                          <a:solidFill>
-                            <a:schemeClr val="bg2">
-                              <a:lumMod val="25000"/>
-                            </a:schemeClr>
-                          </a:solidFill>
-                          <a:latin typeface="맑은 고딕" panose="020B0503020000020004" pitchFamily="50" charset="-127"/>
-                          <a:ea typeface="맑은 고딕" panose="020B0503020000020004" pitchFamily="50" charset="-127"/>
-                          <a:cs typeface="+mn-cs"/>
-                        </a:rPr>
-                        <a:t>) ~ O/O(</a:t>
-                      </a:r>
-                      <a:r>
-                        <a:rPr lang="ko-KR" altLang="en-US" sz="1200" b="1" kern="1200" dirty="0">
-                          <a:ln>
-                            <a:solidFill>
-                              <a:schemeClr val="bg1">
-                                <a:alpha val="0"/>
-                              </a:schemeClr>
-                            </a:solidFill>
-                          </a:ln>
-                          <a:solidFill>
-                            <a:schemeClr val="bg2">
-                              <a:lumMod val="25000"/>
-                            </a:schemeClr>
-                          </a:solidFill>
-                          <a:latin typeface="맑은 고딕" panose="020B0503020000020004" pitchFamily="50" charset="-127"/>
-                          <a:ea typeface="맑은 고딕" panose="020B0503020000020004" pitchFamily="50" charset="-127"/>
-                          <a:cs typeface="+mn-cs"/>
-                        </a:rPr>
-                        <a:t>금</a:t>
                       </a:r>
                       <a:r>
                         <a:rPr lang="en-US" altLang="ko-KR" sz="1200" b="1" kern="1200" dirty="0">
@@ -12471,7 +10632,7 @@
                           <a:ea typeface="맑은 고딕" panose="020B0503020000020004" pitchFamily="50" charset="-127"/>
                           <a:cs typeface="+mn-cs"/>
                         </a:rPr>
-                        <a:t>O/O(</a:t>
+                        <a:t>01/08(</a:t>
                       </a:r>
                       <a:r>
                         <a:rPr lang="ko-KR" altLang="en-US" sz="1200" b="1" kern="1200" dirty="0">
@@ -12491,7 +10652,7 @@
                           <a:ea typeface="맑은 고딕" panose="020B0503020000020004" pitchFamily="50" charset="-127"/>
                           <a:cs typeface="+mn-cs"/>
                         </a:rPr>
-                        <a:t>월</a:t>
+                        <a:t>수</a:t>
                       </a:r>
                       <a:r>
                         <a:rPr lang="en-US" altLang="ko-KR" sz="1200" b="1" kern="1200" dirty="0">
@@ -12511,7 +10672,7 @@
                           <a:ea typeface="맑은 고딕" panose="020B0503020000020004" pitchFamily="50" charset="-127"/>
                           <a:cs typeface="+mn-cs"/>
                         </a:rPr>
-                        <a:t>) ~ O/O(</a:t>
+                        <a:t>) ~ 01/09(</a:t>
                       </a:r>
                       <a:r>
                         <a:rPr lang="ko-KR" altLang="en-US" sz="1200" b="1" kern="1200" dirty="0">
@@ -12531,7 +10692,7 @@
                           <a:ea typeface="맑은 고딕" panose="020B0503020000020004" pitchFamily="50" charset="-127"/>
                           <a:cs typeface="+mn-cs"/>
                         </a:rPr>
-                        <a:t>금</a:t>
+                        <a:t>목</a:t>
                       </a:r>
                       <a:r>
                         <a:rPr lang="en-US" altLang="ko-KR" sz="1200" b="1" kern="1200" dirty="0">
@@ -12729,26 +10890,23 @@
                         <a:buFont typeface="Arial" panose="020B0604020202020204" pitchFamily="34" charset="0"/>
                         <a:buNone/>
                       </a:pPr>
-                      <a:r>
-                        <a:rPr lang="ko-KR" altLang="en-US" sz="1200" b="1" kern="1200" dirty="0">
-                          <a:ln>
-                            <a:solidFill>
-                              <a:schemeClr val="bg1">
-                                <a:alpha val="0"/>
-                              </a:schemeClr>
-                            </a:solidFill>
-                          </a:ln>
+                      <a:endParaRPr lang="ko-KR" altLang="en-US" sz="1200" b="1" kern="1200" dirty="0">
+                        <a:ln>
                           <a:solidFill>
-                            <a:schemeClr val="bg2">
-                              <a:lumMod val="25000"/>
+                            <a:schemeClr val="bg1">
+                              <a:alpha val="0"/>
                             </a:schemeClr>
                           </a:solidFill>
-                          <a:latin typeface="맑은 고딕" panose="020B0503020000020004" pitchFamily="50" charset="-127"/>
-                          <a:ea typeface="맑은 고딕" panose="020B0503020000020004" pitchFamily="50" charset="-127"/>
-                          <a:cs typeface="+mn-cs"/>
-                        </a:rPr>
-                        <a:t>팀별 중간보고 실시</a:t>
-                      </a:r>
+                        </a:ln>
+                        <a:solidFill>
+                          <a:schemeClr val="bg2">
+                            <a:lumMod val="25000"/>
+                          </a:schemeClr>
+                        </a:solidFill>
+                        <a:latin typeface="맑은 고딕" panose="020B0503020000020004" pitchFamily="50" charset="-127"/>
+                        <a:ea typeface="맑은 고딕" panose="020B0503020000020004" pitchFamily="50" charset="-127"/>
+                        <a:cs typeface="+mn-cs"/>
+                      </a:endParaRPr>
                     </a:p>
                   </a:txBody>
                   <a:tcPr marL="33437" marR="3915" marT="3915" marB="0" anchor="ctr">
@@ -12957,7 +11115,7 @@
                           <a:ea typeface="맑은 고딕" panose="020B0503020000020004" pitchFamily="50" charset="-127"/>
                           <a:cs typeface="+mn-cs"/>
                         </a:rPr>
-                        <a:t>O/O(</a:t>
+                        <a:t>01/09(</a:t>
                       </a:r>
                       <a:r>
                         <a:rPr lang="ko-KR" altLang="en-US" sz="1200" b="1" kern="1200" dirty="0">
@@ -12977,7 +11135,7 @@
                           <a:ea typeface="맑은 고딕" panose="020B0503020000020004" pitchFamily="50" charset="-127"/>
                           <a:cs typeface="+mn-cs"/>
                         </a:rPr>
-                        <a:t>월</a:t>
+                        <a:t>목</a:t>
                       </a:r>
                       <a:r>
                         <a:rPr lang="en-US" altLang="ko-KR" sz="1200" b="1" kern="1200" dirty="0">
@@ -12997,7 +11155,7 @@
                           <a:ea typeface="맑은 고딕" panose="020B0503020000020004" pitchFamily="50" charset="-127"/>
                           <a:cs typeface="+mn-cs"/>
                         </a:rPr>
-                        <a:t>) ~ O/O(</a:t>
+                        <a:t>) ~ 01/21(</a:t>
                       </a:r>
                       <a:r>
                         <a:rPr lang="ko-KR" altLang="en-US" sz="1200" b="1" kern="1200" dirty="0">
@@ -13017,7 +11175,7 @@
                           <a:ea typeface="맑은 고딕" panose="020B0503020000020004" pitchFamily="50" charset="-127"/>
                           <a:cs typeface="+mn-cs"/>
                         </a:rPr>
-                        <a:t>금</a:t>
+                        <a:t>화</a:t>
                       </a:r>
                       <a:r>
                         <a:rPr lang="en-US" altLang="ko-KR" sz="1200" b="1" kern="1200" dirty="0">
@@ -13216,46 +11374,6 @@
                         <a:buFont typeface="Arial" panose="020B0604020202020204" pitchFamily="34" charset="0"/>
                         <a:buNone/>
                       </a:pPr>
-                      <a:r>
-                        <a:rPr lang="ko-KR" altLang="en-US" sz="1200" b="1" kern="1200" dirty="0">
-                          <a:ln>
-                            <a:solidFill>
-                              <a:schemeClr val="bg1">
-                                <a:alpha val="0"/>
-                              </a:schemeClr>
-                            </a:solidFill>
-                          </a:ln>
-                          <a:solidFill>
-                            <a:schemeClr val="bg2">
-                              <a:lumMod val="25000"/>
-                            </a:schemeClr>
-                          </a:solidFill>
-                          <a:latin typeface="맑은 고딕" panose="020B0503020000020004" pitchFamily="50" charset="-127"/>
-                          <a:ea typeface="맑은 고딕" panose="020B0503020000020004" pitchFamily="50" charset="-127"/>
-                          <a:cs typeface="+mn-cs"/>
-                        </a:rPr>
-                        <a:t>최적화</a:t>
-                      </a:r>
-                      <a:r>
-                        <a:rPr lang="en-US" altLang="ko-KR" sz="1200" b="1" kern="1200" dirty="0">
-                          <a:ln>
-                            <a:solidFill>
-                              <a:schemeClr val="bg1">
-                                <a:alpha val="0"/>
-                              </a:schemeClr>
-                            </a:solidFill>
-                          </a:ln>
-                          <a:solidFill>
-                            <a:schemeClr val="bg2">
-                              <a:lumMod val="25000"/>
-                            </a:schemeClr>
-                          </a:solidFill>
-                          <a:latin typeface="맑은 고딕" panose="020B0503020000020004" pitchFamily="50" charset="-127"/>
-                          <a:ea typeface="맑은 고딕" panose="020B0503020000020004" pitchFamily="50" charset="-127"/>
-                          <a:cs typeface="+mn-cs"/>
-                        </a:rPr>
-                        <a:t>, </a:t>
-                      </a:r>
                       <a:r>
                         <a:rPr lang="ko-KR" altLang="en-US" sz="1200" b="1" kern="1200" dirty="0">
                           <a:ln>
@@ -13484,7 +11602,7 @@
                           <a:ea typeface="맑은 고딕" panose="020B0503020000020004" pitchFamily="50" charset="-127"/>
                           <a:cs typeface="+mn-cs"/>
                         </a:rPr>
-                        <a:t>O/O(</a:t>
+                        <a:t>01/08(</a:t>
                       </a:r>
                       <a:r>
                         <a:rPr lang="ko-KR" altLang="en-US" sz="1200" b="1" kern="1200" dirty="0">
@@ -13504,7 +11622,7 @@
                           <a:ea typeface="맑은 고딕" panose="020B0503020000020004" pitchFamily="50" charset="-127"/>
                           <a:cs typeface="+mn-cs"/>
                         </a:rPr>
-                        <a:t>월</a:t>
+                        <a:t>수</a:t>
                       </a:r>
                       <a:r>
                         <a:rPr lang="en-US" altLang="ko-KR" sz="1200" b="1" kern="1200" dirty="0">
@@ -13524,7 +11642,7 @@
                           <a:ea typeface="맑은 고딕" panose="020B0503020000020004" pitchFamily="50" charset="-127"/>
                           <a:cs typeface="+mn-cs"/>
                         </a:rPr>
-                        <a:t>) ~ O/O(</a:t>
+                        <a:t>) ~ 01/21(</a:t>
                       </a:r>
                       <a:r>
                         <a:rPr lang="ko-KR" altLang="en-US" sz="1200" b="1" kern="1200" dirty="0">
@@ -13544,7 +11662,7 @@
                           <a:ea typeface="맑은 고딕" panose="020B0503020000020004" pitchFamily="50" charset="-127"/>
                           <a:cs typeface="+mn-cs"/>
                         </a:rPr>
-                        <a:t>금</a:t>
+                        <a:t>호</a:t>
                       </a:r>
                       <a:r>
                         <a:rPr lang="en-US" altLang="ko-KR" sz="1200" b="1" kern="1200" dirty="0">
@@ -13564,47 +11682,7 @@
                           <a:ea typeface="맑은 고딕" panose="020B0503020000020004" pitchFamily="50" charset="-127"/>
                           <a:cs typeface="+mn-cs"/>
                         </a:rPr>
-                        <a:t>)(</a:t>
-                      </a:r>
-                      <a:r>
-                        <a:rPr lang="ko-KR" altLang="en-US" sz="1200" b="1" kern="1200" dirty="0">
-                          <a:ln>
-                            <a:solidFill>
-                              <a:schemeClr val="bg1">
-                                <a:alpha val="0"/>
-                              </a:schemeClr>
-                            </a:solidFill>
-                          </a:ln>
-                          <a:solidFill>
-                            <a:schemeClr val="bg2">
-                              <a:lumMod val="25000"/>
-                            </a:schemeClr>
-                          </a:solidFill>
-                          <a:latin typeface="맑은 고딕" panose="020B0503020000020004" pitchFamily="50" charset="-127"/>
-                          <a:ea typeface="맑은 고딕" panose="020B0503020000020004" pitchFamily="50" charset="-127"/>
-                          <a:cs typeface="+mn-cs"/>
-                        </a:rPr>
-                        <a:t>총 </a:t>
-                      </a:r>
-                      <a:r>
-                        <a:rPr lang="en-US" altLang="ko-KR" sz="1200" b="1" kern="1200" dirty="0">
-                          <a:ln>
-                            <a:solidFill>
-                              <a:schemeClr val="bg1">
-                                <a:alpha val="0"/>
-                              </a:schemeClr>
-                            </a:solidFill>
-                          </a:ln>
-                          <a:solidFill>
-                            <a:schemeClr val="bg2">
-                              <a:lumMod val="25000"/>
-                            </a:schemeClr>
-                          </a:solidFill>
-                          <a:latin typeface="맑은 고딕" panose="020B0503020000020004" pitchFamily="50" charset="-127"/>
-                          <a:ea typeface="맑은 고딕" panose="020B0503020000020004" pitchFamily="50" charset="-127"/>
-                          <a:cs typeface="+mn-cs"/>
-                        </a:rPr>
-                        <a:t>7</a:t>
+                        <a:t>)(2</a:t>
                       </a:r>
                       <a:r>
                         <a:rPr lang="ko-KR" altLang="en-US" sz="1200" b="1" kern="1200" dirty="0">
@@ -13932,7 +12010,7 @@
         </p:nvSpPr>
         <p:spPr>
           <a:xfrm>
-            <a:off x="4927219" y="3340188"/>
+            <a:off x="4889558" y="3225031"/>
             <a:ext cx="2121736" cy="276999"/>
           </a:xfrm>
           <a:prstGeom prst="rect">
@@ -14001,7 +12079,7 @@
         </p:nvSpPr>
         <p:spPr>
           <a:xfrm>
-            <a:off x="7736845" y="3340188"/>
+            <a:off x="7699184" y="3225031"/>
             <a:ext cx="1093057" cy="276999"/>
           </a:xfrm>
           <a:prstGeom prst="rect">
@@ -14070,8 +12148,8 @@
         </p:nvSpPr>
         <p:spPr>
           <a:xfrm>
-            <a:off x="4927219" y="3873588"/>
-            <a:ext cx="2121737" cy="461665"/>
+            <a:off x="4889558" y="3758431"/>
+            <a:ext cx="2121737" cy="276999"/>
           </a:xfrm>
           <a:prstGeom prst="rect">
             <a:avLst/>
@@ -14104,7 +12182,7 @@
                 <a:latin typeface="맑은 고딕" panose="020B0503020000020004" pitchFamily="50" charset="-127"/>
                 <a:ea typeface="맑은 고딕" panose="020B0503020000020004" pitchFamily="50" charset="-127"/>
               </a:rPr>
-              <a:t>필요 데이터  및 수집 절차 정의</a:t>
+              <a:t>필요 데이터 수집 및 정의</a:t>
             </a:r>
             <a:endParaRPr lang="en-US" altLang="ko-KR" sz="1200" b="1" dirty="0">
               <a:ln>
@@ -14139,7 +12217,7 @@
         </p:nvSpPr>
         <p:spPr>
           <a:xfrm>
-            <a:off x="7736845" y="3873588"/>
+            <a:off x="7699184" y="3758431"/>
             <a:ext cx="1363186" cy="276999"/>
           </a:xfrm>
           <a:prstGeom prst="rect">
@@ -14157,7 +12235,7 @@
               <a:defRPr/>
             </a:pPr>
             <a:r>
-              <a:rPr lang="ko-KR" altLang="en-US" sz="1200" dirty="0">
+              <a:rPr lang="ko-KR" altLang="en-US" sz="1200" b="1" dirty="0">
                 <a:ln>
                   <a:solidFill>
                     <a:schemeClr val="accent1">
@@ -14197,7 +12275,7 @@
               <a:t>데이터</a:t>
             </a:r>
             <a:r>
-              <a:rPr lang="ko-KR" altLang="en-US" sz="1200" dirty="0">
+              <a:rPr lang="ko-KR" altLang="en-US" sz="1200" b="1" dirty="0">
                 <a:ln>
                   <a:solidFill>
                     <a:schemeClr val="accent1">
@@ -14217,7 +12295,7 @@
               </a:rPr>
               <a:t> 수집</a:t>
             </a:r>
-            <a:endParaRPr lang="en-US" altLang="ko-KR" sz="1200" dirty="0">
+            <a:endParaRPr lang="en-US" altLang="ko-KR" sz="1200" b="1" dirty="0">
               <a:ln>
                 <a:solidFill>
                   <a:schemeClr val="accent1">
@@ -14252,7 +12330,7 @@
         </p:nvSpPr>
         <p:spPr>
           <a:xfrm>
-            <a:off x="4927219" y="4402225"/>
+            <a:off x="4889558" y="4287068"/>
             <a:ext cx="1971509" cy="276999"/>
           </a:xfrm>
           <a:prstGeom prst="rect">
@@ -14321,7 +12399,7 @@
         </p:nvSpPr>
         <p:spPr>
           <a:xfrm>
-            <a:off x="4927219" y="4929275"/>
+            <a:off x="4889558" y="4814118"/>
             <a:ext cx="1971509" cy="276999"/>
           </a:xfrm>
           <a:prstGeom prst="rect">
@@ -14390,7 +12468,7 @@
         </p:nvSpPr>
         <p:spPr>
           <a:xfrm>
-            <a:off x="4927219" y="5459500"/>
+            <a:off x="4889558" y="5344343"/>
             <a:ext cx="2121737" cy="276999"/>
           </a:xfrm>
           <a:prstGeom prst="rect">
@@ -14429,76 +12507,7 @@
                 <a:latin typeface="맑은 고딕" panose="020B0503020000020004" pitchFamily="50" charset="-127"/>
                 <a:ea typeface="맑은 고딕" panose="020B0503020000020004" pitchFamily="50" charset="-127"/>
               </a:rPr>
-              <a:t>모바일 서비스 시스템 설계</a:t>
-            </a:r>
-            <a:endParaRPr lang="en-US" altLang="ko-KR" sz="1200" b="1" dirty="0">
-              <a:ln>
-                <a:solidFill>
-                  <a:schemeClr val="bg1">
-                    <a:alpha val="0"/>
-                  </a:schemeClr>
-                </a:solidFill>
-              </a:ln>
-              <a:solidFill>
-                <a:schemeClr val="bg2">
-                  <a:lumMod val="25000"/>
-                </a:schemeClr>
-              </a:solidFill>
-              <a:latin typeface="맑은 고딕" panose="020B0503020000020004" pitchFamily="50" charset="-127"/>
-              <a:ea typeface="맑은 고딕" panose="020B0503020000020004" pitchFamily="50" charset="-127"/>
-            </a:endParaRPr>
-          </a:p>
-        </p:txBody>
-      </p:sp>
-      <p:sp>
-        <p:nvSpPr>
-          <p:cNvPr id="90" name="TextBox 89">
-            <a:extLst>
-              <a:ext uri="{FF2B5EF4-FFF2-40B4-BE49-F238E27FC236}">
-                <a16:creationId xmlns:a16="http://schemas.microsoft.com/office/drawing/2014/main" id="{2AE65555-DE71-51FC-E0CD-0ACA6582EEE6}"/>
-              </a:ext>
-            </a:extLst>
-          </p:cNvPr>
-          <p:cNvSpPr txBox="1"/>
-          <p:nvPr/>
-        </p:nvSpPr>
-        <p:spPr>
-          <a:xfrm>
-            <a:off x="7736845" y="5459500"/>
-            <a:ext cx="1583792" cy="276999"/>
-          </a:xfrm>
-          <a:prstGeom prst="rect">
-            <a:avLst/>
-          </a:prstGeom>
-          <a:noFill/>
-        </p:spPr>
-        <p:txBody>
-          <a:bodyPr wrap="square">
-            <a:spAutoFit/>
-          </a:bodyPr>
-          <a:lstStyle/>
-          <a:p>
-            <a:pPr>
-              <a:defRPr/>
-            </a:pPr>
-            <a:r>
-              <a:rPr lang="ko-KR" altLang="en-US" sz="1200" b="1" dirty="0">
-                <a:ln>
-                  <a:solidFill>
-                    <a:schemeClr val="bg1">
-                      <a:alpha val="0"/>
-                    </a:schemeClr>
-                  </a:solidFill>
-                </a:ln>
-                <a:solidFill>
-                  <a:schemeClr val="bg2">
-                    <a:lumMod val="25000"/>
-                  </a:schemeClr>
-                </a:solidFill>
-                <a:latin typeface="맑은 고딕" panose="020B0503020000020004" pitchFamily="50" charset="-127"/>
-                <a:ea typeface="맑은 고딕" panose="020B0503020000020004" pitchFamily="50" charset="-127"/>
-              </a:rPr>
-              <a:t>모바일 플랫폼 구현</a:t>
+              <a:t>웹 앱 서비스 시스템 설계</a:t>
             </a:r>
             <a:endParaRPr lang="en-US" altLang="ko-KR" sz="1200" b="1" dirty="0">
               <a:ln>
@@ -14606,239 +12615,6 @@
       </p:sp>
       <p:sp>
         <p:nvSpPr>
-          <p:cNvPr id="24" name="TextBox 23">
-            <a:extLst>
-              <a:ext uri="{FF2B5EF4-FFF2-40B4-BE49-F238E27FC236}">
-                <a16:creationId xmlns:a16="http://schemas.microsoft.com/office/drawing/2014/main" id="{67F04AE5-D365-4B0E-9031-83310E282831}"/>
-              </a:ext>
-            </a:extLst>
-          </p:cNvPr>
-          <p:cNvSpPr txBox="1"/>
-          <p:nvPr/>
-        </p:nvSpPr>
-        <p:spPr>
-          <a:xfrm>
-            <a:off x="743615" y="1430219"/>
-            <a:ext cx="10324435" cy="369332"/>
-          </a:xfrm>
-          <a:prstGeom prst="rect">
-            <a:avLst/>
-          </a:prstGeom>
-          <a:noFill/>
-        </p:spPr>
-        <p:txBody>
-          <a:bodyPr wrap="square">
-            <a:spAutoFit/>
-          </a:bodyPr>
-          <a:lstStyle/>
-          <a:p>
-            <a:pPr>
-              <a:defRPr/>
-            </a:pPr>
-            <a:r>
-              <a:rPr lang="ko-KR" altLang="en-US" b="1" dirty="0">
-                <a:ln>
-                  <a:solidFill>
-                    <a:schemeClr val="accent1">
-                      <a:shade val="15000"/>
-                      <a:alpha val="0"/>
-                    </a:schemeClr>
-                  </a:solidFill>
-                </a:ln>
-                <a:solidFill>
-                  <a:schemeClr val="accent1"/>
-                </a:solidFill>
-                <a:latin typeface="+mj-ea"/>
-                <a:ea typeface="+mj-ea"/>
-              </a:rPr>
-              <a:t>프로젝트</a:t>
-            </a:r>
-            <a:r>
-              <a:rPr lang="ko-KR" altLang="en-US" b="1" dirty="0">
-                <a:ln>
-                  <a:solidFill>
-                    <a:schemeClr val="accent1">
-                      <a:shade val="15000"/>
-                      <a:alpha val="0"/>
-                    </a:schemeClr>
-                  </a:solidFill>
-                </a:ln>
-                <a:solidFill>
-                  <a:schemeClr val="tx1">
-                    <a:lumMod val="75000"/>
-                    <a:lumOff val="25000"/>
-                  </a:schemeClr>
-                </a:solidFill>
-                <a:latin typeface="+mj-ea"/>
-                <a:ea typeface="+mj-ea"/>
-              </a:rPr>
-              <a:t> </a:t>
-            </a:r>
-            <a:r>
-              <a:rPr lang="ko-KR" altLang="en-US" b="1" dirty="0">
-                <a:ln>
-                  <a:solidFill>
-                    <a:schemeClr val="accent1">
-                      <a:shade val="15000"/>
-                      <a:alpha val="0"/>
-                    </a:schemeClr>
-                  </a:solidFill>
-                </a:ln>
-                <a:solidFill>
-                  <a:srgbClr val="3378C8"/>
-                </a:solidFill>
-                <a:latin typeface="+mj-ea"/>
-                <a:ea typeface="+mj-ea"/>
-              </a:rPr>
-              <a:t>결과물이 도출된 과정</a:t>
-            </a:r>
-            <a:r>
-              <a:rPr lang="ko-KR" altLang="en-US" b="1" dirty="0">
-                <a:ln>
-                  <a:solidFill>
-                    <a:schemeClr val="accent1">
-                      <a:shade val="15000"/>
-                      <a:alpha val="0"/>
-                    </a:schemeClr>
-                  </a:solidFill>
-                </a:ln>
-                <a:solidFill>
-                  <a:schemeClr val="tx1">
-                    <a:lumMod val="75000"/>
-                    <a:lumOff val="25000"/>
-                  </a:schemeClr>
-                </a:solidFill>
-                <a:latin typeface="+mj-ea"/>
-                <a:ea typeface="+mj-ea"/>
-              </a:rPr>
-              <a:t>을 세부적으로 작성한다</a:t>
-            </a:r>
-            <a:r>
-              <a:rPr lang="en-US" altLang="ko-KR" b="1" dirty="0">
-                <a:ln>
-                  <a:solidFill>
-                    <a:schemeClr val="accent1">
-                      <a:shade val="15000"/>
-                      <a:alpha val="0"/>
-                    </a:schemeClr>
-                  </a:solidFill>
-                </a:ln>
-                <a:solidFill>
-                  <a:schemeClr val="tx1">
-                    <a:lumMod val="75000"/>
-                    <a:lumOff val="25000"/>
-                  </a:schemeClr>
-                </a:solidFill>
-                <a:latin typeface="+mj-ea"/>
-                <a:ea typeface="+mj-ea"/>
-              </a:rPr>
-              <a:t>. </a:t>
-            </a:r>
-          </a:p>
-        </p:txBody>
-      </p:sp>
-      <p:sp>
-        <p:nvSpPr>
-          <p:cNvPr id="8" name="TextBox 7">
-            <a:extLst>
-              <a:ext uri="{FF2B5EF4-FFF2-40B4-BE49-F238E27FC236}">
-                <a16:creationId xmlns:a16="http://schemas.microsoft.com/office/drawing/2014/main" id="{3A898C1A-E42C-1959-DDA8-7FA3885AF73D}"/>
-              </a:ext>
-            </a:extLst>
-          </p:cNvPr>
-          <p:cNvSpPr txBox="1"/>
-          <p:nvPr/>
-        </p:nvSpPr>
-        <p:spPr>
-          <a:xfrm>
-            <a:off x="1036137" y="2136129"/>
-            <a:ext cx="10889721" cy="307777"/>
-          </a:xfrm>
-          <a:prstGeom prst="rect">
-            <a:avLst/>
-          </a:prstGeom>
-        </p:spPr>
-        <p:style>
-          <a:lnRef idx="2">
-            <a:schemeClr val="dk1">
-              <a:shade val="50000"/>
-            </a:schemeClr>
-          </a:lnRef>
-          <a:fillRef idx="1">
-            <a:schemeClr val="dk1"/>
-          </a:fillRef>
-          <a:effectRef idx="0">
-            <a:schemeClr val="dk1"/>
-          </a:effectRef>
-          <a:fontRef idx="minor">
-            <a:schemeClr val="lt1"/>
-          </a:fontRef>
-        </p:style>
-        <p:txBody>
-          <a:bodyPr wrap="square">
-            <a:spAutoFit/>
-          </a:bodyPr>
-          <a:lstStyle/>
-          <a:p>
-            <a:pPr>
-              <a:defRPr/>
-            </a:pPr>
-            <a:r>
-              <a:rPr lang="ko-KR" altLang="en-US" sz="1400" b="1" dirty="0">
-                <a:ln>
-                  <a:solidFill>
-                    <a:schemeClr val="accent1">
-                      <a:shade val="15000"/>
-                      <a:alpha val="0"/>
-                    </a:schemeClr>
-                  </a:solidFill>
-                </a:ln>
-                <a:solidFill>
-                  <a:schemeClr val="bg1"/>
-                </a:solidFill>
-                <a:latin typeface="+mj-ea"/>
-                <a:ea typeface="+mj-ea"/>
-              </a:rPr>
-              <a:t>이어지는 예시는 하나의 사례 제공을 위해서 간단하게 제시한 것이므로 </a:t>
-            </a:r>
-            <a:r>
-              <a:rPr lang="ko-KR" altLang="en-US" sz="1400" b="1" dirty="0">
-                <a:ln>
-                  <a:solidFill>
-                    <a:schemeClr val="accent1">
-                      <a:shade val="15000"/>
-                      <a:alpha val="0"/>
-                    </a:schemeClr>
-                  </a:solidFill>
-                </a:ln>
-                <a:solidFill>
-                  <a:srgbClr val="FFD85C"/>
-                </a:solidFill>
-                <a:latin typeface="+mj-ea"/>
-                <a:ea typeface="+mj-ea"/>
-              </a:rPr>
-              <a:t>프로젝트 성격에 따라 보다 자세하게 작성</a:t>
-            </a:r>
-            <a:endParaRPr lang="en-US" altLang="ko-KR" sz="1400" b="1" dirty="0">
-              <a:ln>
-                <a:solidFill>
-                  <a:schemeClr val="accent1">
-                    <a:shade val="15000"/>
-                    <a:alpha val="0"/>
-                  </a:schemeClr>
-                </a:solidFill>
-              </a:ln>
-              <a:solidFill>
-                <a:srgbClr val="FFD85C"/>
-              </a:solidFill>
-              <a:latin typeface="+mj-ea"/>
-              <a:ea typeface="+mj-ea"/>
-            </a:endParaRPr>
-          </a:p>
-        </p:txBody>
-      </p:sp>
-      <p:sp>
-        <p:nvSpPr>
           <p:cNvPr id="10" name="TextBox 9">
             <a:extLst>
               <a:ext uri="{FF2B5EF4-FFF2-40B4-BE49-F238E27FC236}">
@@ -14851,7 +12627,7 @@
         </p:nvSpPr>
         <p:spPr>
           <a:xfrm>
-            <a:off x="513707" y="2888446"/>
+            <a:off x="406696" y="1909627"/>
             <a:ext cx="1738679" cy="830997"/>
           </a:xfrm>
           <a:prstGeom prst="rect">
@@ -14950,7 +12726,7 @@
         </p:nvGrpSpPr>
         <p:grpSpPr>
           <a:xfrm>
-            <a:off x="2638615" y="3812537"/>
+            <a:off x="2531604" y="2833718"/>
             <a:ext cx="9211099" cy="351966"/>
             <a:chOff x="2665127" y="3812537"/>
             <a:chExt cx="9211099" cy="351966"/>
@@ -15373,7 +13149,7 @@
         </p:nvGrpSpPr>
         <p:grpSpPr>
           <a:xfrm>
-            <a:off x="2638615" y="4709456"/>
+            <a:off x="2531604" y="3730637"/>
             <a:ext cx="8787733" cy="391630"/>
             <a:chOff x="2665127" y="4709456"/>
             <a:chExt cx="8787733" cy="391630"/>
@@ -15902,7 +13678,7 @@
         </p:nvGrpSpPr>
         <p:grpSpPr>
           <a:xfrm>
-            <a:off x="2638615" y="2787639"/>
+            <a:off x="2531604" y="1808820"/>
             <a:ext cx="8953691" cy="476360"/>
             <a:chOff x="2665127" y="2787639"/>
             <a:chExt cx="8953691" cy="476360"/>
@@ -16089,45 +13865,7 @@
                   <a:latin typeface="+mj-ea"/>
                   <a:ea typeface="+mj-ea"/>
                 </a:rPr>
-                <a:t>구현 </a:t>
-              </a:r>
-              <a:r>
-                <a:rPr lang="ko-KR" altLang="en-US" sz="1400" b="1" dirty="0" smtClean="0">
-                  <a:ln>
-                    <a:solidFill>
-                      <a:schemeClr val="bg1">
-                        <a:alpha val="0"/>
-                      </a:schemeClr>
-                    </a:solidFill>
-                  </a:ln>
-                  <a:solidFill>
-                    <a:schemeClr val="bg2">
-                      <a:lumMod val="25000"/>
-                    </a:schemeClr>
-                  </a:solidFill>
-                  <a:latin typeface="+mj-ea"/>
-                  <a:ea typeface="+mj-ea"/>
-                </a:rPr>
-                <a:t>결과</a:t>
-              </a:r>
-              <a:r>
-                <a:rPr lang="ko-KR" altLang="en-US" sz="1400" dirty="0" smtClean="0">
-                  <a:ln>
-                    <a:solidFill>
-                      <a:schemeClr val="bg1">
-                        <a:alpha val="0"/>
-                      </a:schemeClr>
-                    </a:solidFill>
-                  </a:ln>
-                  <a:solidFill>
-                    <a:schemeClr val="bg2">
-                      <a:lumMod val="25000"/>
-                    </a:schemeClr>
-                  </a:solidFill>
-                  <a:latin typeface="+mj-ea"/>
-                  <a:ea typeface="+mj-ea"/>
-                </a:rPr>
-                <a:t> </a:t>
+                <a:t>구현 결과</a:t>
               </a:r>
               <a:r>
                 <a:rPr lang="ko-KR" altLang="en-US" sz="1400" dirty="0">
@@ -16146,7 +13884,7 @@
                   <a:latin typeface="+mj-ea"/>
                   <a:ea typeface="+mj-ea"/>
                 </a:rPr>
-                <a:t>등을 </a:t>
+                <a:t> 등을 </a:t>
               </a:r>
               <a:r>
                 <a:rPr lang="ko-KR" altLang="en-US" sz="1400" b="1" dirty="0">
@@ -16442,7 +14180,7 @@
               <a:p>
                 <a:pPr algn="ctr" latinLnBrk="0"/>
                 <a:r>
-                  <a:rPr lang="en-US" altLang="ko-KR" sz="1600" dirty="0" smtClean="0">
+                  <a:rPr lang="en-US" altLang="ko-KR" sz="1600" dirty="0">
                     <a:ln>
                       <a:solidFill>
                         <a:schemeClr val="accent1">
@@ -16493,7 +14231,7 @@
         </p:nvGrpSpPr>
         <p:grpSpPr>
           <a:xfrm>
-            <a:off x="2638615" y="5601324"/>
+            <a:off x="2531604" y="4622505"/>
             <a:ext cx="8953691" cy="550799"/>
             <a:chOff x="2665127" y="5601324"/>
             <a:chExt cx="8953691" cy="550799"/>
@@ -17273,16 +15011,7 @@
                 </a:solidFill>
                 <a:latin typeface="+mn-ea"/>
               </a:rPr>
-              <a:t>결과 </a:t>
-            </a:r>
-            <a:r>
-              <a:rPr lang="ko-KR" altLang="en-US" sz="1400" b="1" spc="-100" dirty="0" smtClean="0">
-                <a:solidFill>
-                  <a:schemeClr val="accent1"/>
-                </a:solidFill>
-                <a:latin typeface="+mn-ea"/>
-              </a:rPr>
-              <a:t>제시</a:t>
+              <a:t>결과 제시</a:t>
             </a:r>
             <a:endParaRPr lang="ko-KR" altLang="en-US" sz="1400" b="1" dirty="0">
               <a:ln>
@@ -17387,273 +15116,6 @@
           </a:p>
         </p:txBody>
       </p:sp>
-      <p:sp>
-        <p:nvSpPr>
-          <p:cNvPr id="24" name="TextBox 23">
-            <a:extLst>
-              <a:ext uri="{FF2B5EF4-FFF2-40B4-BE49-F238E27FC236}">
-                <a16:creationId xmlns:a16="http://schemas.microsoft.com/office/drawing/2014/main" id="{67F04AE5-D365-4B0E-9031-83310E282831}"/>
-              </a:ext>
-            </a:extLst>
-          </p:cNvPr>
-          <p:cNvSpPr txBox="1"/>
-          <p:nvPr/>
-        </p:nvSpPr>
-        <p:spPr>
-          <a:xfrm>
-            <a:off x="743615" y="1430219"/>
-            <a:ext cx="10324435" cy="369332"/>
-          </a:xfrm>
-          <a:prstGeom prst="rect">
-            <a:avLst/>
-          </a:prstGeom>
-          <a:noFill/>
-        </p:spPr>
-        <p:txBody>
-          <a:bodyPr wrap="square">
-            <a:spAutoFit/>
-          </a:bodyPr>
-          <a:lstStyle/>
-          <a:p>
-            <a:pPr marR="0" indent="0" fontAlgn="base">
-              <a:spcBef>
-                <a:spcPts val="0"/>
-              </a:spcBef>
-              <a:spcAft>
-                <a:spcPts val="0"/>
-              </a:spcAft>
-              <a:defRPr/>
-            </a:pPr>
-            <a:r>
-              <a:rPr lang="ko-KR" altLang="en-US" b="1" dirty="0" smtClean="0">
-                <a:ln>
-                  <a:solidFill>
-                    <a:schemeClr val="accent1">
-                      <a:shade val="15000"/>
-                      <a:alpha val="0"/>
-                    </a:schemeClr>
-                  </a:solidFill>
-                </a:ln>
-                <a:solidFill>
-                  <a:schemeClr val="tx1">
-                    <a:lumMod val="75000"/>
-                    <a:lumOff val="25000"/>
-                  </a:schemeClr>
-                </a:solidFill>
-                <a:latin typeface="+mj-ea"/>
-                <a:ea typeface="+mj-ea"/>
-              </a:rPr>
-              <a:t>세부 </a:t>
-            </a:r>
-            <a:r>
-              <a:rPr lang="ko-KR" altLang="en-US" b="1" dirty="0">
-                <a:ln>
-                  <a:solidFill>
-                    <a:schemeClr val="accent1">
-                      <a:shade val="15000"/>
-                      <a:alpha val="0"/>
-                    </a:schemeClr>
-                  </a:solidFill>
-                </a:ln>
-                <a:solidFill>
-                  <a:schemeClr val="tx1">
-                    <a:lumMod val="75000"/>
-                    <a:lumOff val="25000"/>
-                  </a:schemeClr>
-                </a:solidFill>
-                <a:latin typeface="+mj-ea"/>
-                <a:ea typeface="+mj-ea"/>
-              </a:rPr>
-              <a:t>기능 소개</a:t>
-            </a:r>
-            <a:r>
-              <a:rPr lang="en-US" altLang="ko-KR" b="1" dirty="0">
-                <a:ln>
-                  <a:solidFill>
-                    <a:schemeClr val="accent1">
-                      <a:shade val="15000"/>
-                      <a:alpha val="0"/>
-                    </a:schemeClr>
-                  </a:solidFill>
-                </a:ln>
-                <a:solidFill>
-                  <a:schemeClr val="tx1">
-                    <a:lumMod val="75000"/>
-                    <a:lumOff val="25000"/>
-                  </a:schemeClr>
-                </a:solidFill>
-                <a:latin typeface="+mj-ea"/>
-                <a:ea typeface="+mj-ea"/>
-              </a:rPr>
-              <a:t>, </a:t>
-            </a:r>
-            <a:r>
-              <a:rPr lang="ko-KR" altLang="en-US" b="1" dirty="0">
-                <a:ln>
-                  <a:solidFill>
-                    <a:schemeClr val="accent1">
-                      <a:shade val="15000"/>
-                      <a:alpha val="0"/>
-                    </a:schemeClr>
-                  </a:solidFill>
-                </a:ln>
-                <a:solidFill>
-                  <a:schemeClr val="tx1">
-                    <a:lumMod val="75000"/>
-                    <a:lumOff val="25000"/>
-                  </a:schemeClr>
-                </a:solidFill>
-                <a:latin typeface="+mj-ea"/>
-                <a:ea typeface="+mj-ea"/>
-              </a:rPr>
-              <a:t>화면 구동 및 기능 동작 여부 시연영상으로 제작한다</a:t>
-            </a:r>
-            <a:r>
-              <a:rPr lang="en-US" altLang="ko-KR" b="1" dirty="0">
-                <a:ln>
-                  <a:solidFill>
-                    <a:schemeClr val="accent1">
-                      <a:shade val="15000"/>
-                      <a:alpha val="0"/>
-                    </a:schemeClr>
-                  </a:solidFill>
-                </a:ln>
-                <a:solidFill>
-                  <a:schemeClr val="tx1">
-                    <a:lumMod val="75000"/>
-                    <a:lumOff val="25000"/>
-                  </a:schemeClr>
-                </a:solidFill>
-                <a:latin typeface="+mj-ea"/>
-                <a:ea typeface="+mj-ea"/>
-              </a:rPr>
-              <a:t>.</a:t>
-            </a:r>
-            <a:endParaRPr lang="ko-KR" altLang="en-US" b="1" dirty="0">
-              <a:ln>
-                <a:solidFill>
-                  <a:schemeClr val="accent1">
-                    <a:shade val="15000"/>
-                    <a:alpha val="0"/>
-                  </a:schemeClr>
-                </a:solidFill>
-              </a:ln>
-              <a:solidFill>
-                <a:schemeClr val="tx1">
-                  <a:lumMod val="75000"/>
-                  <a:lumOff val="25000"/>
-                </a:schemeClr>
-              </a:solidFill>
-              <a:latin typeface="+mj-ea"/>
-              <a:ea typeface="+mj-ea"/>
-            </a:endParaRPr>
-          </a:p>
-        </p:txBody>
-      </p:sp>
-      <p:sp>
-        <p:nvSpPr>
-          <p:cNvPr id="16" name="TextBox 15">
-            <a:extLst>
-              <a:ext uri="{FF2B5EF4-FFF2-40B4-BE49-F238E27FC236}">
-                <a16:creationId xmlns:a16="http://schemas.microsoft.com/office/drawing/2014/main" id="{8BD100E5-682D-13CE-B307-81D8B8E71B57}"/>
-              </a:ext>
-            </a:extLst>
-          </p:cNvPr>
-          <p:cNvSpPr txBox="1"/>
-          <p:nvPr/>
-        </p:nvSpPr>
-        <p:spPr>
-          <a:xfrm>
-            <a:off x="8312385" y="854343"/>
-            <a:ext cx="3447771" cy="523220"/>
-          </a:xfrm>
-          <a:prstGeom prst="rect">
-            <a:avLst/>
-          </a:prstGeom>
-          <a:noFill/>
-        </p:spPr>
-        <p:txBody>
-          <a:bodyPr wrap="square">
-            <a:spAutoFit/>
-          </a:bodyPr>
-          <a:lstStyle/>
-          <a:p>
-            <a:pPr algn="r"/>
-            <a:r>
-              <a:rPr lang="en-US" altLang="ko-KR" sz="1400" b="1" dirty="0">
-                <a:ln>
-                  <a:solidFill>
-                    <a:schemeClr val="accent1">
-                      <a:shade val="15000"/>
-                      <a:alpha val="0"/>
-                    </a:schemeClr>
-                  </a:solidFill>
-                </a:ln>
-                <a:solidFill>
-                  <a:schemeClr val="accent1"/>
-                </a:solidFill>
-                <a:latin typeface="맑은 고딕" panose="020B0503020000020004" pitchFamily="50" charset="-127"/>
-                <a:ea typeface="맑은 고딕" panose="020B0503020000020004" pitchFamily="50" charset="-127"/>
-              </a:rPr>
-              <a:t>* </a:t>
-            </a:r>
-            <a:r>
-              <a:rPr lang="ko-KR" altLang="en-US" sz="1400" b="1" spc="-100" dirty="0">
-                <a:solidFill>
-                  <a:schemeClr val="accent1"/>
-                </a:solidFill>
-                <a:latin typeface="+mn-ea"/>
-              </a:rPr>
-              <a:t>결과 제시 </a:t>
-            </a:r>
-            <a:r>
-              <a:rPr lang="en-US" altLang="ko-KR" sz="1400" b="1" spc="-100" dirty="0" smtClean="0">
-                <a:solidFill>
-                  <a:schemeClr val="accent1"/>
-                </a:solidFill>
-                <a:latin typeface="+mn-ea"/>
-              </a:rPr>
-              <a:t>: </a:t>
-            </a:r>
-            <a:r>
-              <a:rPr lang="ko-KR" altLang="en-US" sz="1400" b="1" spc="-100" dirty="0" smtClean="0">
-                <a:solidFill>
-                  <a:schemeClr val="accent1"/>
-                </a:solidFill>
-                <a:latin typeface="+mn-ea"/>
-              </a:rPr>
-              <a:t>시연 </a:t>
-            </a:r>
-            <a:r>
-              <a:rPr lang="ko-KR" altLang="en-US" sz="1400" b="1" spc="-100" dirty="0">
-                <a:solidFill>
-                  <a:schemeClr val="accent1"/>
-                </a:solidFill>
-                <a:latin typeface="+mn-ea"/>
-              </a:rPr>
-              <a:t>동영상</a:t>
-            </a:r>
-          </a:p>
-          <a:p>
-            <a:pPr algn="r"/>
-            <a:endParaRPr lang="ko-KR" altLang="en-US" sz="1400" b="1" dirty="0">
-              <a:ln>
-                <a:solidFill>
-                  <a:schemeClr val="accent1">
-                    <a:shade val="15000"/>
-                    <a:alpha val="0"/>
-                  </a:schemeClr>
-                </a:solidFill>
-              </a:ln>
-              <a:solidFill>
-                <a:schemeClr val="accent1"/>
-              </a:solidFill>
-              <a:latin typeface="맑은 고딕" panose="020B0503020000020004" pitchFamily="50" charset="-127"/>
-              <a:ea typeface="맑은 고딕" panose="020B0503020000020004" pitchFamily="50" charset="-127"/>
-            </a:endParaRPr>
-          </a:p>
-        </p:txBody>
-      </p:sp>
       <p:grpSp>
         <p:nvGrpSpPr>
           <p:cNvPr id="7" name="그룹 6">
@@ -17668,7 +15130,7 @@
         </p:nvGrpSpPr>
         <p:grpSpPr>
           <a:xfrm>
-            <a:off x="515938" y="2074230"/>
+            <a:off x="504669" y="1666397"/>
             <a:ext cx="11244217" cy="4263070"/>
             <a:chOff x="541890" y="2074230"/>
             <a:chExt cx="11218265" cy="4263070"/>
@@ -21802,253 +19264,6 @@
           </p:sp>
         </p:grpSp>
       </p:grpSp>
-      <p:sp>
-        <p:nvSpPr>
-          <p:cNvPr id="55" name="TextBox 54">
-            <a:extLst>
-              <a:ext uri="{FF2B5EF4-FFF2-40B4-BE49-F238E27FC236}">
-                <a16:creationId xmlns:a16="http://schemas.microsoft.com/office/drawing/2014/main" id="{C1235350-DA32-4D3D-AF98-B200A140AAA8}"/>
-              </a:ext>
-            </a:extLst>
-          </p:cNvPr>
-          <p:cNvSpPr txBox="1"/>
-          <p:nvPr/>
-        </p:nvSpPr>
-        <p:spPr>
-          <a:xfrm>
-            <a:off x="551447" y="6370868"/>
-            <a:ext cx="8964933" cy="307777"/>
-          </a:xfrm>
-          <a:prstGeom prst="rect">
-            <a:avLst/>
-          </a:prstGeom>
-          <a:noFill/>
-        </p:spPr>
-        <p:txBody>
-          <a:bodyPr wrap="square">
-            <a:spAutoFit/>
-          </a:bodyPr>
-          <a:lstStyle/>
-          <a:p>
-            <a:r>
-              <a:rPr lang="en-US" altLang="ko-KR" sz="1400" b="1" dirty="0">
-                <a:ln>
-                  <a:solidFill>
-                    <a:schemeClr val="accent1">
-                      <a:shade val="15000"/>
-                      <a:alpha val="0"/>
-                    </a:schemeClr>
-                  </a:solidFill>
-                </a:ln>
-                <a:solidFill>
-                  <a:srgbClr val="3378C8"/>
-                </a:solidFill>
-                <a:latin typeface="맑은 고딕" panose="020B0503020000020004" pitchFamily="50" charset="-127"/>
-                <a:ea typeface="맑은 고딕" panose="020B0503020000020004" pitchFamily="50" charset="-127"/>
-              </a:rPr>
-              <a:t>* </a:t>
-            </a:r>
-            <a:r>
-              <a:rPr lang="ko-KR" altLang="en-US" sz="1400" b="1" dirty="0">
-                <a:ln>
-                  <a:solidFill>
-                    <a:schemeClr val="accent1">
-                      <a:shade val="15000"/>
-                      <a:alpha val="0"/>
-                    </a:schemeClr>
-                  </a:solidFill>
-                </a:ln>
-                <a:solidFill>
-                  <a:srgbClr val="3378C8"/>
-                </a:solidFill>
-                <a:latin typeface="맑은 고딕" panose="020B0503020000020004" pitchFamily="50" charset="-127"/>
-                <a:ea typeface="맑은 고딕" panose="020B0503020000020004" pitchFamily="50" charset="-127"/>
-              </a:rPr>
-              <a:t>용량제한</a:t>
-            </a:r>
-            <a:r>
-              <a:rPr lang="en-US" altLang="ko-KR" sz="1400" b="1" dirty="0">
-                <a:ln>
-                  <a:solidFill>
-                    <a:schemeClr val="accent1">
-                      <a:shade val="15000"/>
-                      <a:alpha val="0"/>
-                    </a:schemeClr>
-                  </a:solidFill>
-                </a:ln>
-                <a:solidFill>
-                  <a:srgbClr val="3378C8"/>
-                </a:solidFill>
-                <a:latin typeface="맑은 고딕" panose="020B0503020000020004" pitchFamily="50" charset="-127"/>
-                <a:ea typeface="맑은 고딕" panose="020B0503020000020004" pitchFamily="50" charset="-127"/>
-              </a:rPr>
-              <a:t>: </a:t>
-            </a:r>
-            <a:r>
-              <a:rPr lang="ko-KR" altLang="en-US" sz="1400" b="1" dirty="0">
-                <a:ln>
-                  <a:solidFill>
-                    <a:schemeClr val="accent1">
-                      <a:shade val="15000"/>
-                      <a:alpha val="0"/>
-                    </a:schemeClr>
-                  </a:solidFill>
-                </a:ln>
-                <a:solidFill>
-                  <a:srgbClr val="3378C8"/>
-                </a:solidFill>
-                <a:latin typeface="맑은 고딕" panose="020B0503020000020004" pitchFamily="50" charset="-127"/>
-                <a:ea typeface="맑은 고딕" panose="020B0503020000020004" pitchFamily="50" charset="-127"/>
-              </a:rPr>
-              <a:t>팀별 </a:t>
-            </a:r>
-            <a:r>
-              <a:rPr lang="en-US" altLang="ko-KR" sz="1400" b="1" dirty="0">
-                <a:ln>
-                  <a:solidFill>
-                    <a:schemeClr val="accent1">
-                      <a:shade val="15000"/>
-                      <a:alpha val="0"/>
-                    </a:schemeClr>
-                  </a:solidFill>
-                </a:ln>
-                <a:solidFill>
-                  <a:srgbClr val="3378C8"/>
-                </a:solidFill>
-                <a:latin typeface="맑은 고딕" panose="020B0503020000020004" pitchFamily="50" charset="-127"/>
-                <a:ea typeface="맑은 고딕" panose="020B0503020000020004" pitchFamily="50" charset="-127"/>
-              </a:rPr>
-              <a:t>5-10</a:t>
-            </a:r>
-            <a:r>
-              <a:rPr lang="ko-KR" altLang="en-US" sz="1400" b="1" dirty="0">
-                <a:ln>
-                  <a:solidFill>
-                    <a:schemeClr val="accent1">
-                      <a:shade val="15000"/>
-                      <a:alpha val="0"/>
-                    </a:schemeClr>
-                  </a:solidFill>
-                </a:ln>
-                <a:solidFill>
-                  <a:srgbClr val="3378C8"/>
-                </a:solidFill>
-                <a:latin typeface="맑은 고딕" panose="020B0503020000020004" pitchFamily="50" charset="-127"/>
-                <a:ea typeface="맑은 고딕" panose="020B0503020000020004" pitchFamily="50" charset="-127"/>
-              </a:rPr>
-              <a:t>분 내</a:t>
-            </a:r>
-            <a:r>
-              <a:rPr lang="en-US" altLang="ko-KR" sz="1400" b="1" dirty="0">
-                <a:ln>
-                  <a:solidFill>
-                    <a:schemeClr val="accent1">
-                      <a:shade val="15000"/>
-                      <a:alpha val="0"/>
-                    </a:schemeClr>
-                  </a:solidFill>
-                </a:ln>
-                <a:solidFill>
-                  <a:srgbClr val="3378C8"/>
-                </a:solidFill>
-                <a:latin typeface="맑은 고딕" panose="020B0503020000020004" pitchFamily="50" charset="-127"/>
-                <a:ea typeface="맑은 고딕" panose="020B0503020000020004" pitchFamily="50" charset="-127"/>
-              </a:rPr>
-              <a:t>(100MB </a:t>
-            </a:r>
-            <a:r>
-              <a:rPr lang="ko-KR" altLang="en-US" sz="1400" b="1" dirty="0">
-                <a:ln>
-                  <a:solidFill>
-                    <a:schemeClr val="accent1">
-                      <a:shade val="15000"/>
-                      <a:alpha val="0"/>
-                    </a:schemeClr>
-                  </a:solidFill>
-                </a:ln>
-                <a:solidFill>
-                  <a:srgbClr val="3378C8"/>
-                </a:solidFill>
-                <a:latin typeface="맑은 고딕" panose="020B0503020000020004" pitchFamily="50" charset="-127"/>
-                <a:ea typeface="맑은 고딕" panose="020B0503020000020004" pitchFamily="50" charset="-127"/>
-              </a:rPr>
-              <a:t>이하</a:t>
-            </a:r>
-            <a:r>
-              <a:rPr lang="en-US" altLang="ko-KR" sz="1400" b="1" dirty="0">
-                <a:ln>
-                  <a:solidFill>
-                    <a:schemeClr val="accent1">
-                      <a:shade val="15000"/>
-                      <a:alpha val="0"/>
-                    </a:schemeClr>
-                  </a:solidFill>
-                </a:ln>
-                <a:solidFill>
-                  <a:srgbClr val="3378C8"/>
-                </a:solidFill>
-                <a:latin typeface="맑은 고딕" panose="020B0503020000020004" pitchFamily="50" charset="-127"/>
-                <a:ea typeface="맑은 고딕" panose="020B0503020000020004" pitchFamily="50" charset="-127"/>
-              </a:rPr>
-              <a:t>), </a:t>
-            </a:r>
-            <a:r>
-              <a:rPr lang="ko-KR" altLang="en-US" sz="1400" b="1" dirty="0">
-                <a:ln>
-                  <a:solidFill>
-                    <a:schemeClr val="accent1">
-                      <a:shade val="15000"/>
-                      <a:alpha val="0"/>
-                    </a:schemeClr>
-                  </a:solidFill>
-                </a:ln>
-                <a:solidFill>
-                  <a:srgbClr val="3378C8"/>
-                </a:solidFill>
-                <a:latin typeface="맑은 고딕" panose="020B0503020000020004" pitchFamily="50" charset="-127"/>
-                <a:ea typeface="맑은 고딕" panose="020B0503020000020004" pitchFamily="50" charset="-127"/>
-              </a:rPr>
-              <a:t>기능별 소개 음성 포함</a:t>
-            </a:r>
-            <a:r>
-              <a:rPr lang="en-US" altLang="ko-KR" sz="1400" b="1" dirty="0">
-                <a:ln>
-                  <a:solidFill>
-                    <a:schemeClr val="accent1">
-                      <a:shade val="15000"/>
-                      <a:alpha val="0"/>
-                    </a:schemeClr>
-                  </a:solidFill>
-                </a:ln>
-                <a:solidFill>
-                  <a:srgbClr val="3378C8"/>
-                </a:solidFill>
-                <a:latin typeface="맑은 고딕" panose="020B0503020000020004" pitchFamily="50" charset="-127"/>
-                <a:ea typeface="맑은 고딕" panose="020B0503020000020004" pitchFamily="50" charset="-127"/>
-              </a:rPr>
-              <a:t>, </a:t>
-            </a:r>
-            <a:r>
-              <a:rPr lang="ko-KR" altLang="en-US" sz="1400" b="1" dirty="0">
-                <a:ln>
-                  <a:solidFill>
-                    <a:schemeClr val="accent1">
-                      <a:shade val="15000"/>
-                      <a:alpha val="0"/>
-                    </a:schemeClr>
-                  </a:solidFill>
-                </a:ln>
-                <a:solidFill>
-                  <a:srgbClr val="3378C8"/>
-                </a:solidFill>
-                <a:latin typeface="맑은 고딕" panose="020B0503020000020004" pitchFamily="50" charset="-127"/>
-                <a:ea typeface="맑은 고딕" panose="020B0503020000020004" pitchFamily="50" charset="-127"/>
-              </a:rPr>
-              <a:t>별도 파일형태로 제출 가능</a:t>
-            </a:r>
-          </a:p>
-        </p:txBody>
-      </p:sp>
     </p:spTree>
     <p:extLst>
       <p:ext uri="{BB962C8B-B14F-4D97-AF65-F5344CB8AC3E}">
@@ -22136,1330 +19351,314 @@
       </p:sp>
       <p:sp>
         <p:nvSpPr>
-          <p:cNvPr id="24" name="TextBox 23">
+          <p:cNvPr id="12" name="사각형: 둥근 모서리 11">
             <a:extLst>
               <a:ext uri="{FF2B5EF4-FFF2-40B4-BE49-F238E27FC236}">
-                <a16:creationId xmlns:a16="http://schemas.microsoft.com/office/drawing/2014/main" id="{67F04AE5-D365-4B0E-9031-83310E282831}"/>
+                <a16:creationId xmlns:a16="http://schemas.microsoft.com/office/drawing/2014/main" id="{3439B1C8-3528-F911-5457-BF5ED692D7CF}"/>
               </a:ext>
             </a:extLst>
           </p:cNvPr>
-          <p:cNvSpPr txBox="1"/>
+          <p:cNvSpPr/>
           <p:nvPr/>
         </p:nvSpPr>
         <p:spPr>
           <a:xfrm>
-            <a:off x="743615" y="1430219"/>
-            <a:ext cx="10906494" cy="646331"/>
+            <a:off x="470276" y="2049734"/>
+            <a:ext cx="5363941" cy="1748490"/>
           </a:xfrm>
-          <a:prstGeom prst="rect">
-            <a:avLst/>
+          <a:prstGeom prst="roundRect">
+            <a:avLst>
+              <a:gd name="adj" fmla="val 6897"/>
+            </a:avLst>
           </a:prstGeom>
-          <a:noFill/>
+          <a:ln/>
         </p:spPr>
+        <p:style>
+          <a:lnRef idx="2">
+            <a:schemeClr val="dk1"/>
+          </a:lnRef>
+          <a:fillRef idx="1">
+            <a:schemeClr val="lt1"/>
+          </a:fillRef>
+          <a:effectRef idx="0">
+            <a:schemeClr val="dk1"/>
+          </a:effectRef>
+          <a:fontRef idx="minor">
+            <a:schemeClr val="dk1"/>
+          </a:fontRef>
+        </p:style>
         <p:txBody>
-          <a:bodyPr wrap="square">
-            <a:spAutoFit/>
-          </a:bodyPr>
+          <a:bodyPr rtlCol="0" anchor="ctr"/>
           <a:lstStyle/>
           <a:p>
-            <a:pPr>
-              <a:defRPr/>
-            </a:pPr>
+            <a:pPr algn="ctr"/>
             <a:r>
-              <a:rPr lang="ko-KR" altLang="en-US" dirty="0">
-                <a:ln>
-                  <a:solidFill>
-                    <a:schemeClr val="accent1">
-                      <a:shade val="15000"/>
-                      <a:alpha val="0"/>
-                    </a:schemeClr>
-                  </a:solidFill>
-                </a:ln>
-                <a:solidFill>
-                  <a:schemeClr val="tx1">
-                    <a:lumMod val="75000"/>
-                    <a:lumOff val="25000"/>
-                  </a:schemeClr>
-                </a:solidFill>
-                <a:latin typeface="+mj-ea"/>
-                <a:ea typeface="+mj-ea"/>
-              </a:rPr>
-              <a:t>프로젝트 결과물에 대한 프로젝트 </a:t>
+              <a:rPr lang="en-US" altLang="ko-KR" sz="1400" dirty="0"/>
+              <a:t>6.0/10</a:t>
+            </a:r>
+          </a:p>
+          <a:p>
+            <a:pPr algn="ctr"/>
+            <a:endParaRPr lang="en-US" altLang="ko-KR" sz="1400" dirty="0"/>
+          </a:p>
+          <a:p>
+            <a:pPr algn="ctr"/>
+            <a:r>
+              <a:rPr lang="ko-KR" altLang="en-US" sz="1400" dirty="0"/>
+              <a:t>사전에 기획한 기능구현은 완료했으나</a:t>
+            </a:r>
+            <a:endParaRPr lang="en-US" altLang="ko-KR" sz="1400" dirty="0"/>
+          </a:p>
+          <a:p>
+            <a:pPr algn="ctr"/>
+            <a:r>
+              <a:rPr lang="ko-KR" altLang="en-US" sz="1400" dirty="0"/>
+              <a:t>스타일 적용</a:t>
             </a:r>
             <a:r>
-              <a:rPr lang="ko-KR" altLang="en-US" b="1" dirty="0">
-                <a:ln>
-                  <a:solidFill>
-                    <a:schemeClr val="accent1">
-                      <a:shade val="15000"/>
-                      <a:alpha val="0"/>
-                    </a:schemeClr>
-                  </a:solidFill>
-                </a:ln>
-                <a:solidFill>
-                  <a:schemeClr val="tx1">
-                    <a:lumMod val="75000"/>
-                    <a:lumOff val="25000"/>
-                  </a:schemeClr>
-                </a:solidFill>
-                <a:latin typeface="+mj-ea"/>
-                <a:ea typeface="+mj-ea"/>
-              </a:rPr>
-              <a:t>기획 의도와의 부합 정도 </a:t>
-            </a:r>
-            <a:r>
-              <a:rPr lang="ko-KR" altLang="en-US" dirty="0">
-                <a:ln>
-                  <a:solidFill>
-                    <a:schemeClr val="accent1">
-                      <a:shade val="15000"/>
-                      <a:alpha val="0"/>
-                    </a:schemeClr>
-                  </a:solidFill>
-                </a:ln>
-                <a:solidFill>
-                  <a:schemeClr val="tx1">
-                    <a:lumMod val="75000"/>
-                    <a:lumOff val="25000"/>
-                  </a:schemeClr>
-                </a:solidFill>
-                <a:latin typeface="+mj-ea"/>
-                <a:ea typeface="+mj-ea"/>
-              </a:rPr>
-              <a:t>및 </a:t>
-            </a:r>
-            <a:r>
-              <a:rPr lang="ko-KR" altLang="en-US" b="1" dirty="0">
-                <a:ln>
-                  <a:solidFill>
-                    <a:schemeClr val="accent1">
-                      <a:shade val="15000"/>
-                      <a:alpha val="0"/>
-                    </a:schemeClr>
-                  </a:solidFill>
-                </a:ln>
-                <a:solidFill>
-                  <a:schemeClr val="tx1">
-                    <a:lumMod val="75000"/>
-                    <a:lumOff val="25000"/>
-                  </a:schemeClr>
-                </a:solidFill>
-                <a:latin typeface="+mj-ea"/>
-                <a:ea typeface="+mj-ea"/>
-              </a:rPr>
-              <a:t>실무 활용 가능 정도</a:t>
-            </a:r>
-            <a:r>
-              <a:rPr lang="en-US" altLang="ko-KR" dirty="0">
-                <a:ln>
-                  <a:solidFill>
-                    <a:schemeClr val="accent1">
-                      <a:shade val="15000"/>
-                      <a:alpha val="0"/>
-                    </a:schemeClr>
-                  </a:solidFill>
-                </a:ln>
-                <a:solidFill>
-                  <a:schemeClr val="tx1">
-                    <a:lumMod val="75000"/>
-                    <a:lumOff val="25000"/>
-                  </a:schemeClr>
-                </a:solidFill>
-                <a:latin typeface="+mj-ea"/>
-                <a:ea typeface="+mj-ea"/>
-              </a:rPr>
+              <a:rPr lang="en-US" altLang="ko-KR" sz="1400" dirty="0"/>
               <a:t>, </a:t>
             </a:r>
             <a:r>
-              <a:rPr lang="ko-KR" altLang="en-US" b="1" dirty="0">
-                <a:ln>
-                  <a:solidFill>
-                    <a:schemeClr val="accent1">
-                      <a:shade val="15000"/>
-                      <a:alpha val="0"/>
-                    </a:schemeClr>
-                  </a:solidFill>
-                </a:ln>
-                <a:solidFill>
-                  <a:schemeClr val="tx1">
-                    <a:lumMod val="75000"/>
-                    <a:lumOff val="25000"/>
-                  </a:schemeClr>
-                </a:solidFill>
-                <a:latin typeface="+mj-ea"/>
-                <a:ea typeface="+mj-ea"/>
-              </a:rPr>
-              <a:t>달성도</a:t>
+              <a:rPr lang="ko-KR" altLang="en-US" sz="1400" dirty="0"/>
+              <a:t>테스트</a:t>
             </a:r>
             <a:r>
-              <a:rPr lang="en-US" altLang="ko-KR" dirty="0">
-                <a:ln>
-                  <a:solidFill>
-                    <a:schemeClr val="accent1">
-                      <a:shade val="15000"/>
-                      <a:alpha val="0"/>
-                    </a:schemeClr>
-                  </a:solidFill>
-                </a:ln>
-                <a:solidFill>
-                  <a:schemeClr val="tx1">
-                    <a:lumMod val="75000"/>
-                    <a:lumOff val="25000"/>
-                  </a:schemeClr>
-                </a:solidFill>
-                <a:latin typeface="+mj-ea"/>
-                <a:ea typeface="+mj-ea"/>
-              </a:rPr>
+              <a:rPr lang="en-US" altLang="ko-KR" sz="1400" dirty="0"/>
               <a:t>, </a:t>
             </a:r>
             <a:r>
-              <a:rPr lang="ko-KR" altLang="en-US" b="1" dirty="0">
-                <a:ln>
-                  <a:solidFill>
-                    <a:schemeClr val="accent1">
-                      <a:shade val="15000"/>
-                      <a:alpha val="0"/>
-                    </a:schemeClr>
-                  </a:solidFill>
-                </a:ln>
-                <a:solidFill>
-                  <a:schemeClr val="tx1">
-                    <a:lumMod val="75000"/>
-                    <a:lumOff val="25000"/>
-                  </a:schemeClr>
-                </a:solidFill>
-                <a:latin typeface="+mj-ea"/>
-                <a:ea typeface="+mj-ea"/>
-              </a:rPr>
-              <a:t>완성도</a:t>
+              <a:rPr lang="ko-KR" altLang="en-US" sz="1400" dirty="0"/>
+              <a:t>디버그</a:t>
             </a:r>
             <a:r>
-              <a:rPr lang="ko-KR" altLang="en-US" dirty="0">
-                <a:ln>
-                  <a:solidFill>
-                    <a:schemeClr val="accent1">
-                      <a:shade val="15000"/>
-                      <a:alpha val="0"/>
-                    </a:schemeClr>
-                  </a:solidFill>
-                </a:ln>
-                <a:solidFill>
-                  <a:schemeClr val="tx1">
-                    <a:lumMod val="75000"/>
-                    <a:lumOff val="25000"/>
-                  </a:schemeClr>
-                </a:solidFill>
-                <a:latin typeface="+mj-ea"/>
-                <a:ea typeface="+mj-ea"/>
-              </a:rPr>
-              <a:t> 등</a:t>
+              <a:rPr lang="en-US" altLang="ko-KR" sz="1400" dirty="0"/>
+              <a:t>, </a:t>
             </a:r>
             <a:r>
-              <a:rPr lang="en-US" altLang="ko-KR" dirty="0">
-                <a:ln>
-                  <a:solidFill>
-                    <a:schemeClr val="accent1">
-                      <a:shade val="15000"/>
-                      <a:alpha val="0"/>
-                    </a:schemeClr>
-                  </a:solidFill>
-                </a:ln>
-                <a:solidFill>
-                  <a:schemeClr val="tx1">
-                    <a:lumMod val="75000"/>
-                    <a:lumOff val="25000"/>
-                  </a:schemeClr>
-                </a:solidFill>
-                <a:latin typeface="+mj-ea"/>
-                <a:ea typeface="+mj-ea"/>
-              </a:rPr>
-              <a:t/>
-            </a:r>
-            <a:br>
-              <a:rPr lang="en-US" altLang="ko-KR" dirty="0">
-                <a:ln>
-                  <a:solidFill>
-                    <a:schemeClr val="accent1">
-                      <a:shade val="15000"/>
-                      <a:alpha val="0"/>
-                    </a:schemeClr>
-                  </a:solidFill>
-                </a:ln>
-                <a:solidFill>
-                  <a:schemeClr val="tx1">
-                    <a:lumMod val="75000"/>
-                    <a:lumOff val="25000"/>
-                  </a:schemeClr>
-                </a:solidFill>
-                <a:latin typeface="+mj-ea"/>
-                <a:ea typeface="+mj-ea"/>
-              </a:rPr>
-            </a:br>
-            <a:r>
-              <a:rPr lang="ko-KR" altLang="en-US" b="1" dirty="0">
-                <a:ln>
-                  <a:solidFill>
-                    <a:schemeClr val="accent1">
-                      <a:shade val="15000"/>
-                      <a:alpha val="0"/>
-                    </a:schemeClr>
-                  </a:solidFill>
-                </a:ln>
-                <a:solidFill>
-                  <a:srgbClr val="3378C8"/>
-                </a:solidFill>
-                <a:latin typeface="+mj-ea"/>
-                <a:ea typeface="+mj-ea"/>
-              </a:rPr>
-              <a:t>훈련생의 자체적인 평가 의견과 느낀</a:t>
+              <a:rPr lang="ko-KR" altLang="en-US" sz="1400" dirty="0"/>
+              <a:t>예외 처리</a:t>
             </a:r>
             <a:r>
-              <a:rPr lang="ko-KR" altLang="en-US" dirty="0">
-                <a:ln>
-                  <a:solidFill>
-                    <a:schemeClr val="accent1">
-                      <a:shade val="15000"/>
-                      <a:alpha val="0"/>
-                    </a:schemeClr>
-                  </a:solidFill>
-                </a:ln>
-                <a:solidFill>
-                  <a:srgbClr val="3378C8"/>
-                </a:solidFill>
-                <a:latin typeface="+mj-ea"/>
-                <a:ea typeface="+mj-ea"/>
-              </a:rPr>
-              <a:t> </a:t>
+              <a:rPr lang="en-US" altLang="ko-KR" sz="1400" dirty="0"/>
+              <a:t>, </a:t>
             </a:r>
             <a:r>
-              <a:rPr lang="ko-KR" altLang="en-US" b="1" dirty="0">
-                <a:ln>
-                  <a:solidFill>
-                    <a:schemeClr val="accent1">
-                      <a:shade val="15000"/>
-                      <a:alpha val="0"/>
-                    </a:schemeClr>
-                  </a:solidFill>
-                </a:ln>
-                <a:solidFill>
-                  <a:srgbClr val="3378C8"/>
-                </a:solidFill>
-                <a:latin typeface="+mj-ea"/>
-                <a:ea typeface="+mj-ea"/>
-              </a:rPr>
-              <a:t>점</a:t>
-            </a:r>
-            <a:r>
-              <a:rPr lang="ko-KR" altLang="en-US" dirty="0">
-                <a:ln>
-                  <a:solidFill>
-                    <a:schemeClr val="accent1">
-                      <a:shade val="15000"/>
-                      <a:alpha val="0"/>
-                    </a:schemeClr>
-                  </a:solidFill>
-                </a:ln>
-                <a:solidFill>
-                  <a:schemeClr val="tx1">
-                    <a:lumMod val="75000"/>
-                    <a:lumOff val="25000"/>
-                  </a:schemeClr>
-                </a:solidFill>
-                <a:latin typeface="+mj-ea"/>
-                <a:ea typeface="+mj-ea"/>
-              </a:rPr>
-              <a:t>을 작성한다</a:t>
-            </a:r>
-            <a:r>
-              <a:rPr lang="en-US" altLang="ko-KR" dirty="0">
-                <a:ln>
-                  <a:solidFill>
-                    <a:schemeClr val="accent1">
-                      <a:shade val="15000"/>
-                      <a:alpha val="0"/>
-                    </a:schemeClr>
-                  </a:solidFill>
-                </a:ln>
-                <a:solidFill>
-                  <a:schemeClr val="tx1">
-                    <a:lumMod val="75000"/>
-                    <a:lumOff val="25000"/>
-                  </a:schemeClr>
-                </a:solidFill>
-                <a:latin typeface="+mj-ea"/>
-                <a:ea typeface="+mj-ea"/>
-              </a:rPr>
-              <a:t>.</a:t>
+              <a:rPr lang="ko-KR" altLang="en-US" sz="1400" dirty="0"/>
+              <a:t>유효성 검사가 미흡했다</a:t>
             </a:r>
           </a:p>
         </p:txBody>
       </p:sp>
-      <p:grpSp>
-        <p:nvGrpSpPr>
-          <p:cNvPr id="8" name="그룹 7">
+      <p:sp>
+        <p:nvSpPr>
+          <p:cNvPr id="15" name="사각형: 둥근 모서리 14">
             <a:extLst>
               <a:ext uri="{FF2B5EF4-FFF2-40B4-BE49-F238E27FC236}">
-                <a16:creationId xmlns:a16="http://schemas.microsoft.com/office/drawing/2014/main" id="{5522619C-4947-3D41-24F0-88276CA5AB0C}"/>
+                <a16:creationId xmlns:a16="http://schemas.microsoft.com/office/drawing/2014/main" id="{FBDEF34A-4B05-D616-FE0F-53CE76D5D25D}"/>
               </a:ext>
             </a:extLst>
           </p:cNvPr>
-          <p:cNvGrpSpPr/>
+          <p:cNvSpPr/>
           <p:nvPr/>
-        </p:nvGrpSpPr>
-        <p:grpSpPr>
+        </p:nvSpPr>
+        <p:spPr>
           <a:xfrm>
-            <a:off x="541891" y="2408110"/>
+            <a:off x="470276" y="4143648"/>
             <a:ext cx="5363941" cy="1748490"/>
-            <a:chOff x="541891" y="2408110"/>
-            <a:chExt cx="5363941" cy="1748490"/>
           </a:xfrm>
-        </p:grpSpPr>
-        <p:sp>
-          <p:nvSpPr>
-            <p:cNvPr id="12" name="사각형: 둥근 모서리 11">
-              <a:extLst>
-                <a:ext uri="{FF2B5EF4-FFF2-40B4-BE49-F238E27FC236}">
-                  <a16:creationId xmlns:a16="http://schemas.microsoft.com/office/drawing/2014/main" id="{3439B1C8-3528-F911-5457-BF5ED692D7CF}"/>
-                </a:ext>
-              </a:extLst>
-            </p:cNvPr>
-            <p:cNvSpPr/>
-            <p:nvPr/>
-          </p:nvSpPr>
-          <p:spPr>
-            <a:xfrm>
-              <a:off x="541891" y="2408110"/>
-              <a:ext cx="5363941" cy="1748490"/>
-            </a:xfrm>
-            <a:prstGeom prst="roundRect">
-              <a:avLst>
-                <a:gd name="adj" fmla="val 6897"/>
-              </a:avLst>
-            </a:prstGeom>
-            <a:ln/>
-          </p:spPr>
-          <p:style>
-            <a:lnRef idx="2">
-              <a:schemeClr val="dk1"/>
-            </a:lnRef>
-            <a:fillRef idx="1">
-              <a:schemeClr val="lt1"/>
-            </a:fillRef>
-            <a:effectRef idx="0">
-              <a:schemeClr val="dk1"/>
-            </a:effectRef>
-            <a:fontRef idx="minor">
-              <a:schemeClr val="dk1"/>
-            </a:fontRef>
-          </p:style>
-          <p:txBody>
-            <a:bodyPr rtlCol="0" anchor="ctr"/>
-            <a:lstStyle/>
-            <a:p>
-              <a:pPr algn="ctr"/>
-              <a:endParaRPr lang="ko-KR" altLang="en-US"/>
-            </a:p>
-          </p:txBody>
-        </p:sp>
-        <p:sp>
-          <p:nvSpPr>
-            <p:cNvPr id="40" name="TextBox 39">
-              <a:extLst>
-                <a:ext uri="{FF2B5EF4-FFF2-40B4-BE49-F238E27FC236}">
-                  <a16:creationId xmlns:a16="http://schemas.microsoft.com/office/drawing/2014/main" id="{47F9C6E5-5CF0-4ADD-53E6-0361985783EC}"/>
-                </a:ext>
-              </a:extLst>
-            </p:cNvPr>
-            <p:cNvSpPr txBox="1"/>
-            <p:nvPr/>
-          </p:nvSpPr>
-          <p:spPr>
-            <a:xfrm>
-              <a:off x="758026" y="2900049"/>
-              <a:ext cx="5051965" cy="724365"/>
-            </a:xfrm>
-            <a:prstGeom prst="rect">
-              <a:avLst/>
-            </a:prstGeom>
-          </p:spPr>
-          <p:style>
-            <a:lnRef idx="2">
-              <a:schemeClr val="dk1"/>
-            </a:lnRef>
-            <a:fillRef idx="1">
-              <a:schemeClr val="lt1"/>
-            </a:fillRef>
-            <a:effectRef idx="0">
-              <a:schemeClr val="dk1"/>
-            </a:effectRef>
-            <a:fontRef idx="minor">
-              <a:schemeClr val="dk1"/>
-            </a:fontRef>
-          </p:style>
-          <p:txBody>
-            <a:bodyPr wrap="square">
-              <a:spAutoFit/>
-            </a:bodyPr>
-            <a:lstStyle/>
-            <a:p>
-              <a:pPr algn="ctr">
-                <a:lnSpc>
-                  <a:spcPct val="120000"/>
-                </a:lnSpc>
-                <a:defRPr/>
-              </a:pPr>
-              <a:r>
-                <a:rPr lang="ko-KR" altLang="en-US" dirty="0">
-                  <a:ln>
-                    <a:solidFill>
-                      <a:schemeClr val="bg1">
-                        <a:alpha val="0"/>
-                      </a:schemeClr>
-                    </a:solidFill>
-                  </a:ln>
-                  <a:solidFill>
-                    <a:schemeClr val="bg2">
-                      <a:lumMod val="25000"/>
-                    </a:schemeClr>
-                  </a:solidFill>
-                  <a:latin typeface="+mj-ea"/>
-                  <a:ea typeface="+mj-ea"/>
-                </a:rPr>
-                <a:t>사전 기획의 관점에서 </a:t>
-              </a:r>
-              <a:endParaRPr lang="en-US" altLang="ko-KR" dirty="0">
-                <a:ln>
-                  <a:solidFill>
-                    <a:schemeClr val="bg1">
-                      <a:alpha val="0"/>
-                    </a:schemeClr>
-                  </a:solidFill>
-                </a:ln>
-                <a:solidFill>
-                  <a:schemeClr val="bg2">
-                    <a:lumMod val="25000"/>
-                  </a:schemeClr>
-                </a:solidFill>
-                <a:latin typeface="+mj-ea"/>
-                <a:ea typeface="+mj-ea"/>
-              </a:endParaRPr>
-            </a:p>
-            <a:p>
-              <a:pPr algn="ctr">
-                <a:lnSpc>
-                  <a:spcPct val="120000"/>
-                </a:lnSpc>
-                <a:defRPr/>
-              </a:pPr>
-              <a:r>
-                <a:rPr lang="ko-KR" altLang="en-US" b="1" dirty="0">
-                  <a:ln>
-                    <a:solidFill>
-                      <a:schemeClr val="bg1">
-                        <a:alpha val="0"/>
-                      </a:schemeClr>
-                    </a:solidFill>
-                  </a:ln>
-                  <a:solidFill>
-                    <a:srgbClr val="3378C8"/>
-                  </a:solidFill>
-                  <a:latin typeface="+mj-ea"/>
-                  <a:ea typeface="+mj-ea"/>
-                </a:rPr>
-                <a:t>프로젝트 결과물에 대한 완성도 평가</a:t>
-              </a:r>
-              <a:r>
-                <a:rPr lang="en-US" altLang="ko-KR" sz="1600" dirty="0">
-                  <a:ln>
-                    <a:solidFill>
-                      <a:schemeClr val="bg1">
-                        <a:alpha val="0"/>
-                      </a:schemeClr>
-                    </a:solidFill>
-                  </a:ln>
-                  <a:solidFill>
-                    <a:schemeClr val="bg2">
-                      <a:lumMod val="25000"/>
-                    </a:schemeClr>
-                  </a:solidFill>
-                  <a:latin typeface="+mj-ea"/>
-                  <a:ea typeface="+mj-ea"/>
-                </a:rPr>
-                <a:t>(10</a:t>
-              </a:r>
-              <a:r>
-                <a:rPr lang="ko-KR" altLang="en-US" sz="1600" dirty="0">
-                  <a:ln>
-                    <a:solidFill>
-                      <a:schemeClr val="bg1">
-                        <a:alpha val="0"/>
-                      </a:schemeClr>
-                    </a:solidFill>
-                  </a:ln>
-                  <a:solidFill>
-                    <a:schemeClr val="bg2">
-                      <a:lumMod val="25000"/>
-                    </a:schemeClr>
-                  </a:solidFill>
-                  <a:latin typeface="+mj-ea"/>
-                  <a:ea typeface="+mj-ea"/>
-                </a:rPr>
-                <a:t>점 만점</a:t>
-              </a:r>
-              <a:r>
-                <a:rPr lang="en-US" altLang="ko-KR" sz="1600" dirty="0">
-                  <a:ln>
-                    <a:solidFill>
-                      <a:schemeClr val="bg1">
-                        <a:alpha val="0"/>
-                      </a:schemeClr>
-                    </a:solidFill>
-                  </a:ln>
-                  <a:solidFill>
-                    <a:schemeClr val="bg2">
-                      <a:lumMod val="25000"/>
-                    </a:schemeClr>
-                  </a:solidFill>
-                  <a:latin typeface="+mj-ea"/>
-                  <a:ea typeface="+mj-ea"/>
-                </a:rPr>
-                <a:t>)</a:t>
-              </a:r>
-              <a:endParaRPr lang="en-US" altLang="ko-KR" dirty="0">
-                <a:ln>
-                  <a:solidFill>
-                    <a:schemeClr val="bg1">
-                      <a:alpha val="0"/>
-                    </a:schemeClr>
-                  </a:solidFill>
-                </a:ln>
-                <a:solidFill>
-                  <a:schemeClr val="bg2">
-                    <a:lumMod val="25000"/>
-                  </a:schemeClr>
-                </a:solidFill>
-                <a:latin typeface="+mj-ea"/>
-                <a:ea typeface="+mj-ea"/>
-              </a:endParaRPr>
-            </a:p>
-          </p:txBody>
-        </p:sp>
-      </p:grpSp>
-      <p:grpSp>
-        <p:nvGrpSpPr>
-          <p:cNvPr id="10" name="그룹 9">
+          <a:prstGeom prst="roundRect">
+            <a:avLst>
+              <a:gd name="adj" fmla="val 6897"/>
+            </a:avLst>
+          </a:prstGeom>
+          <a:ln/>
+        </p:spPr>
+        <p:style>
+          <a:lnRef idx="2">
+            <a:schemeClr val="dk1"/>
+          </a:lnRef>
+          <a:fillRef idx="1">
+            <a:schemeClr val="lt1"/>
+          </a:fillRef>
+          <a:effectRef idx="0">
+            <a:schemeClr val="dk1"/>
+          </a:effectRef>
+          <a:fontRef idx="minor">
+            <a:schemeClr val="dk1"/>
+          </a:fontRef>
+        </p:style>
+        <p:txBody>
+          <a:bodyPr rtlCol="0" anchor="ctr"/>
+          <a:lstStyle/>
+          <a:p>
+            <a:pPr algn="ctr"/>
+            <a:r>
+              <a:rPr lang="ko-KR" altLang="en-US" sz="1400" dirty="0"/>
+              <a:t>기업페이지의 </a:t>
+            </a:r>
+            <a:r>
+              <a:rPr lang="en-US" altLang="ko-KR" sz="1400" dirty="0"/>
+              <a:t>UI </a:t>
+            </a:r>
+            <a:r>
+              <a:rPr lang="ko-KR" altLang="en-US" sz="1400" dirty="0"/>
+              <a:t>를 수정하고 유효성 검사와 예외 처리가 필요</a:t>
+            </a:r>
+          </a:p>
+        </p:txBody>
+      </p:sp>
+      <p:sp>
+        <p:nvSpPr>
+          <p:cNvPr id="17" name="사각형: 둥근 모서리 16">
             <a:extLst>
               <a:ext uri="{FF2B5EF4-FFF2-40B4-BE49-F238E27FC236}">
-                <a16:creationId xmlns:a16="http://schemas.microsoft.com/office/drawing/2014/main" id="{D159DDAF-8BBD-007D-3622-AD77BC218E24}"/>
+                <a16:creationId xmlns:a16="http://schemas.microsoft.com/office/drawing/2014/main" id="{E521B70D-67A3-8111-1F80-FCA0E1856D70}"/>
               </a:ext>
             </a:extLst>
           </p:cNvPr>
-          <p:cNvGrpSpPr/>
+          <p:cNvSpPr/>
           <p:nvPr/>
-        </p:nvGrpSpPr>
-        <p:grpSpPr>
+        </p:nvSpPr>
+        <p:spPr>
           <a:xfrm>
-            <a:off x="541891" y="4490910"/>
+            <a:off x="6324600" y="4143648"/>
             <a:ext cx="5363941" cy="1748490"/>
-            <a:chOff x="541891" y="4490910"/>
-            <a:chExt cx="5363941" cy="1748490"/>
           </a:xfrm>
-        </p:grpSpPr>
-        <p:sp>
-          <p:nvSpPr>
-            <p:cNvPr id="15" name="사각형: 둥근 모서리 14">
-              <a:extLst>
-                <a:ext uri="{FF2B5EF4-FFF2-40B4-BE49-F238E27FC236}">
-                  <a16:creationId xmlns:a16="http://schemas.microsoft.com/office/drawing/2014/main" id="{FBDEF34A-4B05-D616-FE0F-53CE76D5D25D}"/>
-                </a:ext>
-              </a:extLst>
-            </p:cNvPr>
-            <p:cNvSpPr/>
-            <p:nvPr/>
-          </p:nvSpPr>
-          <p:spPr>
-            <a:xfrm>
-              <a:off x="541891" y="4490910"/>
-              <a:ext cx="5363941" cy="1748490"/>
-            </a:xfrm>
-            <a:prstGeom prst="roundRect">
-              <a:avLst>
-                <a:gd name="adj" fmla="val 6897"/>
-              </a:avLst>
-            </a:prstGeom>
-            <a:ln/>
-          </p:spPr>
-          <p:style>
-            <a:lnRef idx="2">
-              <a:schemeClr val="dk1"/>
-            </a:lnRef>
-            <a:fillRef idx="1">
-              <a:schemeClr val="lt1"/>
-            </a:fillRef>
-            <a:effectRef idx="0">
-              <a:schemeClr val="dk1"/>
-            </a:effectRef>
-            <a:fontRef idx="minor">
-              <a:schemeClr val="dk1"/>
-            </a:fontRef>
-          </p:style>
-          <p:txBody>
-            <a:bodyPr rtlCol="0" anchor="ctr"/>
-            <a:lstStyle/>
-            <a:p>
-              <a:pPr algn="ctr"/>
-              <a:endParaRPr lang="ko-KR" altLang="en-US"/>
-            </a:p>
-          </p:txBody>
-        </p:sp>
-        <p:sp>
-          <p:nvSpPr>
-            <p:cNvPr id="50" name="TextBox 49">
-              <a:extLst>
-                <a:ext uri="{FF2B5EF4-FFF2-40B4-BE49-F238E27FC236}">
-                  <a16:creationId xmlns:a16="http://schemas.microsoft.com/office/drawing/2014/main" id="{F7304AE5-695E-DC8E-35C4-7970ECA23F32}"/>
-                </a:ext>
-              </a:extLst>
-            </p:cNvPr>
-            <p:cNvSpPr txBox="1"/>
-            <p:nvPr/>
-          </p:nvSpPr>
-          <p:spPr>
-            <a:xfrm>
-              <a:off x="912406" y="5019135"/>
-              <a:ext cx="4622911" cy="724365"/>
-            </a:xfrm>
-            <a:prstGeom prst="rect">
-              <a:avLst/>
-            </a:prstGeom>
-          </p:spPr>
-          <p:style>
-            <a:lnRef idx="2">
-              <a:schemeClr val="dk1"/>
-            </a:lnRef>
-            <a:fillRef idx="1">
-              <a:schemeClr val="lt1"/>
-            </a:fillRef>
-            <a:effectRef idx="0">
-              <a:schemeClr val="dk1"/>
-            </a:effectRef>
-            <a:fontRef idx="minor">
-              <a:schemeClr val="dk1"/>
-            </a:fontRef>
-          </p:style>
-          <p:txBody>
-            <a:bodyPr wrap="square">
-              <a:spAutoFit/>
-            </a:bodyPr>
-            <a:lstStyle/>
-            <a:p>
-              <a:pPr algn="ctr">
-                <a:lnSpc>
-                  <a:spcPct val="120000"/>
-                </a:lnSpc>
-                <a:defRPr/>
-              </a:pPr>
-              <a:r>
-                <a:rPr lang="ko-KR" altLang="en-US" dirty="0">
-                  <a:ln>
-                    <a:solidFill>
-                      <a:schemeClr val="bg1">
-                        <a:alpha val="0"/>
-                      </a:schemeClr>
-                    </a:solidFill>
-                  </a:ln>
-                  <a:solidFill>
-                    <a:schemeClr val="bg2">
-                      <a:lumMod val="25000"/>
-                    </a:schemeClr>
-                  </a:solidFill>
-                  <a:latin typeface="+mj-ea"/>
-                  <a:ea typeface="+mj-ea"/>
-                </a:rPr>
-                <a:t>프로젝트 결과물의 </a:t>
-              </a:r>
-              <a:endParaRPr lang="en-US" altLang="ko-KR" dirty="0">
-                <a:ln>
-                  <a:solidFill>
-                    <a:schemeClr val="bg1">
-                      <a:alpha val="0"/>
-                    </a:schemeClr>
-                  </a:solidFill>
-                </a:ln>
-                <a:solidFill>
-                  <a:schemeClr val="bg2">
-                    <a:lumMod val="25000"/>
-                  </a:schemeClr>
-                </a:solidFill>
-                <a:latin typeface="+mj-ea"/>
-                <a:ea typeface="+mj-ea"/>
-              </a:endParaRPr>
-            </a:p>
-            <a:p>
-              <a:pPr algn="ctr">
-                <a:lnSpc>
-                  <a:spcPct val="120000"/>
-                </a:lnSpc>
-                <a:defRPr/>
-              </a:pPr>
-              <a:r>
-                <a:rPr lang="ko-KR" altLang="en-US" b="1" dirty="0">
-                  <a:ln>
-                    <a:solidFill>
-                      <a:schemeClr val="bg1">
-                        <a:alpha val="0"/>
-                      </a:schemeClr>
-                    </a:solidFill>
-                  </a:ln>
-                  <a:solidFill>
-                    <a:srgbClr val="FFC000"/>
-                  </a:solidFill>
-                  <a:latin typeface="+mj-ea"/>
-                  <a:ea typeface="+mj-ea"/>
-                </a:rPr>
-                <a:t>추후 개선점이나 보완할 점</a:t>
-              </a:r>
-              <a:r>
-                <a:rPr lang="ko-KR" altLang="en-US" b="1" dirty="0">
-                  <a:ln>
-                    <a:solidFill>
-                      <a:schemeClr val="bg1">
-                        <a:alpha val="0"/>
-                      </a:schemeClr>
-                    </a:solidFill>
-                  </a:ln>
-                  <a:solidFill>
-                    <a:srgbClr val="FFD85C"/>
-                  </a:solidFill>
-                  <a:latin typeface="+mj-ea"/>
-                  <a:ea typeface="+mj-ea"/>
-                </a:rPr>
-                <a:t> </a:t>
-              </a:r>
-              <a:r>
-                <a:rPr lang="ko-KR" altLang="en-US" dirty="0">
-                  <a:ln>
-                    <a:solidFill>
-                      <a:schemeClr val="bg1">
-                        <a:alpha val="0"/>
-                      </a:schemeClr>
-                    </a:solidFill>
-                  </a:ln>
-                  <a:solidFill>
-                    <a:schemeClr val="bg2">
-                      <a:lumMod val="25000"/>
-                    </a:schemeClr>
-                  </a:solidFill>
-                  <a:latin typeface="+mj-ea"/>
-                  <a:ea typeface="+mj-ea"/>
-                </a:rPr>
-                <a:t>등 내용 정리</a:t>
-              </a:r>
-              <a:endParaRPr lang="en-US" altLang="ko-KR" dirty="0">
-                <a:ln>
-                  <a:solidFill>
-                    <a:schemeClr val="bg1">
-                      <a:alpha val="0"/>
-                    </a:schemeClr>
-                  </a:solidFill>
-                </a:ln>
-                <a:solidFill>
-                  <a:schemeClr val="bg2">
-                    <a:lumMod val="25000"/>
-                  </a:schemeClr>
-                </a:solidFill>
-                <a:latin typeface="+mj-ea"/>
-                <a:ea typeface="+mj-ea"/>
-              </a:endParaRPr>
-            </a:p>
-          </p:txBody>
-        </p:sp>
-      </p:grpSp>
-      <p:grpSp>
-        <p:nvGrpSpPr>
-          <p:cNvPr id="16" name="그룹 15">
+          <a:prstGeom prst="roundRect">
+            <a:avLst>
+              <a:gd name="adj" fmla="val 6897"/>
+            </a:avLst>
+          </a:prstGeom>
+          <a:ln/>
+        </p:spPr>
+        <p:style>
+          <a:lnRef idx="2">
+            <a:schemeClr val="dk1"/>
+          </a:lnRef>
+          <a:fillRef idx="1">
+            <a:schemeClr val="lt1"/>
+          </a:fillRef>
+          <a:effectRef idx="0">
+            <a:schemeClr val="dk1"/>
+          </a:effectRef>
+          <a:fontRef idx="minor">
+            <a:schemeClr val="dk1"/>
+          </a:fontRef>
+        </p:style>
+        <p:txBody>
+          <a:bodyPr rtlCol="0" anchor="ctr"/>
+          <a:lstStyle/>
+          <a:p>
+            <a:pPr algn="ctr"/>
+            <a:r>
+              <a:rPr lang="ko-KR" altLang="en-US" sz="1400" dirty="0"/>
+              <a:t>사전기획 팀원 간의 의사소통 일정 관리의 중요성을 배웠습니다</a:t>
+            </a:r>
+            <a:r>
+              <a:rPr lang="en-US" altLang="ko-KR" sz="1400" dirty="0"/>
+              <a:t>.</a:t>
+            </a:r>
+          </a:p>
+          <a:p>
+            <a:pPr algn="ctr"/>
+            <a:endParaRPr lang="ko-KR" altLang="en-US" sz="1400" dirty="0"/>
+          </a:p>
+        </p:txBody>
+      </p:sp>
+      <p:sp>
+        <p:nvSpPr>
+          <p:cNvPr id="14" name="사각형: 둥근 모서리 13">
             <a:extLst>
               <a:ext uri="{FF2B5EF4-FFF2-40B4-BE49-F238E27FC236}">
-                <a16:creationId xmlns:a16="http://schemas.microsoft.com/office/drawing/2014/main" id="{46FCD1F8-01D8-9AAA-897B-273E7CA1C058}"/>
+                <a16:creationId xmlns:a16="http://schemas.microsoft.com/office/drawing/2014/main" id="{1E025A8C-5815-C97A-B3AE-8F5FE071600F}"/>
               </a:ext>
             </a:extLst>
           </p:cNvPr>
-          <p:cNvGrpSpPr/>
+          <p:cNvSpPr/>
           <p:nvPr/>
-        </p:nvGrpSpPr>
-        <p:grpSpPr>
+        </p:nvSpPr>
+        <p:spPr>
           <a:xfrm>
-            <a:off x="6396215" y="4490910"/>
+            <a:off x="6324600" y="2060848"/>
             <a:ext cx="5363941" cy="1748490"/>
-            <a:chOff x="6396215" y="4490910"/>
-            <a:chExt cx="5363941" cy="1748490"/>
           </a:xfrm>
-        </p:grpSpPr>
-        <p:sp>
-          <p:nvSpPr>
-            <p:cNvPr id="17" name="사각형: 둥근 모서리 16">
-              <a:extLst>
-                <a:ext uri="{FF2B5EF4-FFF2-40B4-BE49-F238E27FC236}">
-                  <a16:creationId xmlns:a16="http://schemas.microsoft.com/office/drawing/2014/main" id="{E521B70D-67A3-8111-1F80-FCA0E1856D70}"/>
-                </a:ext>
-              </a:extLst>
-            </p:cNvPr>
-            <p:cNvSpPr/>
-            <p:nvPr/>
-          </p:nvSpPr>
-          <p:spPr>
-            <a:xfrm>
-              <a:off x="6396215" y="4490910"/>
-              <a:ext cx="5363941" cy="1748490"/>
-            </a:xfrm>
-            <a:prstGeom prst="roundRect">
-              <a:avLst>
-                <a:gd name="adj" fmla="val 6897"/>
-              </a:avLst>
-            </a:prstGeom>
-            <a:ln/>
-          </p:spPr>
-          <p:style>
-            <a:lnRef idx="2">
-              <a:schemeClr val="dk1"/>
-            </a:lnRef>
-            <a:fillRef idx="1">
-              <a:schemeClr val="lt1"/>
-            </a:fillRef>
-            <a:effectRef idx="0">
-              <a:schemeClr val="dk1"/>
-            </a:effectRef>
-            <a:fontRef idx="minor">
-              <a:schemeClr val="dk1"/>
-            </a:fontRef>
-          </p:style>
-          <p:txBody>
-            <a:bodyPr rtlCol="0" anchor="ctr"/>
-            <a:lstStyle/>
-            <a:p>
-              <a:pPr algn="ctr"/>
-              <a:endParaRPr lang="ko-KR" altLang="en-US"/>
-            </a:p>
-          </p:txBody>
-        </p:sp>
-        <p:sp>
-          <p:nvSpPr>
-            <p:cNvPr id="51" name="TextBox 50">
-              <a:extLst>
-                <a:ext uri="{FF2B5EF4-FFF2-40B4-BE49-F238E27FC236}">
-                  <a16:creationId xmlns:a16="http://schemas.microsoft.com/office/drawing/2014/main" id="{A0DB3080-EE57-F502-B40D-20275D5DAF63}"/>
-                </a:ext>
-              </a:extLst>
-            </p:cNvPr>
-            <p:cNvSpPr txBox="1"/>
-            <p:nvPr/>
-          </p:nvSpPr>
-          <p:spPr>
-            <a:xfrm>
-              <a:off x="6747148" y="5019135"/>
-              <a:ext cx="4622911" cy="743280"/>
-            </a:xfrm>
-            <a:prstGeom prst="rect">
-              <a:avLst/>
-            </a:prstGeom>
-          </p:spPr>
-          <p:style>
-            <a:lnRef idx="2">
-              <a:schemeClr val="dk1"/>
-            </a:lnRef>
-            <a:fillRef idx="1">
-              <a:schemeClr val="lt1"/>
-            </a:fillRef>
-            <a:effectRef idx="0">
-              <a:schemeClr val="dk1"/>
-            </a:effectRef>
-            <a:fontRef idx="minor">
-              <a:schemeClr val="dk1"/>
-            </a:fontRef>
-          </p:style>
-          <p:txBody>
-            <a:bodyPr wrap="square">
-              <a:spAutoFit/>
-            </a:bodyPr>
-            <a:lstStyle/>
-            <a:p>
-              <a:pPr algn="ctr">
-                <a:lnSpc>
-                  <a:spcPct val="120000"/>
-                </a:lnSpc>
-                <a:defRPr/>
-              </a:pPr>
-              <a:r>
-                <a:rPr lang="ko-KR" altLang="en-US" dirty="0">
-                  <a:ln>
-                    <a:solidFill>
-                      <a:schemeClr val="bg1">
-                        <a:alpha val="0"/>
-                      </a:schemeClr>
-                    </a:solidFill>
-                  </a:ln>
-                  <a:solidFill>
-                    <a:schemeClr val="bg2">
-                      <a:lumMod val="25000"/>
-                    </a:schemeClr>
-                  </a:solidFill>
-                  <a:latin typeface="+mj-ea"/>
-                  <a:ea typeface="+mj-ea"/>
-                </a:rPr>
-                <a:t>프로젝트를 수행하면서</a:t>
-              </a:r>
-              <a:r>
-                <a:rPr lang="en-US" altLang="ko-KR" dirty="0">
-                  <a:ln>
-                    <a:solidFill>
-                      <a:schemeClr val="bg1">
-                        <a:alpha val="0"/>
-                      </a:schemeClr>
-                    </a:solidFill>
-                  </a:ln>
-                  <a:solidFill>
-                    <a:schemeClr val="bg2">
-                      <a:lumMod val="25000"/>
-                    </a:schemeClr>
-                  </a:solidFill>
-                  <a:latin typeface="+mj-ea"/>
-                  <a:ea typeface="+mj-ea"/>
-                </a:rPr>
-                <a:t/>
-              </a:r>
-              <a:br>
-                <a:rPr lang="en-US" altLang="ko-KR" dirty="0">
-                  <a:ln>
-                    <a:solidFill>
-                      <a:schemeClr val="bg1">
-                        <a:alpha val="0"/>
-                      </a:schemeClr>
-                    </a:solidFill>
-                  </a:ln>
-                  <a:solidFill>
-                    <a:schemeClr val="bg2">
-                      <a:lumMod val="25000"/>
-                    </a:schemeClr>
-                  </a:solidFill>
-                  <a:latin typeface="+mj-ea"/>
-                  <a:ea typeface="+mj-ea"/>
-                </a:rPr>
-              </a:br>
-              <a:r>
-                <a:rPr lang="ko-KR" altLang="en-US" b="1" dirty="0">
-                  <a:ln>
-                    <a:solidFill>
-                      <a:schemeClr val="bg1">
-                        <a:alpha val="0"/>
-                      </a:schemeClr>
-                    </a:solidFill>
-                  </a:ln>
-                  <a:solidFill>
-                    <a:srgbClr val="3378C8"/>
-                  </a:solidFill>
-                  <a:latin typeface="+mj-ea"/>
-                  <a:ea typeface="+mj-ea"/>
-                </a:rPr>
-                <a:t>느낀 점이나</a:t>
-              </a:r>
-              <a:r>
-                <a:rPr lang="en-US" altLang="ko-KR" b="1" dirty="0">
-                  <a:ln>
-                    <a:solidFill>
-                      <a:schemeClr val="bg1">
-                        <a:alpha val="0"/>
-                      </a:schemeClr>
-                    </a:solidFill>
-                  </a:ln>
-                  <a:solidFill>
-                    <a:srgbClr val="3378C8"/>
-                  </a:solidFill>
-                  <a:latin typeface="+mj-ea"/>
-                  <a:ea typeface="+mj-ea"/>
-                </a:rPr>
-                <a:t> </a:t>
-              </a:r>
-              <a:r>
-                <a:rPr lang="ko-KR" altLang="en-US" b="1" dirty="0">
-                  <a:ln>
-                    <a:solidFill>
-                      <a:schemeClr val="bg1">
-                        <a:alpha val="0"/>
-                      </a:schemeClr>
-                    </a:solidFill>
-                  </a:ln>
-                  <a:solidFill>
-                    <a:srgbClr val="3378C8"/>
-                  </a:solidFill>
-                  <a:latin typeface="+mj-ea"/>
-                  <a:ea typeface="+mj-ea"/>
-                </a:rPr>
-                <a:t>경험한 성과</a:t>
-              </a:r>
-              <a:r>
-                <a:rPr lang="en-US" altLang="ko-KR" sz="1600" dirty="0">
-                  <a:ln>
-                    <a:solidFill>
-                      <a:schemeClr val="bg1">
-                        <a:alpha val="0"/>
-                      </a:schemeClr>
-                    </a:solidFill>
-                  </a:ln>
-                  <a:solidFill>
-                    <a:schemeClr val="bg2">
-                      <a:lumMod val="25000"/>
-                    </a:schemeClr>
-                  </a:solidFill>
-                  <a:latin typeface="+mj-ea"/>
-                  <a:ea typeface="+mj-ea"/>
-                </a:rPr>
-                <a:t>(</a:t>
-              </a:r>
-              <a:r>
-                <a:rPr lang="ko-KR" altLang="en-US" sz="1600" dirty="0">
-                  <a:ln>
-                    <a:solidFill>
-                      <a:schemeClr val="bg1">
-                        <a:alpha val="0"/>
-                      </a:schemeClr>
-                    </a:solidFill>
-                  </a:ln>
-                  <a:solidFill>
-                    <a:schemeClr val="bg2">
-                      <a:lumMod val="25000"/>
-                    </a:schemeClr>
-                  </a:solidFill>
-                  <a:latin typeface="+mj-ea"/>
-                  <a:ea typeface="+mj-ea"/>
-                </a:rPr>
-                <a:t>경력 계획 등과 연관</a:t>
-              </a:r>
-              <a:r>
-                <a:rPr lang="en-US" altLang="ko-KR" sz="1600" dirty="0">
-                  <a:ln>
-                    <a:solidFill>
-                      <a:schemeClr val="bg1">
-                        <a:alpha val="0"/>
-                      </a:schemeClr>
-                    </a:solidFill>
-                  </a:ln>
-                  <a:solidFill>
-                    <a:schemeClr val="bg2">
-                      <a:lumMod val="25000"/>
-                    </a:schemeClr>
-                  </a:solidFill>
-                  <a:latin typeface="+mj-ea"/>
-                  <a:ea typeface="+mj-ea"/>
-                </a:rPr>
-                <a:t>)</a:t>
-              </a:r>
-              <a:r>
-                <a:rPr lang="ko-KR" altLang="en-US" sz="1600" dirty="0">
-                  <a:ln>
-                    <a:solidFill>
-                      <a:schemeClr val="bg1">
-                        <a:alpha val="0"/>
-                      </a:schemeClr>
-                    </a:solidFill>
-                  </a:ln>
-                  <a:solidFill>
-                    <a:schemeClr val="bg2">
-                      <a:lumMod val="25000"/>
-                    </a:schemeClr>
-                  </a:solidFill>
-                  <a:latin typeface="+mj-ea"/>
-                  <a:ea typeface="+mj-ea"/>
-                </a:rPr>
-                <a:t> </a:t>
-              </a:r>
-              <a:endParaRPr lang="ko-KR" altLang="en-US" dirty="0">
-                <a:ln>
-                  <a:solidFill>
-                    <a:schemeClr val="bg1">
-                      <a:alpha val="0"/>
-                    </a:schemeClr>
-                  </a:solidFill>
-                </a:ln>
-                <a:solidFill>
-                  <a:schemeClr val="bg2">
-                    <a:lumMod val="25000"/>
-                  </a:schemeClr>
-                </a:solidFill>
-                <a:latin typeface="+mj-ea"/>
-                <a:ea typeface="+mj-ea"/>
-              </a:endParaRPr>
-            </a:p>
-          </p:txBody>
-        </p:sp>
-      </p:grpSp>
-      <p:grpSp>
-        <p:nvGrpSpPr>
-          <p:cNvPr id="9" name="그룹 8">
-            <a:extLst>
-              <a:ext uri="{FF2B5EF4-FFF2-40B4-BE49-F238E27FC236}">
-                <a16:creationId xmlns:a16="http://schemas.microsoft.com/office/drawing/2014/main" id="{3125D473-6822-3549-B009-40577C5E1CB8}"/>
-              </a:ext>
-            </a:extLst>
-          </p:cNvPr>
-          <p:cNvGrpSpPr/>
-          <p:nvPr/>
-        </p:nvGrpSpPr>
-        <p:grpSpPr>
-          <a:xfrm>
-            <a:off x="6396215" y="2408110"/>
-            <a:ext cx="5363941" cy="1748490"/>
-            <a:chOff x="6396215" y="2408110"/>
-            <a:chExt cx="5363941" cy="1748490"/>
-          </a:xfrm>
-        </p:grpSpPr>
-        <p:sp>
-          <p:nvSpPr>
-            <p:cNvPr id="14" name="사각형: 둥근 모서리 13">
-              <a:extLst>
-                <a:ext uri="{FF2B5EF4-FFF2-40B4-BE49-F238E27FC236}">
-                  <a16:creationId xmlns:a16="http://schemas.microsoft.com/office/drawing/2014/main" id="{1E025A8C-5815-C97A-B3AE-8F5FE071600F}"/>
-                </a:ext>
-              </a:extLst>
-            </p:cNvPr>
-            <p:cNvSpPr/>
-            <p:nvPr/>
-          </p:nvSpPr>
-          <p:spPr>
-            <a:xfrm>
-              <a:off x="6396215" y="2408110"/>
-              <a:ext cx="5363941" cy="1748490"/>
-            </a:xfrm>
-            <a:prstGeom prst="roundRect">
-              <a:avLst>
-                <a:gd name="adj" fmla="val 6897"/>
-              </a:avLst>
-            </a:prstGeom>
-            <a:ln/>
-          </p:spPr>
-          <p:style>
-            <a:lnRef idx="2">
-              <a:schemeClr val="dk1"/>
-            </a:lnRef>
-            <a:fillRef idx="1">
-              <a:schemeClr val="lt1"/>
-            </a:fillRef>
-            <a:effectRef idx="0">
-              <a:schemeClr val="dk1"/>
-            </a:effectRef>
-            <a:fontRef idx="minor">
-              <a:schemeClr val="dk1"/>
-            </a:fontRef>
-          </p:style>
-          <p:txBody>
-            <a:bodyPr rtlCol="0" anchor="ctr"/>
-            <a:lstStyle/>
-            <a:p>
-              <a:pPr algn="ctr"/>
-              <a:endParaRPr lang="ko-KR" altLang="en-US"/>
-            </a:p>
-          </p:txBody>
-        </p:sp>
-        <p:sp>
-          <p:nvSpPr>
-            <p:cNvPr id="47" name="TextBox 46">
-              <a:extLst>
-                <a:ext uri="{FF2B5EF4-FFF2-40B4-BE49-F238E27FC236}">
-                  <a16:creationId xmlns:a16="http://schemas.microsoft.com/office/drawing/2014/main" id="{6719653C-5E68-CF3A-C029-6588E11E539A}"/>
-                </a:ext>
-              </a:extLst>
-            </p:cNvPr>
-            <p:cNvSpPr txBox="1"/>
-            <p:nvPr/>
-          </p:nvSpPr>
-          <p:spPr>
-            <a:xfrm>
-              <a:off x="6636060" y="2900049"/>
-              <a:ext cx="4995645" cy="371192"/>
-            </a:xfrm>
-            <a:prstGeom prst="rect">
-              <a:avLst/>
-            </a:prstGeom>
-          </p:spPr>
-          <p:style>
-            <a:lnRef idx="2">
-              <a:schemeClr val="dk1"/>
-            </a:lnRef>
-            <a:fillRef idx="1">
-              <a:schemeClr val="lt1"/>
-            </a:fillRef>
-            <a:effectRef idx="0">
-              <a:schemeClr val="dk1"/>
-            </a:effectRef>
-            <a:fontRef idx="minor">
-              <a:schemeClr val="dk1"/>
-            </a:fontRef>
-          </p:style>
-          <p:txBody>
-            <a:bodyPr wrap="square">
-              <a:spAutoFit/>
-            </a:bodyPr>
-            <a:lstStyle/>
-            <a:p>
-              <a:pPr algn="ctr">
-                <a:lnSpc>
-                  <a:spcPct val="110000"/>
-                </a:lnSpc>
-                <a:defRPr/>
-              </a:pPr>
-              <a:r>
-                <a:rPr lang="ko-KR" altLang="en-US" dirty="0">
-                  <a:ln>
-                    <a:solidFill>
-                      <a:schemeClr val="bg1">
-                        <a:alpha val="0"/>
-                      </a:schemeClr>
-                    </a:solidFill>
-                  </a:ln>
-                  <a:solidFill>
-                    <a:schemeClr val="bg2">
-                      <a:lumMod val="25000"/>
-                    </a:schemeClr>
-                  </a:solidFill>
-                  <a:latin typeface="+mj-ea"/>
-                  <a:ea typeface="+mj-ea"/>
-                </a:rPr>
-                <a:t>개인 또는 우리 팀이 </a:t>
-              </a:r>
-              <a:r>
-                <a:rPr lang="ko-KR" altLang="en-US" b="1" dirty="0">
-                  <a:ln>
-                    <a:solidFill>
-                      <a:schemeClr val="bg1">
-                        <a:alpha val="0"/>
-                      </a:schemeClr>
-                    </a:solidFill>
-                  </a:ln>
-                  <a:solidFill>
-                    <a:srgbClr val="FFC000"/>
-                  </a:solidFill>
-                  <a:latin typeface="+mj-ea"/>
-                  <a:ea typeface="+mj-ea"/>
-                </a:rPr>
-                <a:t>잘한 부분과 아쉬운 점</a:t>
-              </a:r>
-              <a:endParaRPr lang="en-US" altLang="ko-KR" b="1" dirty="0">
-                <a:ln>
-                  <a:solidFill>
-                    <a:schemeClr val="bg1">
-                      <a:alpha val="0"/>
-                    </a:schemeClr>
-                  </a:solidFill>
-                </a:ln>
-                <a:solidFill>
-                  <a:srgbClr val="FFC000"/>
-                </a:solidFill>
-                <a:latin typeface="+mj-ea"/>
-                <a:ea typeface="+mj-ea"/>
-              </a:endParaRPr>
-            </a:p>
-          </p:txBody>
-        </p:sp>
-      </p:grpSp>
+          <a:prstGeom prst="roundRect">
+            <a:avLst>
+              <a:gd name="adj" fmla="val 6897"/>
+            </a:avLst>
+          </a:prstGeom>
+          <a:ln/>
+        </p:spPr>
+        <p:style>
+          <a:lnRef idx="2">
+            <a:schemeClr val="dk1"/>
+          </a:lnRef>
+          <a:fillRef idx="1">
+            <a:schemeClr val="lt1"/>
+          </a:fillRef>
+          <a:effectRef idx="0">
+            <a:schemeClr val="dk1"/>
+          </a:effectRef>
+          <a:fontRef idx="minor">
+            <a:schemeClr val="dk1"/>
+          </a:fontRef>
+        </p:style>
+        <p:txBody>
+          <a:bodyPr rtlCol="0" anchor="ctr"/>
+          <a:lstStyle/>
+          <a:p>
+            <a:pPr algn="ctr"/>
+            <a:r>
+              <a:rPr lang="ko-KR" altLang="en-US" sz="1400" dirty="0"/>
+              <a:t>잘한 점</a:t>
+            </a:r>
+            <a:r>
+              <a:rPr lang="en-US" altLang="ko-KR" sz="1400" dirty="0"/>
+              <a:t>:</a:t>
+            </a:r>
+          </a:p>
+          <a:p>
+            <a:pPr algn="ctr"/>
+            <a:r>
+              <a:rPr lang="ko-KR" altLang="en-US" sz="1400" dirty="0"/>
+              <a:t>각자 맡은 작업을 제대로 수행했다</a:t>
+            </a:r>
+            <a:endParaRPr lang="en-US" altLang="ko-KR" sz="1400" dirty="0"/>
+          </a:p>
+          <a:p>
+            <a:pPr algn="ctr"/>
+            <a:endParaRPr lang="en-US" altLang="ko-KR" sz="1400" dirty="0"/>
+          </a:p>
+          <a:p>
+            <a:pPr algn="ctr"/>
+            <a:r>
+              <a:rPr lang="ko-KR" altLang="en-US" sz="1400" dirty="0"/>
+              <a:t>아쉬운 점</a:t>
+            </a:r>
+            <a:r>
+              <a:rPr lang="en-US" altLang="ko-KR" sz="1400" dirty="0"/>
+              <a:t>:</a:t>
+            </a:r>
+          </a:p>
+          <a:p>
+            <a:pPr algn="ctr"/>
+            <a:r>
+              <a:rPr lang="ko-KR" altLang="en-US" sz="1400" dirty="0"/>
+              <a:t>팀원간 의사소통이 부족했다</a:t>
+            </a:r>
+            <a:endParaRPr lang="en-US" altLang="ko-KR" sz="1400" dirty="0"/>
+          </a:p>
+          <a:p>
+            <a:pPr algn="ctr"/>
+            <a:r>
+              <a:rPr lang="ko-KR" altLang="en-US" sz="1400" dirty="0"/>
+              <a:t>팀장의 지휘가 많이 부족했다</a:t>
+            </a:r>
+            <a:endParaRPr lang="en-US" altLang="ko-KR" sz="1400" dirty="0"/>
+          </a:p>
+        </p:txBody>
+      </p:sp>
     </p:spTree>
     <p:extLst>
       <p:ext uri="{BB962C8B-B14F-4D97-AF65-F5344CB8AC3E}">
